--- a/anom/anom-talk-with-template.pptx
+++ b/anom/anom-talk-with-template.pptx
@@ -5,7 +5,7 @@
     <p:sldMasterId id="2147483660" r:id="rId1"/>
   </p:sldMasterIdLst>
   <p:notesMasterIdLst>
-    <p:notesMasterId r:id="rId42"/>
+    <p:notesMasterId r:id="rId55"/>
   </p:notesMasterIdLst>
   <p:sldIdLst>
     <p:sldId id="256" r:id="rId2"/>
@@ -48,6 +48,19 @@
     <p:sldId id="293" r:id="rId39"/>
     <p:sldId id="294" r:id="rId40"/>
     <p:sldId id="295" r:id="rId41"/>
+    <p:sldId id="296" r:id="rId42"/>
+    <p:sldId id="297" r:id="rId43"/>
+    <p:sldId id="298" r:id="rId44"/>
+    <p:sldId id="299" r:id="rId45"/>
+    <p:sldId id="300" r:id="rId46"/>
+    <p:sldId id="301" r:id="rId47"/>
+    <p:sldId id="302" r:id="rId48"/>
+    <p:sldId id="303" r:id="rId49"/>
+    <p:sldId id="304" r:id="rId50"/>
+    <p:sldId id="305" r:id="rId51"/>
+    <p:sldId id="306" r:id="rId52"/>
+    <p:sldId id="307" r:id="rId53"/>
+    <p:sldId id="308" r:id="rId54"/>
   </p:sldIdLst>
   <p:sldSz cx="9144000" cy="6858000" type="screen4x3"/>
   <p:notesSz cx="6858000" cy="9144000"/>
@@ -247,7 +260,7 @@
           <a:p>
             <a:fld id="{0F9C1CCF-B725-44A7-AA57-5E433BD85C9F}" type="datetimeFigureOut">
               <a:rPr lang="en-US" smtClean="0"/>
-              <a:t>4/12/2022</a:t>
+              <a:t>4/15/2022</a:t>
             </a:fld>
             <a:endParaRPr lang="en-US"/>
           </a:p>
@@ -576,7 +589,7 @@
               <a:buNone/>
             </a:pPr>
             <a:r>
-              <a:t>Analysis of Means (ANOM) is an underappreciated methodology that has relevance to quality control and institutional comparisons. Unlike Analysis of Variance (ANOVA), which compares one group mean to another group mean, ANOM compares each group mean to the overall mean. The calculations in ANOM are simple and direct. ANOM also avoids many of the ambiguities inherent in the multiple comparisons used in ANOVA, and avoids a common misinterpretation about overlapping confidence intervals. This talk will illustrate the mechanics of calculating ANOM and provide context for when you should or should not use it.</a:t>
+              <a:t>Analysis of Means (ANOM) is an under appreciated methodology that has relevance to quality control and institutional comparisons. Unlike Analysis of Variance (ANOVA), which compares one group mean to another group mean, ANOM compares each group mean to the overall mean. The calculations in ANOM are simple and direct. ANOM also avoids many of the ambiguities inherent in the multiple comparisons used in ANOVA, and avoids a common misinterpretation about overlapping confidence intervals. This talk will illustrate the mechanics of calculating ANOM and provide context for when you should or should not use it.</a:t>
             </a:r>
           </a:p>
         </p:txBody>
@@ -660,7 +673,7 @@
               <a:buNone/>
             </a:pPr>
             <a:r>
-              <a:t>Most of the decision rules such as</a:t>
+              <a:t>There are several approaches to identifying where the differences lie. Here’s a plot showing that the only statistically significant difference is between materials B and D.</a:t>
             </a:r>
           </a:p>
           <a:p>
@@ -670,9 +683,11 @@
             <a:endParaRPr/>
           </a:p>
           <a:p>
-            <a:pPr lvl="1"/>
-            <a:r>
-              <a:t>Eight consecutive points on same size of the centerline</a:t>
+            <a:pPr marL="0" lvl="0" indent="0">
+              <a:buNone/>
+            </a:pPr>
+            <a:r>
+              <a:t>This is a bit tricky to interpret. There is no statistically significant difference between the weakest material, B, and the second weakest, C. There’s no difference between C and the next material, A. And there is no difference between C and the strongest material, D.</a:t>
             </a:r>
           </a:p>
           <a:p>
@@ -682,9 +697,11 @@
             <a:endParaRPr/>
           </a:p>
           <a:p>
-            <a:pPr lvl="1"/>
-            <a:r>
-              <a:t>Two out of three outside two sigma limits</a:t>
+            <a:pPr marL="0" lvl="0" indent="0">
+              <a:buNone/>
+            </a:pPr>
+            <a:r>
+              <a:t>But there is a difference between B and D. It seems a bit weird.</a:t>
             </a:r>
           </a:p>
           <a:p>
@@ -694,9 +711,11 @@
             <a:endParaRPr/>
           </a:p>
           <a:p>
-            <a:pPr lvl="1"/>
-            <a:r>
-              <a:t>Four out of five outside one sigma limits</a:t>
+            <a:pPr marL="0" lvl="0" indent="0">
+              <a:buNone/>
+            </a:pPr>
+            <a:r>
+              <a:t>Perhaps the best analogy I can think of is that I live in Kansas City and I have relatives in Denver and Cincinnati. It’s not too bad a trip from Kansas City to Denver, and it’s not too bad a trip from Kansas City to Cincinnati. But it would be a significant trip to drive all the way from Denver to Cincinnati.</a:t>
             </a:r>
           </a:p>
           <a:p>
@@ -710,7 +729,7 @@
               <a:buNone/>
             </a:pPr>
             <a:r>
-              <a:t>are dependent on the ordering of the data.</a:t>
+              <a:t>It just is an inherent ambiguity with the analysis of variance. Comparing pairs of means to see which pairs differ will sometimes provide unambiguous interpretations, but often they will not.</a:t>
             </a:r>
           </a:p>
           <a:p>
@@ -724,7 +743,7 @@
               <a:buNone/>
             </a:pPr>
             <a:r>
-              <a:t>But the ordering shown in the previous chart is arbitrary. You could have just as easily arranged the dwarfs names alphabetically and you would end up with the possibly a different interpretation.</a:t>
+              <a:t>Now I don’t mean to harp on this point too much. ANOVA is a great technique. It often helps us greatly in understanding what is going on, in spite of these interpretation problems. But nothing is perfect in Statistics. There is at least some downside to everything that you try.</a:t>
             </a:r>
           </a:p>
         </p:txBody>
@@ -746,7 +765,7 @@
           <a:p>
             <a:fld id="{18BDFEC3-8487-43E8-A154-7C12CBC1FFF2}" type="slidenum">
               <a:rPr lang="en-US"/>
-              <a:t>13</a:t>
+              <a:t>11</a:t>
             </a:fld>
             <a:endParaRPr lang="en-US"/>
           </a:p>
@@ -808,7 +827,7 @@
               <a:buNone/>
             </a:pPr>
             <a:r>
-              <a:t>This is the Analysis of Means hypothesis. I’m keeping things simple by assuming that there ar exactly lower-case n values in each of k groups.</a:t>
+              <a:t>Here is an image from Wikipedia</a:t>
             </a:r>
           </a:p>
           <a:p>
@@ -822,7 +841,21 @@
               <a:buNone/>
             </a:pPr>
             <a:r>
-              <a:t>You are comparing each mean to the overall mean. This is a slightly different approach than looking at pairs of means, as Analysis of Variance does.</a:t>
+              <a:t>https://commons.wikimedia.org/wiki/File:Piston_rings.jpg</a:t>
+            </a:r>
+          </a:p>
+          <a:p>
+            <a:pPr marL="0" lvl="0" indent="0">
+              <a:buNone/>
+            </a:pPr>
+            <a:endParaRPr/>
+          </a:p>
+          <a:p>
+            <a:pPr marL="0" lvl="0" indent="0">
+              <a:buNone/>
+            </a:pPr>
+            <a:r>
+              <a:t>of an automobile engine showing the piston, the cylinder it fits in, and the piston rings which insure a precise fit. With today’s engines, you need to size the piston rings very precisely, and if the manufacturing process starts to produce rings that are even just a tiny bit too small or too large, you end up with problems.</a:t>
             </a:r>
           </a:p>
         </p:txBody>
@@ -844,7 +877,7 @@
           <a:p>
             <a:fld id="{18BDFEC3-8487-43E8-A154-7C12CBC1FFF2}" type="slidenum">
               <a:rPr lang="en-US"/>
-              <a:t>15</a:t>
+              <a:t>12</a:t>
             </a:fld>
             <a:endParaRPr lang="en-US"/>
           </a:p>
@@ -906,7 +939,7 @@
               <a:buNone/>
             </a:pPr>
             <a:r>
-              <a:t>You need percentiles from a special distribution. You can find tables for this distribution in many places. Here’s a small piece of a table that I produced a while back. You can find the full table at</a:t>
+              <a:t>In this example, workers regularly monitor the diameters of the piston rings that they produce. It’s important to keep the diameters very very close to 74. The workers on the factory floor measure five diameters every day, compute the average and standard deviation for that day.</a:t>
             </a:r>
           </a:p>
           <a:p>
@@ -920,133 +953,7 @@
               <a:buNone/>
             </a:pPr>
             <a:r>
-              <a:t>http://www.pmean.com/07/AnomTable05Part1.html</a:t>
-            </a:r>
-          </a:p>
-          <a:p>
-            <a:pPr marL="0" lvl="0" indent="0">
-              <a:buNone/>
-            </a:pPr>
-            <a:endParaRPr/>
-          </a:p>
-          <a:p>
-            <a:pPr marL="0" lvl="0" indent="0">
-              <a:buNone/>
-            </a:pPr>
-            <a:r>
-              <a:t>and</a:t>
-            </a:r>
-          </a:p>
-          <a:p>
-            <a:pPr marL="0" lvl="0" indent="0">
-              <a:buNone/>
-            </a:pPr>
-            <a:endParaRPr/>
-          </a:p>
-          <a:p>
-            <a:pPr marL="0" lvl="0" indent="0">
-              <a:buNone/>
-            </a:pPr>
-            <a:r>
-              <a:t>http://www.pmean.com/07/AnomTable05Part2.html</a:t>
-            </a:r>
-          </a:p>
-          <a:p>
-            <a:pPr marL="0" lvl="0" indent="0">
-              <a:buNone/>
-            </a:pPr>
-            <a:endParaRPr/>
-          </a:p>
-          <a:p>
-            <a:pPr marL="0" lvl="0" indent="0">
-              <a:buNone/>
-            </a:pPr>
-            <a:r>
-              <a:t>If you are curious, here are a few details about how I generated this table. I cross checked it against several other tables, by the way.</a:t>
-            </a:r>
-          </a:p>
-          <a:p>
-            <a:pPr marL="0" lvl="0" indent="0">
-              <a:buNone/>
-            </a:pPr>
-            <a:endParaRPr/>
-          </a:p>
-          <a:p>
-            <a:pPr marL="0" lvl="0" indent="0">
-              <a:buNone/>
-            </a:pPr>
-            <a:r>
-              <a:t>You compute the critical value using a multivariate t-distribution. There are a few complications. First the distribution you are trying to describe represents deviations from an overall mean, so there will be correlations in the data since each group contributes to the overall mean. This correlation, -1/(I-1), is the same for any pair of deviations. Second, the sum of the deviations must equal zero, so this produces a degenerate distribution. This degeneracy means that there is no inverse for the correlation matrix.</a:t>
-            </a:r>
-          </a:p>
-          <a:p>
-            <a:pPr marL="0" lvl="0" indent="0">
-              <a:buNone/>
-            </a:pPr>
-            <a:endParaRPr/>
-          </a:p>
-          <a:p>
-            <a:pPr marL="0" lvl="0" indent="0">
-              <a:buNone/>
-            </a:pPr>
-            <a:r>
-              <a:t>In R, there is a library, mvtnorm, that will allow you to compute the percentiles needed for ANOM. Here’s an example to get h(0.95, 5, 15):</a:t>
-            </a:r>
-          </a:p>
-          <a:p>
-            <a:pPr marL="0" lvl="0" indent="0">
-              <a:buNone/>
-            </a:pPr>
-            <a:endParaRPr/>
-          </a:p>
-          <a:p>
-            <a:pPr marL="0" lvl="0" indent="0">
-              <a:buNone/>
-            </a:pPr>
-            <a:r>
-              <a:t>i &lt;- 5</a:t>
-            </a:r>
-          </a:p>
-          <a:p>
-            <a:pPr marL="0" lvl="0" indent="0">
-              <a:buNone/>
-            </a:pPr>
-            <a:endParaRPr/>
-          </a:p>
-          <a:p>
-            <a:pPr marL="0" lvl="0" indent="0">
-              <a:buNone/>
-            </a:pPr>
-            <a:r>
-              <a:t>co &lt;- matrix(-1/(i-1), nrow=i, ncol=i)</a:t>
-            </a:r>
-          </a:p>
-          <a:p>
-            <a:pPr marL="0" lvl="0" indent="0">
-              <a:buNone/>
-            </a:pPr>
-            <a:endParaRPr/>
-          </a:p>
-          <a:p>
-            <a:pPr marL="0" lvl="0" indent="0">
-              <a:buNone/>
-            </a:pPr>
-            <a:r>
-              <a:t>diag(co) &lt;- rep(1,i)</a:t>
-            </a:r>
-          </a:p>
-          <a:p>
-            <a:pPr marL="0" lvl="0" indent="0">
-              <a:buNone/>
-            </a:pPr>
-            <a:endParaRPr/>
-          </a:p>
-          <a:p>
-            <a:pPr marL="0" lvl="0" indent="0">
-              <a:buNone/>
-            </a:pPr>
-            <a:r>
-              <a:t>qmvt(p=0.95, tail=“both.tails”, corr=co, df=15)</a:t>
+              <a:t>Here are those values for the first few days.</a:t>
             </a:r>
           </a:p>
         </p:txBody>
@@ -1068,7 +975,7 @@
           <a:p>
             <a:fld id="{18BDFEC3-8487-43E8-A154-7C12CBC1FFF2}" type="slidenum">
               <a:rPr lang="en-US"/>
-              <a:t>16</a:t>
+              <a:t>13</a:t>
             </a:fld>
             <a:endParaRPr lang="en-US"/>
           </a:p>
@@ -1130,21 +1037,7 @@
               <a:buNone/>
             </a:pPr>
             <a:r>
-              <a:t>This dataset comes from the SAS QC Guide. It represents deviations in label placement for a bottling machine. There are six different positions for this machine, and you want to find out if the deviations are substantially different for one or more positions.</a:t>
-            </a:r>
-          </a:p>
-          <a:p>
-            <a:pPr marL="0" lvl="0" indent="0">
-              <a:buNone/>
-            </a:pPr>
-            <a:endParaRPr/>
-          </a:p>
-          <a:p>
-            <a:pPr marL="0" lvl="0" indent="0">
-              <a:buNone/>
-            </a:pPr>
-            <a:r>
-              <a:t>The deviations for Position 1 are small but mostly negative. That means that the label is placed a bit too far to the left, on average.</a:t>
+              <a:t>Around day 37 or 38, things start to go bad. 74.02 does not seem that much different than 74, but it is.</a:t>
             </a:r>
           </a:p>
         </p:txBody>
@@ -1166,7 +1059,7 @@
           <a:p>
             <a:fld id="{18BDFEC3-8487-43E8-A154-7C12CBC1FFF2}" type="slidenum">
               <a:rPr lang="en-US"/>
-              <a:t>18</a:t>
+              <a:t>14</a:t>
             </a:fld>
             <a:endParaRPr lang="en-US"/>
           </a:p>
@@ -1228,7 +1121,7 @@
               <a:buNone/>
             </a:pPr>
             <a:r>
-              <a:t>Here’s the data for the second position. There is more of a mix here, and more positive than negative deviations.</a:t>
+              <a:t>For a control chart, plot the data in time sequence. This is important.</a:t>
             </a:r>
           </a:p>
           <a:p>
@@ -1242,7 +1135,7 @@
               <a:buNone/>
             </a:pPr>
             <a:r>
-              <a:t>I won’t show the rest of the raw data, but here is a graph.</a:t>
+              <a:t>Add control limits at 3 SIGMA. I deliberately use the term SIGMA because it is not actually a standard deviation across all of the data. SIGMA represents short term variation. There are several ways to compute short term variation, but it is never a straight standard deviation.</a:t>
             </a:r>
           </a:p>
         </p:txBody>
@@ -1264,7 +1157,7 @@
           <a:p>
             <a:fld id="{18BDFEC3-8487-43E8-A154-7C12CBC1FFF2}" type="slidenum">
               <a:rPr lang="en-US"/>
-              <a:t>19</a:t>
+              <a:t>15</a:t>
             </a:fld>
             <a:endParaRPr lang="en-US"/>
           </a:p>
@@ -1326,7 +1219,21 @@
               <a:buNone/>
             </a:pPr>
             <a:r>
-              <a:t>It looks like positions 1 and 6 are a bit too far to the left, position 4 is a bit too far to the right, and positions 2, 3, and 5 are somewhere in between. Do any of these differ from the overall mean?</a:t>
+              <a:t>Here’s a graphical illustration of these rules, taken again from the font of all wisdom, Wikipedia.</a:t>
+            </a:r>
+          </a:p>
+          <a:p>
+            <a:pPr marL="0" lvl="0" indent="0">
+              <a:buNone/>
+            </a:pPr>
+            <a:endParaRPr/>
+          </a:p>
+          <a:p>
+            <a:pPr marL="0" lvl="0" indent="0">
+              <a:buNone/>
+            </a:pPr>
+            <a:r>
+              <a:t>https://commons.wikimedia.org/wiki/File:Western_electric_rules.svg</a:t>
             </a:r>
           </a:p>
         </p:txBody>
@@ -1348,7 +1255,7 @@
           <a:p>
             <a:fld id="{18BDFEC3-8487-43E8-A154-7C12CBC1FFF2}" type="slidenum">
               <a:rPr lang="en-US"/>
-              <a:t>20</a:t>
+              <a:t>16</a:t>
             </a:fld>
             <a:endParaRPr lang="en-US"/>
           </a:p>
@@ -1410,7 +1317,7 @@
               <a:buNone/>
             </a:pPr>
             <a:r>
-              <a:t>Here are the means and standard deviations for each position.</a:t>
+              <a:t>This slide shows an example of a control chart for the piston ring data. It shows trouble starting on day 37.</a:t>
             </a:r>
           </a:p>
         </p:txBody>
@@ -1432,7 +1339,7 @@
           <a:p>
             <a:fld id="{18BDFEC3-8487-43E8-A154-7C12CBC1FFF2}" type="slidenum">
               <a:rPr lang="en-US"/>
-              <a:t>21</a:t>
+              <a:t>18</a:t>
             </a:fld>
             <a:endParaRPr lang="en-US"/>
           </a:p>
@@ -1494,7 +1401,7 @@
               <a:buNone/>
             </a:pPr>
             <a:r>
-              <a:t>A plot of the position means shows a bit more clearly the pattern I mentioned earlier.</a:t>
+              <a:t>Here is a hypothetical example, looking at the mining output of a famous group of miners. Can anyone name all seven dwarfs?</a:t>
             </a:r>
           </a:p>
         </p:txBody>
@@ -1516,7 +1423,7 @@
           <a:p>
             <a:fld id="{18BDFEC3-8487-43E8-A154-7C12CBC1FFF2}" type="slidenum">
               <a:rPr lang="en-US"/>
-              <a:t>22</a:t>
+              <a:t>19</a:t>
             </a:fld>
             <a:endParaRPr lang="en-US"/>
           </a:p>
@@ -1578,7 +1485,21 @@
               <a:buNone/>
             </a:pPr>
             <a:r>
-              <a:t>The overall mean and the pooled standard deviation are computed used the standard formulas you learned in your STATS 101 class.</a:t>
+              <a:t>Here’s a fictional chart showing ore production by eight dwarves. I added an eight dwarf. Does anyone know who “Gimli” is?</a:t>
+            </a:r>
+          </a:p>
+          <a:p>
+            <a:pPr marL="0" lvl="0" indent="0">
+              <a:buNone/>
+            </a:pPr>
+            <a:endParaRPr/>
+          </a:p>
+          <a:p>
+            <a:pPr marL="0" lvl="0" indent="0">
+              <a:buNone/>
+            </a:pPr>
+            <a:r>
+              <a:t>This is drawn like a control chart and uses control chart limits, but it is not a correct application of control chart methodology.</a:t>
             </a:r>
           </a:p>
         </p:txBody>
@@ -1600,7 +1521,7 @@
           <a:p>
             <a:fld id="{18BDFEC3-8487-43E8-A154-7C12CBC1FFF2}" type="slidenum">
               <a:rPr lang="en-US"/>
-              <a:t>23</a:t>
+              <a:t>20</a:t>
             </a:fld>
             <a:endParaRPr lang="en-US"/>
           </a:p>
@@ -1662,7 +1583,71 @@
               <a:buNone/>
             </a:pPr>
             <a:r>
-              <a:t>Draw a horizontal line at the overall mean and show the deviations from the overall mean as spikes.</a:t>
+              <a:t>Most of the decision rules such as</a:t>
+            </a:r>
+          </a:p>
+          <a:p>
+            <a:pPr marL="0" lvl="0" indent="0">
+              <a:buNone/>
+            </a:pPr>
+            <a:endParaRPr/>
+          </a:p>
+          <a:p>
+            <a:pPr lvl="1"/>
+            <a:r>
+              <a:t>Eight consecutive points on same size of the center line</a:t>
+            </a:r>
+          </a:p>
+          <a:p>
+            <a:pPr marL="0" lvl="0" indent="0">
+              <a:buNone/>
+            </a:pPr>
+            <a:endParaRPr/>
+          </a:p>
+          <a:p>
+            <a:pPr lvl="1"/>
+            <a:r>
+              <a:t>Two out of three outside two sigma limits</a:t>
+            </a:r>
+          </a:p>
+          <a:p>
+            <a:pPr marL="0" lvl="0" indent="0">
+              <a:buNone/>
+            </a:pPr>
+            <a:endParaRPr/>
+          </a:p>
+          <a:p>
+            <a:pPr lvl="1"/>
+            <a:r>
+              <a:t>Four out of five outside one sigma limits</a:t>
+            </a:r>
+          </a:p>
+          <a:p>
+            <a:pPr marL="0" lvl="0" indent="0">
+              <a:buNone/>
+            </a:pPr>
+            <a:endParaRPr/>
+          </a:p>
+          <a:p>
+            <a:pPr marL="0" lvl="0" indent="0">
+              <a:buNone/>
+            </a:pPr>
+            <a:r>
+              <a:t>are dependent on the ordering of the data.</a:t>
+            </a:r>
+          </a:p>
+          <a:p>
+            <a:pPr marL="0" lvl="0" indent="0">
+              <a:buNone/>
+            </a:pPr>
+            <a:endParaRPr/>
+          </a:p>
+          <a:p>
+            <a:pPr marL="0" lvl="0" indent="0">
+              <a:buNone/>
+            </a:pPr>
+            <a:r>
+              <a:t>But the ordering shown in the previous chart is arbitrary. You could have just as easily arranged the dwarfs names alphabetically and you would end up with the possibly a different interpretation.</a:t>
             </a:r>
           </a:p>
         </p:txBody>
@@ -1684,7 +1669,7 @@
           <a:p>
             <a:fld id="{18BDFEC3-8487-43E8-A154-7C12CBC1FFF2}" type="slidenum">
               <a:rPr lang="en-US"/>
-              <a:t>24</a:t>
+              <a:t>21</a:t>
             </a:fld>
             <a:endParaRPr lang="en-US"/>
           </a:p>
@@ -1746,7 +1731,21 @@
               <a:buNone/>
             </a:pPr>
             <a:r>
-              <a:t>Let’s review the basic Analysis of Variance hypotheses. Let’s keep things simple. You have a continuous outcome measured n times in k groups. The null hypothesis is that the population mean is the same for each group. The alternative is that there is at least one pair i,j where the group means differ. You use an F statistic defined as the Mean Square Treatment divided by the Mean Square Error and compare it to a percentile of the F distribution. I won’t go into the calculation any more other than to note that if you reject the null hypothesis, you typically apply a post hoc comparison, such as Tukey to identify which pair or pairs differ.</a:t>
+              <a:t>While analysis of means is not the most common statistic used, it does appear in the peer-reviewed literature often enough.</a:t>
+            </a:r>
+          </a:p>
+          <a:p>
+            <a:pPr marL="0" lvl="0" indent="0">
+              <a:buNone/>
+            </a:pPr>
+            <a:endParaRPr/>
+          </a:p>
+          <a:p>
+            <a:pPr marL="0" lvl="0" indent="0">
+              <a:buNone/>
+            </a:pPr>
+            <a:r>
+              <a:t>Here is an example using analysis of means to look at rainfall patterns across different regions of India</a:t>
             </a:r>
           </a:p>
         </p:txBody>
@@ -1830,7 +1829,21 @@
               <a:buNone/>
             </a:pPr>
             <a:r>
-              <a:t>Here is the calculation of limits. Anything outside these limits is statistically significantly different than the overall mean.</a:t>
+              <a:t>This is the Analysis of Means hypothesis. I’m keeping things simple by assuming that there ar exactly lower-case n values in each of k groups.</a:t>
+            </a:r>
+          </a:p>
+          <a:p>
+            <a:pPr marL="0" lvl="0" indent="0">
+              <a:buNone/>
+            </a:pPr>
+            <a:endParaRPr/>
+          </a:p>
+          <a:p>
+            <a:pPr marL="0" lvl="0" indent="0">
+              <a:buNone/>
+            </a:pPr>
+            <a:r>
+              <a:t>You are comparing each mean to the overall mean. This is a slightly different approach than looking at pairs of means, as Analysis of Variance does.</a:t>
             </a:r>
           </a:p>
         </p:txBody>
@@ -1852,7 +1865,7 @@
           <a:p>
             <a:fld id="{18BDFEC3-8487-43E8-A154-7C12CBC1FFF2}" type="slidenum">
               <a:rPr lang="en-US"/>
-              <a:t>25</a:t>
+              <a:t>23</a:t>
             </a:fld>
             <a:endParaRPr lang="en-US"/>
           </a:p>
@@ -1914,7 +1927,7 @@
               <a:buNone/>
             </a:pPr>
             <a:r>
-              <a:t>Here is the graph with the analysis of means limits. Your intuiton was correct. There are significant deviations to the left in positions 1 and 6 and a significant deviation to the right in position 4.</a:t>
+              <a:t>You need percentiles from a special distribution. You can find tables for this distribution in many places. Here’s a small piece of a table that I produced a while back. You can find the full table at</a:t>
             </a:r>
           </a:p>
           <a:p>
@@ -1928,7 +1941,133 @@
               <a:buNone/>
             </a:pPr>
             <a:r>
-              <a:t>Now, why would we compare to the overall mean rather than to zero? It depends on the context, but on these assembly lines, there are adjustments that you can make to change the positioning of labels across all positions, and those adjusted will never help you here. Because any overall change to the labels is either going to make positions 1 and 6 worse, or position 4 worse. You need to make interior adjustments rather than global adjustements.</a:t>
+              <a:t>http://www.pmean.com/07/AnomTable05Part1.html</a:t>
+            </a:r>
+          </a:p>
+          <a:p>
+            <a:pPr marL="0" lvl="0" indent="0">
+              <a:buNone/>
+            </a:pPr>
+            <a:endParaRPr/>
+          </a:p>
+          <a:p>
+            <a:pPr marL="0" lvl="0" indent="0">
+              <a:buNone/>
+            </a:pPr>
+            <a:r>
+              <a:t>and</a:t>
+            </a:r>
+          </a:p>
+          <a:p>
+            <a:pPr marL="0" lvl="0" indent="0">
+              <a:buNone/>
+            </a:pPr>
+            <a:endParaRPr/>
+          </a:p>
+          <a:p>
+            <a:pPr marL="0" lvl="0" indent="0">
+              <a:buNone/>
+            </a:pPr>
+            <a:r>
+              <a:t>http://www.pmean.com/07/AnomTable05Part2.html</a:t>
+            </a:r>
+          </a:p>
+          <a:p>
+            <a:pPr marL="0" lvl="0" indent="0">
+              <a:buNone/>
+            </a:pPr>
+            <a:endParaRPr/>
+          </a:p>
+          <a:p>
+            <a:pPr marL="0" lvl="0" indent="0">
+              <a:buNone/>
+            </a:pPr>
+            <a:r>
+              <a:t>If you are curious, here are a few details about how I generated this table. I cross checked it against several other tables, by the way.</a:t>
+            </a:r>
+          </a:p>
+          <a:p>
+            <a:pPr marL="0" lvl="0" indent="0">
+              <a:buNone/>
+            </a:pPr>
+            <a:endParaRPr/>
+          </a:p>
+          <a:p>
+            <a:pPr marL="0" lvl="0" indent="0">
+              <a:buNone/>
+            </a:pPr>
+            <a:r>
+              <a:t>You compute the critical value using a multivariate t-distribution. There are a few complications. First the distribution you are trying to describe represents deviations from an overall mean, so there will be correlations in the data since each group contributes to the overall mean. This correlation, -1/(I-1), is the same for any pair of deviations. Second, the sum of the deviations must equal zero, so this produces a degenerate distribution. This degeneracy means that there is no inverse for the correlation matrix.</a:t>
+            </a:r>
+          </a:p>
+          <a:p>
+            <a:pPr marL="0" lvl="0" indent="0">
+              <a:buNone/>
+            </a:pPr>
+            <a:endParaRPr/>
+          </a:p>
+          <a:p>
+            <a:pPr marL="0" lvl="0" indent="0">
+              <a:buNone/>
+            </a:pPr>
+            <a:r>
+              <a:t>In R, there is a library, mvtnorm, that will allow you to compute the percentiles needed for ANOM. Here’s an example to get h(0.95, 5, 15):</a:t>
+            </a:r>
+          </a:p>
+          <a:p>
+            <a:pPr marL="0" lvl="0" indent="0">
+              <a:buNone/>
+            </a:pPr>
+            <a:endParaRPr/>
+          </a:p>
+          <a:p>
+            <a:pPr marL="0" lvl="0" indent="0">
+              <a:buNone/>
+            </a:pPr>
+            <a:r>
+              <a:t>i &lt;- 5</a:t>
+            </a:r>
+          </a:p>
+          <a:p>
+            <a:pPr marL="0" lvl="0" indent="0">
+              <a:buNone/>
+            </a:pPr>
+            <a:endParaRPr/>
+          </a:p>
+          <a:p>
+            <a:pPr marL="0" lvl="0" indent="0">
+              <a:buNone/>
+            </a:pPr>
+            <a:r>
+              <a:t>co &lt;- matrix(-1/(i-1), nrow=i, ncol=i)</a:t>
+            </a:r>
+          </a:p>
+          <a:p>
+            <a:pPr marL="0" lvl="0" indent="0">
+              <a:buNone/>
+            </a:pPr>
+            <a:endParaRPr/>
+          </a:p>
+          <a:p>
+            <a:pPr marL="0" lvl="0" indent="0">
+              <a:buNone/>
+            </a:pPr>
+            <a:r>
+              <a:t>diag(co) &lt;- rep(1,i)</a:t>
+            </a:r>
+          </a:p>
+          <a:p>
+            <a:pPr marL="0" lvl="0" indent="0">
+              <a:buNone/>
+            </a:pPr>
+            <a:endParaRPr/>
+          </a:p>
+          <a:p>
+            <a:pPr marL="0" lvl="0" indent="0">
+              <a:buNone/>
+            </a:pPr>
+            <a:r>
+              <a:t>qmvt(p=0.95, tail=“both.tails”, corr=co, df=15)</a:t>
             </a:r>
           </a:p>
         </p:txBody>
@@ -1950,7 +2089,7 @@
           <a:p>
             <a:fld id="{18BDFEC3-8487-43E8-A154-7C12CBC1FFF2}" type="slidenum">
               <a:rPr lang="en-US"/>
-              <a:t>26</a:t>
+              <a:t>24</a:t>
             </a:fld>
             <a:endParaRPr lang="en-US"/>
           </a:p>
@@ -2012,7 +2151,7 @@
               <a:buNone/>
             </a:pPr>
             <a:r>
-              <a:t>There are several possible extensions of the Analysis of Means model. A very interesting one appears in the same SAS reference. It involves a comparison of the probability of C-section births among a variety of different clinics.</a:t>
+              <a:t>This data set comes from the SAS QC Guide. It represents deviations in label placement for a bottling machine. There are six different positions for this machine, and you want to find out if the deviations are substantially different for one or more positions.</a:t>
             </a:r>
           </a:p>
           <a:p>
@@ -2026,7 +2165,7 @@
               <a:buNone/>
             </a:pPr>
             <a:r>
-              <a:t>You can use the normal approximation to the binomial distribution and instead of a pooled variance, you use the square root of p-bar times one minus p-bar.</a:t>
+              <a:t>Here are the means and standard deviations for each position.</a:t>
             </a:r>
           </a:p>
           <a:p>
@@ -2040,35 +2179,7 @@
               <a:buNone/>
             </a:pPr>
             <a:r>
-              <a:t>The other extension is the unequal sample sizes. Some clinics only had 3 total births during the study time frame, and one clinic had almost a thousand births. You have to use a different table for unequal sample sizes. I don’t have easy access to this table, but you can find it in a book by Nelson.</a:t>
-            </a:r>
-          </a:p>
-          <a:p>
-            <a:pPr marL="0" lvl="0" indent="0">
-              <a:buNone/>
-            </a:pPr>
-            <a:endParaRPr/>
-          </a:p>
-          <a:p>
-            <a:pPr marL="0" lvl="0" indent="0">
-              <a:buNone/>
-            </a:pPr>
-            <a:r>
-              <a:t>Peter R. Nelson, Peter S. Wludyka, Karen A. F. Copeland. The Analysis of Means. A Graphical Method for Comparing Means, Rates, and Proportions. ASA-SIAM Series on Statistics and Probability. Siam, Philadelphia PA, ASA, Washington DC, 2005.</a:t>
-            </a:r>
-          </a:p>
-          <a:p>
-            <a:pPr marL="0" lvl="0" indent="0">
-              <a:buNone/>
-            </a:pPr>
-            <a:endParaRPr/>
-          </a:p>
-          <a:p>
-            <a:pPr marL="0" lvl="0" indent="0">
-              <a:buNone/>
-            </a:pPr>
-            <a:r>
-              <a:t>VERY IMPORTANT!!! There is a subscript i in this equation. That means that the limits vary in width. That’s to be expected when you have unequal sample sizes.</a:t>
+              <a:t>It looks like positions 1 and 6 are a bit too low, position 4 is a bit too high, and positions 2, 3, and 5 are somewhere in between. Do any of these differ from the overall mean?</a:t>
             </a:r>
           </a:p>
         </p:txBody>
@@ -2090,7 +2201,7 @@
           <a:p>
             <a:fld id="{18BDFEC3-8487-43E8-A154-7C12CBC1FFF2}" type="slidenum">
               <a:rPr lang="en-US"/>
-              <a:t>28</a:t>
+              <a:t>27</a:t>
             </a:fld>
             <a:endParaRPr lang="en-US"/>
           </a:p>
@@ -2152,7 +2263,7 @@
               <a:buNone/>
             </a:pPr>
             <a:r>
-              <a:t>You can also use the analysis of means methods for proportions and counts. Here’s an example of some proportion data.</a:t>
+              <a:t>A plot of the position means shows a bit more clearly the pattern I mentioned earlier.</a:t>
             </a:r>
           </a:p>
         </p:txBody>
@@ -2174,7 +2285,7 @@
           <a:p>
             <a:fld id="{18BDFEC3-8487-43E8-A154-7C12CBC1FFF2}" type="slidenum">
               <a:rPr lang="en-US"/>
-              <a:t>29</a:t>
+              <a:t>28</a:t>
             </a:fld>
             <a:endParaRPr lang="en-US"/>
           </a:p>
@@ -2236,7 +2347,7 @@
               <a:buNone/>
             </a:pPr>
             <a:r>
-              <a:t>Here is a plot of the proportions. It looks like there are substantial deviations from the overall C-section rate, but here your initial intuition, if it was like mine, is incorrect.</a:t>
+              <a:t>The overall mean and the pooled standard deviation are computed used the standard formulas you learned in your STATS 101 class.</a:t>
             </a:r>
           </a:p>
         </p:txBody>
@@ -2258,7 +2369,7 @@
           <a:p>
             <a:fld id="{18BDFEC3-8487-43E8-A154-7C12CBC1FFF2}" type="slidenum">
               <a:rPr lang="en-US"/>
-              <a:t>30</a:t>
+              <a:t>29</a:t>
             </a:fld>
             <a:endParaRPr lang="en-US"/>
           </a:p>
@@ -2320,7 +2431,7 @@
               <a:buNone/>
             </a:pPr>
             <a:r>
-              <a:t>I won’t show the actual calculations here, but they are tedious rather than difficult. Notice the the clinics with more births (the ones on the left) have narrower analysis of means limits than the clinics with fewer births (the ones on the right). But all the points are within the</a:t>
+              <a:t>Draw a horizontal line at the overall mean and show the deviations from the overall mean as spikes.</a:t>
             </a:r>
           </a:p>
         </p:txBody>
@@ -2342,7 +2453,7 @@
           <a:p>
             <a:fld id="{18BDFEC3-8487-43E8-A154-7C12CBC1FFF2}" type="slidenum">
               <a:rPr lang="en-US"/>
-              <a:t>31</a:t>
+              <a:t>30</a:t>
             </a:fld>
             <a:endParaRPr lang="en-US"/>
           </a:p>
@@ -2404,7 +2515,7 @@
               <a:buNone/>
             </a:pPr>
             <a:r>
-              <a:t>One last example. This example is taken from page 46 of a book by Nelson, Wludyka, and Copeland. CAT scans are done at five different clinics. Each clinic serves a different number of members.</a:t>
+              <a:t>Here is the calculation of limits. Anything outside these limits is statistically significantly different than the overall mean.</a:t>
             </a:r>
           </a:p>
         </p:txBody>
@@ -2426,7 +2537,7 @@
           <a:p>
             <a:fld id="{18BDFEC3-8487-43E8-A154-7C12CBC1FFF2}" type="slidenum">
               <a:rPr lang="en-US"/>
-              <a:t>32</a:t>
+              <a:t>31</a:t>
             </a:fld>
             <a:endParaRPr lang="en-US"/>
           </a:p>
@@ -2488,7 +2599,21 @@
               <a:buNone/>
             </a:pPr>
             <a:r>
-              <a:t>Here are the plots of CAT scan rates. Notice that clinics 1 and 3 have lower rates. Clinics 2 and 5 have higher rates.</a:t>
+              <a:t>Here is the graph with the analysis of means limits. Your intuition was correct. There are significant deviations to the left in positions 1 and 6 and a significant deviation to the right in position 4.</a:t>
+            </a:r>
+          </a:p>
+          <a:p>
+            <a:pPr marL="0" lvl="0" indent="0">
+              <a:buNone/>
+            </a:pPr>
+            <a:endParaRPr/>
+          </a:p>
+          <a:p>
+            <a:pPr marL="0" lvl="0" indent="0">
+              <a:buNone/>
+            </a:pPr>
+            <a:r>
+              <a:t>Now, why would we compare to the overall mean rather than to zero? It depends on the context, but on these assembly lines, there are adjustments that you can make to change the positioning of labels across all positions, and those adjusted will never help you here. Because any overall change to the labels is either going to make positions 1 and 6 worse, or position 4 worse. You need to make interior adjustments rather than global adjustments.</a:t>
             </a:r>
           </a:p>
         </p:txBody>
@@ -2510,7 +2635,7 @@
           <a:p>
             <a:fld id="{18BDFEC3-8487-43E8-A154-7C12CBC1FFF2}" type="slidenum">
               <a:rPr lang="en-US"/>
-              <a:t>33</a:t>
+              <a:t>32</a:t>
             </a:fld>
             <a:endParaRPr lang="en-US"/>
           </a:p>
@@ -2572,7 +2697,7 @@
               <a:buNone/>
             </a:pPr>
             <a:r>
-              <a:t>Here are the formulas. Notice that where we formerly had the pooled standard deviation or the square root of p-bar time 1-pbar, now we have the square root of u-bar. This is because the variance of a Poisson random variable is equal to its mean. Thus the standard deviation of a Poisson random variable is equal to the square root of its mean.</a:t>
+              <a:t>An example involving means rather than proportions can also be found in the SAS QC guide.</a:t>
             </a:r>
           </a:p>
           <a:p>
@@ -2586,7 +2711,35 @@
               <a:buNone/>
             </a:pPr>
             <a:r>
-              <a:t>The formulas here are very similar to control limits on a C-chart or a U-chart.</a:t>
+              <a:t>A large health care system is examining the rate of C-section births at various locations. All the locations work with low risk births and (in an ideal world) should have the same probability for a C-section birth.</a:t>
+            </a:r>
+          </a:p>
+          <a:p>
+            <a:pPr marL="0" lvl="0" indent="0">
+              <a:buNone/>
+            </a:pPr>
+            <a:endParaRPr/>
+          </a:p>
+          <a:p>
+            <a:pPr marL="0" lvl="0" indent="0">
+              <a:buNone/>
+            </a:pPr>
+            <a:r>
+              <a:t>There are a gazillion pictures of newborn infants on the Internet. This image is taken from Wikipedia. By the way, aren’t you glad I didn’t show the baby DURING the C-section delivery.</a:t>
+            </a:r>
+          </a:p>
+          <a:p>
+            <a:pPr marL="0" lvl="0" indent="0">
+              <a:buNone/>
+            </a:pPr>
+            <a:endParaRPr/>
+          </a:p>
+          <a:p>
+            <a:pPr marL="0" lvl="0" indent="0">
+              <a:buNone/>
+            </a:pPr>
+            <a:r>
+              <a:t>https://commons.wikimedia.org/wiki/File:Sleeping_newborn_infant.jpg</a:t>
             </a:r>
           </a:p>
         </p:txBody>
@@ -2670,7 +2823,63 @@
               <a:buNone/>
             </a:pPr>
             <a:r>
-              <a:t>Here are the plots with analysis of means limits. The limits are slightly different because the clinics did not have the same number of members. But the differences in the limits are minor. Clinic 3 has a lower rate of CAT scan utilization compared to the overall rate and Clinic 5 has a higher rate of CAT scan utilization.</a:t>
+              <a:t>There are several possible extensions of the Analysis of Means model. A very interesting one appears in the same SAS reference. It involves a comparison of the probability of C-section births among a variety of different clinics.</a:t>
+            </a:r>
+          </a:p>
+          <a:p>
+            <a:pPr marL="0" lvl="0" indent="0">
+              <a:buNone/>
+            </a:pPr>
+            <a:endParaRPr/>
+          </a:p>
+          <a:p>
+            <a:pPr marL="0" lvl="0" indent="0">
+              <a:buNone/>
+            </a:pPr>
+            <a:r>
+              <a:t>You can use the normal approximation to the binomial distribution and instead of a pooled variance, you use the square root of p-bar times one minus p-bar.</a:t>
+            </a:r>
+          </a:p>
+          <a:p>
+            <a:pPr marL="0" lvl="0" indent="0">
+              <a:buNone/>
+            </a:pPr>
+            <a:endParaRPr/>
+          </a:p>
+          <a:p>
+            <a:pPr marL="0" lvl="0" indent="0">
+              <a:buNone/>
+            </a:pPr>
+            <a:r>
+              <a:t>The other extension is the unequal sample sizes. Some clinics only had 3 total births during the study time frame, and one clinic had almost a thousand births. You have to use a different table for unequal sample sizes. I don’t have easy access to this table, but you can find it in a book by Nelson.</a:t>
+            </a:r>
+          </a:p>
+          <a:p>
+            <a:pPr marL="0" lvl="0" indent="0">
+              <a:buNone/>
+            </a:pPr>
+            <a:endParaRPr/>
+          </a:p>
+          <a:p>
+            <a:pPr marL="0" lvl="0" indent="0">
+              <a:buNone/>
+            </a:pPr>
+            <a:r>
+              <a:t>Peter R. Nelson, Peter S. Wludyka, Karen A. F. Copeland. The Analysis of Means. A Graphical Method for Comparing Means, Rates, and Proportions. ASA-SIAM Series on Statistics and Probability. Siam, Philadelphia PA, ASA, Washington DC, 2005.</a:t>
+            </a:r>
+          </a:p>
+          <a:p>
+            <a:pPr marL="0" lvl="0" indent="0">
+              <a:buNone/>
+            </a:pPr>
+            <a:endParaRPr/>
+          </a:p>
+          <a:p>
+            <a:pPr marL="0" lvl="0" indent="0">
+              <a:buNone/>
+            </a:pPr>
+            <a:r>
+              <a:t>VERY IMPORTANT!!! There is a subscript i in this equation. That means that the limits vary in width. That’s to be expected when you have unequal sample sizes.</a:t>
             </a:r>
           </a:p>
         </p:txBody>
@@ -2754,49 +2963,7 @@
               <a:buNone/>
             </a:pPr>
             <a:r>
-              <a:t>The interpretation of ANOVA models is tricky. Here is an example I am borrowing from a website, Statistics By Jim,</a:t>
-            </a:r>
-          </a:p>
-          <a:p>
-            <a:pPr marL="0" lvl="0" indent="0">
-              <a:buNone/>
-            </a:pPr>
-            <a:endParaRPr/>
-          </a:p>
-          <a:p>
-            <a:pPr marL="0" lvl="0" indent="0">
-              <a:buNone/>
-            </a:pPr>
-            <a:r>
-              <a:t>https://statisticsbyjim.com/anova/post-hoc-tests-anova/</a:t>
-            </a:r>
-          </a:p>
-          <a:p>
-            <a:pPr marL="0" lvl="0" indent="0">
-              <a:buNone/>
-            </a:pPr>
-            <a:endParaRPr/>
-          </a:p>
-          <a:p>
-            <a:pPr marL="0" lvl="0" indent="0">
-              <a:buNone/>
-            </a:pPr>
-            <a:r>
-              <a:t>The data represents strength measured for four different batches of materials. Notice how the individual confidence intervals for A and B just barely touch. You can see it better, perhaps on the following graph. You’d be tempted to say that there is no statistically significant difference between batches A and B, but you’d be wrong. The uncertainty associated with individual means does not translate in an additive sense to comparisons between two means. The standard errors are sub-additive, so two intervals that are only lightly embracing would look different if you computed the confidence interval for the difference.</a:t>
-            </a:r>
-          </a:p>
-          <a:p>
-            <a:pPr marL="0" lvl="0" indent="0">
-              <a:buNone/>
-            </a:pPr>
-            <a:endParaRPr/>
-          </a:p>
-          <a:p>
-            <a:pPr marL="0" lvl="0" indent="0">
-              <a:buNone/>
-            </a:pPr>
-            <a:r>
-              <a:t>This is ignoring, of course, the issue of multiplicity, but the point is still important to note. The graphical display of individual means and confidence intervals can be misleading.</a:t>
+              <a:t>Here is an example using analysis of means to look at referral patterns in physicians.</a:t>
             </a:r>
           </a:p>
         </p:txBody>
@@ -2880,63 +3047,7 @@
               <a:buNone/>
             </a:pPr>
             <a:r>
-              <a:t>If you look for applications of analysis of means in the peer reviewed literature and on the web, you’ll see some advanced applications. I am not a big fan of these extensions, but perhaps that is just because I have not had a chance to work with them.</a:t>
-            </a:r>
-          </a:p>
-          <a:p>
-            <a:pPr marL="0" lvl="0" indent="0">
-              <a:buNone/>
-            </a:pPr>
-            <a:endParaRPr/>
-          </a:p>
-          <a:p>
-            <a:pPr marL="0" lvl="0" indent="0">
-              <a:buNone/>
-            </a:pPr>
-            <a:r>
-              <a:t>Donald Wheeler has developed the analysis of means methodology that uses ranges rather than variances to calculate the limits. This has some appeal to simplicity, as you can calculate a range a lot faster than you can calculate a standard deviation. There is some loss in efficiency, however, by using ranges.</a:t>
-            </a:r>
-          </a:p>
-          <a:p>
-            <a:pPr marL="0" lvl="0" indent="0">
-              <a:buNone/>
-            </a:pPr>
-            <a:endParaRPr/>
-          </a:p>
-          <a:p>
-            <a:pPr marL="0" lvl="0" indent="0">
-              <a:buNone/>
-            </a:pPr>
-            <a:r>
-              <a:t>Other applications look at multi-factor settings, and you can run analysis of means charts for main effects and interactions. Most example I have seen only have a small number of levels for each factor, and these examples don’t seem to offer much beyond what traditional analysis of variance can already do. It may have more applications in searching for which combinations of factors lead to an interaction.</a:t>
-            </a:r>
-          </a:p>
-          <a:p>
-            <a:pPr marL="0" lvl="0" indent="0">
-              <a:buNone/>
-            </a:pPr>
-            <a:endParaRPr/>
-          </a:p>
-          <a:p>
-            <a:pPr marL="0" lvl="0" indent="0">
-              <a:buNone/>
-            </a:pPr>
-            <a:r>
-              <a:t>There are also several nonparametric approaches. Analysis of means does rely on an assumption of normality, but with small sample sizes and skewed data, this can sometimes be problematic.</a:t>
-            </a:r>
-          </a:p>
-          <a:p>
-            <a:pPr marL="0" lvl="0" indent="0">
-              <a:buNone/>
-            </a:pPr>
-            <a:endParaRPr/>
-          </a:p>
-          <a:p>
-            <a:pPr marL="0" lvl="0" indent="0">
-              <a:buNone/>
-            </a:pPr>
-            <a:r>
-              <a:t>Another extension is the use of analysis of means to look for groups that have much larger or much smaller variances. You could use this as a check on the homogeneity assumption for an upcoming analysis of variance, but there are already plenty of good tests out there. Further, there is controversy over how you should test for homogeneity or even if you should test for homogeneity. A better application might be examining a process where the mean level is not important, but it is important to have consistency around whatever mean you might have.</a:t>
+              <a:t>You can also use the analysis of means methods for proportions and counts. Here’s an example of some proportion data.</a:t>
             </a:r>
           </a:p>
         </p:txBody>
@@ -2958,7 +3069,7 @@
           <a:p>
             <a:fld id="{18BDFEC3-8487-43E8-A154-7C12CBC1FFF2}" type="slidenum">
               <a:rPr lang="en-US"/>
-              <a:t>37</a:t>
+              <a:t>36</a:t>
             </a:fld>
             <a:endParaRPr lang="en-US"/>
           </a:p>
@@ -3020,105 +3131,7 @@
               <a:buNone/>
             </a:pPr>
             <a:r>
-              <a:t>The previous example showed a negative result. None of the C-section proportions was statistically significant. Every group was average.</a:t>
-            </a:r>
-          </a:p>
-          <a:p>
-            <a:pPr marL="0" lvl="0" indent="0">
-              <a:buNone/>
-            </a:pPr>
-            <a:endParaRPr/>
-          </a:p>
-          <a:p>
-            <a:pPr marL="0" lvl="0" indent="0">
-              <a:buNone/>
-            </a:pPr>
-            <a:r>
-              <a:t>Boring!</a:t>
-            </a:r>
-          </a:p>
-          <a:p>
-            <a:pPr marL="0" lvl="0" indent="0">
-              <a:buNone/>
-            </a:pPr>
-            <a:endParaRPr/>
-          </a:p>
-          <a:p>
-            <a:pPr marL="0" lvl="0" indent="0">
-              <a:buNone/>
-            </a:pPr>
-            <a:r>
-              <a:t>Well, maybe not. If the different medical groups had a similar mix of pregnancies and yet some had significantly higher probabilities for C-sections, then either the groups with the higher probabilities are doing something wrong, or everyone else is doing something wrong.</a:t>
-            </a:r>
-          </a:p>
-          <a:p>
-            <a:pPr marL="0" lvl="0" indent="0">
-              <a:buNone/>
-            </a:pPr>
-            <a:endParaRPr/>
-          </a:p>
-          <a:p>
-            <a:pPr marL="0" lvl="0" indent="0">
-              <a:buNone/>
-            </a:pPr>
-            <a:r>
-              <a:t>There is often too much inappropriate variation in the delivery of health care. A negative finding here says that this is not an issue with regard to C-section rates among the varying clinics.</a:t>
-            </a:r>
-          </a:p>
-          <a:p>
-            <a:pPr marL="0" lvl="0" indent="0">
-              <a:buNone/>
-            </a:pPr>
-            <a:endParaRPr/>
-          </a:p>
-          <a:p>
-            <a:pPr marL="0" lvl="0" indent="0">
-              <a:buNone/>
-            </a:pPr>
-            <a:r>
-              <a:t>What if you do see one or more statistically significant deviations from the overall average?</a:t>
-            </a:r>
-          </a:p>
-          <a:p>
-            <a:pPr marL="0" lvl="0" indent="0">
-              <a:buNone/>
-            </a:pPr>
-            <a:endParaRPr/>
-          </a:p>
-          <a:p>
-            <a:pPr marL="0" lvl="0" indent="0">
-              <a:buNone/>
-            </a:pPr>
-            <a:r>
-              <a:t>There’s a well known quote from Catherine Aird, a famous English novelist. Think of the groups that are significantly above average (assuming that larger is better) as shining examples to be emulated. Study what is different about these groups that makes them perform so well. Can other groups learn from their experience.</a:t>
-            </a:r>
-          </a:p>
-          <a:p>
-            <a:pPr marL="0" lvl="0" indent="0">
-              <a:buNone/>
-            </a:pPr>
-            <a:endParaRPr/>
-          </a:p>
-          <a:p>
-            <a:pPr marL="0" lvl="0" indent="0">
-              <a:buNone/>
-            </a:pPr>
-            <a:r>
-              <a:t>Think of the groups that are significantly below average as the horrible warnings. Study what is different about these groups, so that you can improve them and/or so that you can avoid those problems in the other groups.</a:t>
-            </a:r>
-          </a:p>
-          <a:p>
-            <a:pPr marL="0" lvl="0" indent="0">
-              <a:buNone/>
-            </a:pPr>
-            <a:endParaRPr/>
-          </a:p>
-          <a:p>
-            <a:pPr marL="0" lvl="0" indent="0">
-              <a:buNone/>
-            </a:pPr>
-            <a:r>
-              <a:t>The point to both of these is that any future steps that you take should be local.</a:t>
+              <a:t>Here is a plot of the proportions. It looks like there are substantial deviations from the overall C-section rate, but here your initial intuition, if it was like mine, is incorrect.</a:t>
             </a:r>
           </a:p>
         </p:txBody>
@@ -3202,91 +3215,7 @@
               <a:buNone/>
             </a:pPr>
             <a:r>
-              <a:t>You should avoid ANOM in certain settings.</a:t>
-            </a:r>
-          </a:p>
-          <a:p>
-            <a:pPr marL="0" lvl="0" indent="0">
-              <a:buNone/>
-            </a:pPr>
-            <a:endParaRPr/>
-          </a:p>
-          <a:p>
-            <a:pPr marL="0" lvl="0" indent="0">
-              <a:buNone/>
-            </a:pPr>
-            <a:r>
-              <a:t>It does not help when you want to identify the best among a group. There would be three or four groups that are all above average, but maybe they are all about the same or maybe one is head and shoulders above the others. Analysis of means cannot distinguish between these very different scenarios.</a:t>
-            </a:r>
-          </a:p>
-          <a:p>
-            <a:pPr marL="0" lvl="0" indent="0">
-              <a:buNone/>
-            </a:pPr>
-            <a:endParaRPr/>
-          </a:p>
-          <a:p>
-            <a:pPr marL="0" lvl="0" indent="0">
-              <a:buNone/>
-            </a:pPr>
-            <a:r>
-              <a:t>Pairwise comparisons work well when you are searching for the best. There is also a Bayesian approach that runs repeated simulations of the posterior distribution, ranks the estimated group means, and then estimates the proportion of times that a given group gets the number 1 rank in the simulation.</a:t>
-            </a:r>
-          </a:p>
-          <a:p>
-            <a:pPr marL="0" lvl="0" indent="0">
-              <a:buNone/>
-            </a:pPr>
-            <a:endParaRPr/>
-          </a:p>
-          <a:p>
-            <a:pPr marL="0" lvl="0" indent="0">
-              <a:buNone/>
-            </a:pPr>
-            <a:r>
-              <a:t>If there is a control group, your interest should be in deviations from the control group rather than deviations from an overall average. The Dunnett’s post hoc comparison in an ANOVA model works well here.</a:t>
-            </a:r>
-          </a:p>
-          <a:p>
-            <a:pPr marL="0" lvl="0" indent="0">
-              <a:buNone/>
-            </a:pPr>
-            <a:endParaRPr/>
-          </a:p>
-          <a:p>
-            <a:pPr marL="0" lvl="0" indent="0">
-              <a:buNone/>
-            </a:pPr>
-            <a:r>
-              <a:t>Finally, and possibly the most important point is about rewards and punishments. There is an unfortunate tendency in many workplaces to blame all the quality problems on the workforce. In fact, it is the system that people work in that is most often deserving of blame.</a:t>
-            </a:r>
-          </a:p>
-          <a:p>
-            <a:pPr marL="0" lvl="0" indent="0">
-              <a:buNone/>
-            </a:pPr>
-            <a:endParaRPr/>
-          </a:p>
-          <a:p>
-            <a:pPr marL="0" lvl="0" indent="0">
-              <a:buNone/>
-            </a:pPr>
-            <a:r>
-              <a:t>If you use Analysis of Means (or any statistical approach, for that matter) to decide who gets bonuses and who gets fired, you’re making a big mistake.</a:t>
-            </a:r>
-          </a:p>
-          <a:p>
-            <a:pPr marL="0" lvl="0" indent="0">
-              <a:buNone/>
-            </a:pPr>
-            <a:endParaRPr/>
-          </a:p>
-          <a:p>
-            <a:pPr marL="0" lvl="0" indent="0">
-              <a:buNone/>
-            </a:pPr>
-            <a:r>
-              <a:t>An unusual result for an individual or for a particular work group becomes the start of an investigation. Mindlessly offering rewards and punishments short-circuits the thinking process. I’m not saying that workers are never to blame. I just worry that statistics make it too easy to jump to conclusions.</a:t>
+              <a:t>I won’t show the actual calculations here, but they are tedious rather than difficult. Notice the the clinics with more births (the ones on the left) have narrower analysis of means limits than the clinics with fewer births (the ones on the right). But all the points are within the</a:t>
             </a:r>
           </a:p>
         </p:txBody>
@@ -3309,6 +3238,762 @@
             <a:fld id="{18BDFEC3-8487-43E8-A154-7C12CBC1FFF2}" type="slidenum">
               <a:rPr lang="en-US"/>
               <a:t>39</a:t>
+            </a:fld>
+            <a:endParaRPr lang="en-US"/>
+          </a:p>
+        </p:txBody>
+      </p:sp>
+    </p:spTree>
+  </p:cSld>
+  <p:clrMapOvr>
+    <a:masterClrMapping/>
+  </p:clrMapOvr>
+</p:notes>
+</file>
+
+<file path=ppt/notesSlides/notesSlide33.xml><?xml version="1.0" encoding="utf-8"?>
+<p:notes xmlns:a="http://schemas.openxmlformats.org/drawingml/2006/main" xmlns:r="http://schemas.openxmlformats.org/officeDocument/2006/relationships" xmlns:p="http://schemas.openxmlformats.org/presentationml/2006/main">
+  <p:cSld>
+    <p:spTree>
+      <p:nvGrpSpPr>
+        <p:cNvPr id="1" name=""/>
+        <p:cNvGrpSpPr/>
+        <p:nvPr/>
+      </p:nvGrpSpPr>
+      <p:grpSpPr>
+        <a:xfrm>
+          <a:off x="0" y="0"/>
+          <a:ext cx="0" cy="0"/>
+          <a:chOff x="0" y="0"/>
+          <a:chExt cx="0" cy="0"/>
+        </a:xfrm>
+      </p:grpSpPr>
+      <p:sp>
+        <p:nvSpPr>
+          <p:cNvPr id="2" name="Slide Image Placeholder 1"/>
+          <p:cNvSpPr>
+            <a:spLocks noGrp="1" noRot="1" noChangeAspect="1"/>
+          </p:cNvSpPr>
+          <p:nvPr>
+            <p:ph type="sldImg"/>
+          </p:nvPr>
+        </p:nvSpPr>
+        <p:spPr/>
+      </p:sp>
+      <p:sp>
+        <p:nvSpPr>
+          <p:cNvPr id="3" name="Notes Placeholder 2"/>
+          <p:cNvSpPr>
+            <a:spLocks noGrp="1"/>
+          </p:cNvSpPr>
+          <p:nvPr>
+            <p:ph type="body" idx="1"/>
+          </p:nvPr>
+        </p:nvSpPr>
+        <p:spPr/>
+        <p:txBody>
+          <a:bodyPr/>
+          <a:lstStyle/>
+          <a:p>
+            <a:pPr marL="0" lvl="0" indent="0">
+              <a:buNone/>
+            </a:pPr>
+            <a:r>
+              <a:t>The last example is a comparison of rates of utilization of CAT scan machines. These machines are very expensive, and the hospital system wants to make sure that they are not being under-utilized for economic reasons. Over-utilization is also a problem, as it indicates that this diagnostic tool is being used too often and, perhaps, inappropriately.</a:t>
+            </a:r>
+          </a:p>
+        </p:txBody>
+      </p:sp>
+      <p:sp>
+        <p:nvSpPr>
+          <p:cNvPr id="4" name="Slide Number Placeholder 3"/>
+          <p:cNvSpPr>
+            <a:spLocks noGrp="1"/>
+          </p:cNvSpPr>
+          <p:nvPr>
+            <p:ph type="sldNum" sz="quarter" idx="10"/>
+          </p:nvPr>
+        </p:nvSpPr>
+        <p:spPr/>
+        <p:txBody>
+          <a:bodyPr/>
+          <a:lstStyle/>
+          <a:p>
+            <a:fld id="{18BDFEC3-8487-43E8-A154-7C12CBC1FFF2}" type="slidenum">
+              <a:rPr lang="en-US"/>
+              <a:t>40</a:t>
+            </a:fld>
+            <a:endParaRPr lang="en-US"/>
+          </a:p>
+        </p:txBody>
+      </p:sp>
+    </p:spTree>
+  </p:cSld>
+  <p:clrMapOvr>
+    <a:masterClrMapping/>
+  </p:clrMapOvr>
+</p:notes>
+</file>
+
+<file path=ppt/notesSlides/notesSlide34.xml><?xml version="1.0" encoding="utf-8"?>
+<p:notes xmlns:a="http://schemas.openxmlformats.org/drawingml/2006/main" xmlns:r="http://schemas.openxmlformats.org/officeDocument/2006/relationships" xmlns:p="http://schemas.openxmlformats.org/presentationml/2006/main">
+  <p:cSld>
+    <p:spTree>
+      <p:nvGrpSpPr>
+        <p:cNvPr id="1" name=""/>
+        <p:cNvGrpSpPr/>
+        <p:nvPr/>
+      </p:nvGrpSpPr>
+      <p:grpSpPr>
+        <a:xfrm>
+          <a:off x="0" y="0"/>
+          <a:ext cx="0" cy="0"/>
+          <a:chOff x="0" y="0"/>
+          <a:chExt cx="0" cy="0"/>
+        </a:xfrm>
+      </p:grpSpPr>
+      <p:sp>
+        <p:nvSpPr>
+          <p:cNvPr id="2" name="Slide Image Placeholder 1"/>
+          <p:cNvSpPr>
+            <a:spLocks noGrp="1" noRot="1" noChangeAspect="1"/>
+          </p:cNvSpPr>
+          <p:nvPr>
+            <p:ph type="sldImg"/>
+          </p:nvPr>
+        </p:nvSpPr>
+        <p:spPr/>
+      </p:sp>
+      <p:sp>
+        <p:nvSpPr>
+          <p:cNvPr id="3" name="Notes Placeholder 2"/>
+          <p:cNvSpPr>
+            <a:spLocks noGrp="1"/>
+          </p:cNvSpPr>
+          <p:nvPr>
+            <p:ph type="body" idx="1"/>
+          </p:nvPr>
+        </p:nvSpPr>
+        <p:spPr/>
+        <p:txBody>
+          <a:bodyPr/>
+          <a:lstStyle/>
+          <a:p>
+            <a:pPr marL="0" lvl="0" indent="0">
+              <a:buNone/>
+            </a:pPr>
+            <a:r>
+              <a:t>One last example. This example is taken from page 46 of a book by Nelson, Wludyka, and Copeland. CAT scans are done at five different clinics. Each clinic serves a different number of members.</a:t>
+            </a:r>
+          </a:p>
+        </p:txBody>
+      </p:sp>
+      <p:sp>
+        <p:nvSpPr>
+          <p:cNvPr id="4" name="Slide Number Placeholder 3"/>
+          <p:cNvSpPr>
+            <a:spLocks noGrp="1"/>
+          </p:cNvSpPr>
+          <p:nvPr>
+            <p:ph type="sldNum" sz="quarter" idx="10"/>
+          </p:nvPr>
+        </p:nvSpPr>
+        <p:spPr/>
+        <p:txBody>
+          <a:bodyPr/>
+          <a:lstStyle/>
+          <a:p>
+            <a:fld id="{18BDFEC3-8487-43E8-A154-7C12CBC1FFF2}" type="slidenum">
+              <a:rPr lang="en-US"/>
+              <a:t>41</a:t>
+            </a:fld>
+            <a:endParaRPr lang="en-US"/>
+          </a:p>
+        </p:txBody>
+      </p:sp>
+    </p:spTree>
+  </p:cSld>
+  <p:clrMapOvr>
+    <a:masterClrMapping/>
+  </p:clrMapOvr>
+</p:notes>
+</file>
+
+<file path=ppt/notesSlides/notesSlide35.xml><?xml version="1.0" encoding="utf-8"?>
+<p:notes xmlns:a="http://schemas.openxmlformats.org/drawingml/2006/main" xmlns:r="http://schemas.openxmlformats.org/officeDocument/2006/relationships" xmlns:p="http://schemas.openxmlformats.org/presentationml/2006/main">
+  <p:cSld>
+    <p:spTree>
+      <p:nvGrpSpPr>
+        <p:cNvPr id="1" name=""/>
+        <p:cNvGrpSpPr/>
+        <p:nvPr/>
+      </p:nvGrpSpPr>
+      <p:grpSpPr>
+        <a:xfrm>
+          <a:off x="0" y="0"/>
+          <a:ext cx="0" cy="0"/>
+          <a:chOff x="0" y="0"/>
+          <a:chExt cx="0" cy="0"/>
+        </a:xfrm>
+      </p:grpSpPr>
+      <p:sp>
+        <p:nvSpPr>
+          <p:cNvPr id="2" name="Slide Image Placeholder 1"/>
+          <p:cNvSpPr>
+            <a:spLocks noGrp="1" noRot="1" noChangeAspect="1"/>
+          </p:cNvSpPr>
+          <p:nvPr>
+            <p:ph type="sldImg"/>
+          </p:nvPr>
+        </p:nvSpPr>
+        <p:spPr/>
+      </p:sp>
+      <p:sp>
+        <p:nvSpPr>
+          <p:cNvPr id="3" name="Notes Placeholder 2"/>
+          <p:cNvSpPr>
+            <a:spLocks noGrp="1"/>
+          </p:cNvSpPr>
+          <p:nvPr>
+            <p:ph type="body" idx="1"/>
+          </p:nvPr>
+        </p:nvSpPr>
+        <p:spPr/>
+        <p:txBody>
+          <a:bodyPr/>
+          <a:lstStyle/>
+          <a:p>
+            <a:pPr marL="0" lvl="0" indent="0">
+              <a:buNone/>
+            </a:pPr>
+            <a:r>
+              <a:t>Here are the plots of CAT scan rates. Notice that clinics 1 and 3 have lower rates. Clinics 2 and 5 have higher rates.</a:t>
+            </a:r>
+          </a:p>
+        </p:txBody>
+      </p:sp>
+      <p:sp>
+        <p:nvSpPr>
+          <p:cNvPr id="4" name="Slide Number Placeholder 3"/>
+          <p:cNvSpPr>
+            <a:spLocks noGrp="1"/>
+          </p:cNvSpPr>
+          <p:nvPr>
+            <p:ph type="sldNum" sz="quarter" idx="10"/>
+          </p:nvPr>
+        </p:nvSpPr>
+        <p:spPr/>
+        <p:txBody>
+          <a:bodyPr/>
+          <a:lstStyle/>
+          <a:p>
+            <a:fld id="{18BDFEC3-8487-43E8-A154-7C12CBC1FFF2}" type="slidenum">
+              <a:rPr lang="en-US"/>
+              <a:t>43</a:t>
+            </a:fld>
+            <a:endParaRPr lang="en-US"/>
+          </a:p>
+        </p:txBody>
+      </p:sp>
+    </p:spTree>
+  </p:cSld>
+  <p:clrMapOvr>
+    <a:masterClrMapping/>
+  </p:clrMapOvr>
+</p:notes>
+</file>
+
+<file path=ppt/notesSlides/notesSlide36.xml><?xml version="1.0" encoding="utf-8"?>
+<p:notes xmlns:a="http://schemas.openxmlformats.org/drawingml/2006/main" xmlns:r="http://schemas.openxmlformats.org/officeDocument/2006/relationships" xmlns:p="http://schemas.openxmlformats.org/presentationml/2006/main">
+  <p:cSld>
+    <p:spTree>
+      <p:nvGrpSpPr>
+        <p:cNvPr id="1" name=""/>
+        <p:cNvGrpSpPr/>
+        <p:nvPr/>
+      </p:nvGrpSpPr>
+      <p:grpSpPr>
+        <a:xfrm>
+          <a:off x="0" y="0"/>
+          <a:ext cx="0" cy="0"/>
+          <a:chOff x="0" y="0"/>
+          <a:chExt cx="0" cy="0"/>
+        </a:xfrm>
+      </p:grpSpPr>
+      <p:sp>
+        <p:nvSpPr>
+          <p:cNvPr id="2" name="Slide Image Placeholder 1"/>
+          <p:cNvSpPr>
+            <a:spLocks noGrp="1" noRot="1" noChangeAspect="1"/>
+          </p:cNvSpPr>
+          <p:nvPr>
+            <p:ph type="sldImg"/>
+          </p:nvPr>
+        </p:nvSpPr>
+        <p:spPr/>
+      </p:sp>
+      <p:sp>
+        <p:nvSpPr>
+          <p:cNvPr id="3" name="Notes Placeholder 2"/>
+          <p:cNvSpPr>
+            <a:spLocks noGrp="1"/>
+          </p:cNvSpPr>
+          <p:nvPr>
+            <p:ph type="body" idx="1"/>
+          </p:nvPr>
+        </p:nvSpPr>
+        <p:spPr/>
+        <p:txBody>
+          <a:bodyPr/>
+          <a:lstStyle/>
+          <a:p>
+            <a:pPr marL="0" lvl="0" indent="0">
+              <a:buNone/>
+            </a:pPr>
+            <a:r>
+              <a:t>Here are the formulas. Notice that where we formerly had the pooled standard deviation or the square root of p-bar time 1-pbar, now we have the square root of u-bar. This is because the variance of a Poisson random variable is equal to its mean. Thus the standard deviation of a Poisson random variable is equal to the square root of its mean.</a:t>
+            </a:r>
+          </a:p>
+          <a:p>
+            <a:pPr marL="0" lvl="0" indent="0">
+              <a:buNone/>
+            </a:pPr>
+            <a:endParaRPr/>
+          </a:p>
+          <a:p>
+            <a:pPr marL="0" lvl="0" indent="0">
+              <a:buNone/>
+            </a:pPr>
+            <a:r>
+              <a:t>The formulas here are very similar to control limits on a C-chart or a U-chart.</a:t>
+            </a:r>
+          </a:p>
+        </p:txBody>
+      </p:sp>
+      <p:sp>
+        <p:nvSpPr>
+          <p:cNvPr id="4" name="Slide Number Placeholder 3"/>
+          <p:cNvSpPr>
+            <a:spLocks noGrp="1"/>
+          </p:cNvSpPr>
+          <p:nvPr>
+            <p:ph type="sldNum" sz="quarter" idx="10"/>
+          </p:nvPr>
+        </p:nvSpPr>
+        <p:spPr/>
+        <p:txBody>
+          <a:bodyPr/>
+          <a:lstStyle/>
+          <a:p>
+            <a:fld id="{18BDFEC3-8487-43E8-A154-7C12CBC1FFF2}" type="slidenum">
+              <a:rPr lang="en-US"/>
+              <a:t>44</a:t>
+            </a:fld>
+            <a:endParaRPr lang="en-US"/>
+          </a:p>
+        </p:txBody>
+      </p:sp>
+    </p:spTree>
+  </p:cSld>
+  <p:clrMapOvr>
+    <a:masterClrMapping/>
+  </p:clrMapOvr>
+</p:notes>
+</file>
+
+<file path=ppt/notesSlides/notesSlide37.xml><?xml version="1.0" encoding="utf-8"?>
+<p:notes xmlns:a="http://schemas.openxmlformats.org/drawingml/2006/main" xmlns:r="http://schemas.openxmlformats.org/officeDocument/2006/relationships" xmlns:p="http://schemas.openxmlformats.org/presentationml/2006/main">
+  <p:cSld>
+    <p:spTree>
+      <p:nvGrpSpPr>
+        <p:cNvPr id="1" name=""/>
+        <p:cNvGrpSpPr/>
+        <p:nvPr/>
+      </p:nvGrpSpPr>
+      <p:grpSpPr>
+        <a:xfrm>
+          <a:off x="0" y="0"/>
+          <a:ext cx="0" cy="0"/>
+          <a:chOff x="0" y="0"/>
+          <a:chExt cx="0" cy="0"/>
+        </a:xfrm>
+      </p:grpSpPr>
+      <p:sp>
+        <p:nvSpPr>
+          <p:cNvPr id="2" name="Slide Image Placeholder 1"/>
+          <p:cNvSpPr>
+            <a:spLocks noGrp="1" noRot="1" noChangeAspect="1"/>
+          </p:cNvSpPr>
+          <p:nvPr>
+            <p:ph type="sldImg"/>
+          </p:nvPr>
+        </p:nvSpPr>
+        <p:spPr/>
+      </p:sp>
+      <p:sp>
+        <p:nvSpPr>
+          <p:cNvPr id="3" name="Notes Placeholder 2"/>
+          <p:cNvSpPr>
+            <a:spLocks noGrp="1"/>
+          </p:cNvSpPr>
+          <p:nvPr>
+            <p:ph type="body" idx="1"/>
+          </p:nvPr>
+        </p:nvSpPr>
+        <p:spPr/>
+        <p:txBody>
+          <a:bodyPr/>
+          <a:lstStyle/>
+          <a:p>
+            <a:pPr marL="0" lvl="0" indent="0">
+              <a:buNone/>
+            </a:pPr>
+            <a:r>
+              <a:t>Here are the plots with analysis of means limits. The limits are slightly different because the clinics did not have the same number of members. But the differences in the limits are minor. Clinic 3 has a lower rate of CAT scan utilization compared to the overall rate and Clinic 5 has a higher rate of CAT scan utilization.</a:t>
+            </a:r>
+          </a:p>
+        </p:txBody>
+      </p:sp>
+      <p:sp>
+        <p:nvSpPr>
+          <p:cNvPr id="4" name="Slide Number Placeholder 3"/>
+          <p:cNvSpPr>
+            <a:spLocks noGrp="1"/>
+          </p:cNvSpPr>
+          <p:nvPr>
+            <p:ph type="sldNum" sz="quarter" idx="10"/>
+          </p:nvPr>
+        </p:nvSpPr>
+        <p:spPr/>
+        <p:txBody>
+          <a:bodyPr/>
+          <a:lstStyle/>
+          <a:p>
+            <a:fld id="{18BDFEC3-8487-43E8-A154-7C12CBC1FFF2}" type="slidenum">
+              <a:rPr lang="en-US"/>
+              <a:t>45</a:t>
+            </a:fld>
+            <a:endParaRPr lang="en-US"/>
+          </a:p>
+        </p:txBody>
+      </p:sp>
+    </p:spTree>
+  </p:cSld>
+  <p:clrMapOvr>
+    <a:masterClrMapping/>
+  </p:clrMapOvr>
+</p:notes>
+</file>
+
+<file path=ppt/notesSlides/notesSlide38.xml><?xml version="1.0" encoding="utf-8"?>
+<p:notes xmlns:a="http://schemas.openxmlformats.org/drawingml/2006/main" xmlns:r="http://schemas.openxmlformats.org/officeDocument/2006/relationships" xmlns:p="http://schemas.openxmlformats.org/presentationml/2006/main">
+  <p:cSld>
+    <p:spTree>
+      <p:nvGrpSpPr>
+        <p:cNvPr id="1" name=""/>
+        <p:cNvGrpSpPr/>
+        <p:nvPr/>
+      </p:nvGrpSpPr>
+      <p:grpSpPr>
+        <a:xfrm>
+          <a:off x="0" y="0"/>
+          <a:ext cx="0" cy="0"/>
+          <a:chOff x="0" y="0"/>
+          <a:chExt cx="0" cy="0"/>
+        </a:xfrm>
+      </p:grpSpPr>
+      <p:sp>
+        <p:nvSpPr>
+          <p:cNvPr id="2" name="Slide Image Placeholder 1"/>
+          <p:cNvSpPr>
+            <a:spLocks noGrp="1" noRot="1" noChangeAspect="1"/>
+          </p:cNvSpPr>
+          <p:nvPr>
+            <p:ph type="sldImg"/>
+          </p:nvPr>
+        </p:nvSpPr>
+        <p:spPr/>
+      </p:sp>
+      <p:sp>
+        <p:nvSpPr>
+          <p:cNvPr id="3" name="Notes Placeholder 2"/>
+          <p:cNvSpPr>
+            <a:spLocks noGrp="1"/>
+          </p:cNvSpPr>
+          <p:nvPr>
+            <p:ph type="body" idx="1"/>
+          </p:nvPr>
+        </p:nvSpPr>
+        <p:spPr/>
+        <p:txBody>
+          <a:bodyPr/>
+          <a:lstStyle/>
+          <a:p>
+            <a:pPr marL="0" lvl="0" indent="0">
+              <a:buNone/>
+            </a:pPr>
+            <a:r>
+              <a:t>If you look for applications of analysis of means in the peer reviewed literature and on the web, you’ll see some advanced applications. I am not a big fan of these extensions, but perhaps that is just because I have not had a chance to work with them.</a:t>
+            </a:r>
+          </a:p>
+          <a:p>
+            <a:pPr marL="0" lvl="0" indent="0">
+              <a:buNone/>
+            </a:pPr>
+            <a:endParaRPr/>
+          </a:p>
+          <a:p>
+            <a:pPr marL="0" lvl="0" indent="0">
+              <a:buNone/>
+            </a:pPr>
+            <a:r>
+              <a:t>Donald Wheeler has developed the analysis of means methodology that uses ranges rather than variances to calculate the limits. This has some appeal to simplicity, as you can calculate a range a lot faster than you can calculate a standard deviation. There is some loss in efficiency, however, by using ranges.</a:t>
+            </a:r>
+          </a:p>
+          <a:p>
+            <a:pPr marL="0" lvl="0" indent="0">
+              <a:buNone/>
+            </a:pPr>
+            <a:endParaRPr/>
+          </a:p>
+          <a:p>
+            <a:pPr marL="0" lvl="0" indent="0">
+              <a:buNone/>
+            </a:pPr>
+            <a:r>
+              <a:t>Other applications look at multi-factor settings, and you can run analysis of means charts for main effects and interactions. Most example I have seen only have a small number of levels for each factor, and these examples don’t seem to offer much beyond what traditional analysis of variance can already do. It may have more applications in searching for which combinations of factors lead to an interaction.</a:t>
+            </a:r>
+          </a:p>
+          <a:p>
+            <a:pPr marL="0" lvl="0" indent="0">
+              <a:buNone/>
+            </a:pPr>
+            <a:endParaRPr/>
+          </a:p>
+          <a:p>
+            <a:pPr marL="0" lvl="0" indent="0">
+              <a:buNone/>
+            </a:pPr>
+            <a:r>
+              <a:t>There are also several nonparametric approaches. Analysis of means does rely on an assumption of normality, but with small sample sizes and skewed data, this can sometimes be problematic.</a:t>
+            </a:r>
+          </a:p>
+          <a:p>
+            <a:pPr marL="0" lvl="0" indent="0">
+              <a:buNone/>
+            </a:pPr>
+            <a:endParaRPr/>
+          </a:p>
+          <a:p>
+            <a:pPr marL="0" lvl="0" indent="0">
+              <a:buNone/>
+            </a:pPr>
+            <a:r>
+              <a:t>Another extension is the use of analysis of means to look for groups that have much larger or much smaller variances. You could use this as a check on the homogeneity assumption for an upcoming analysis of variance, but there are already plenty of good tests out there. Further, there is controversy over how you should test for homogeneity or even if you should test for homogeneity. A better application might be examining a process where the mean level is not important, but it is important to have consistency around whatever mean you might have.</a:t>
+            </a:r>
+          </a:p>
+        </p:txBody>
+      </p:sp>
+      <p:sp>
+        <p:nvSpPr>
+          <p:cNvPr id="4" name="Slide Number Placeholder 3"/>
+          <p:cNvSpPr>
+            <a:spLocks noGrp="1"/>
+          </p:cNvSpPr>
+          <p:nvPr>
+            <p:ph type="sldNum" sz="quarter" idx="10"/>
+          </p:nvPr>
+        </p:nvSpPr>
+        <p:spPr/>
+        <p:txBody>
+          <a:bodyPr/>
+          <a:lstStyle/>
+          <a:p>
+            <a:fld id="{18BDFEC3-8487-43E8-A154-7C12CBC1FFF2}" type="slidenum">
+              <a:rPr lang="en-US"/>
+              <a:t>47</a:t>
+            </a:fld>
+            <a:endParaRPr lang="en-US"/>
+          </a:p>
+        </p:txBody>
+      </p:sp>
+    </p:spTree>
+  </p:cSld>
+  <p:clrMapOvr>
+    <a:masterClrMapping/>
+  </p:clrMapOvr>
+</p:notes>
+</file>
+
+<file path=ppt/notesSlides/notesSlide39.xml><?xml version="1.0" encoding="utf-8"?>
+<p:notes xmlns:a="http://schemas.openxmlformats.org/drawingml/2006/main" xmlns:r="http://schemas.openxmlformats.org/officeDocument/2006/relationships" xmlns:p="http://schemas.openxmlformats.org/presentationml/2006/main">
+  <p:cSld>
+    <p:spTree>
+      <p:nvGrpSpPr>
+        <p:cNvPr id="1" name=""/>
+        <p:cNvGrpSpPr/>
+        <p:nvPr/>
+      </p:nvGrpSpPr>
+      <p:grpSpPr>
+        <a:xfrm>
+          <a:off x="0" y="0"/>
+          <a:ext cx="0" cy="0"/>
+          <a:chOff x="0" y="0"/>
+          <a:chExt cx="0" cy="0"/>
+        </a:xfrm>
+      </p:grpSpPr>
+      <p:sp>
+        <p:nvSpPr>
+          <p:cNvPr id="2" name="Slide Image Placeholder 1"/>
+          <p:cNvSpPr>
+            <a:spLocks noGrp="1" noRot="1" noChangeAspect="1"/>
+          </p:cNvSpPr>
+          <p:nvPr>
+            <p:ph type="sldImg"/>
+          </p:nvPr>
+        </p:nvSpPr>
+        <p:spPr/>
+      </p:sp>
+      <p:sp>
+        <p:nvSpPr>
+          <p:cNvPr id="3" name="Notes Placeholder 2"/>
+          <p:cNvSpPr>
+            <a:spLocks noGrp="1"/>
+          </p:cNvSpPr>
+          <p:nvPr>
+            <p:ph type="body" idx="1"/>
+          </p:nvPr>
+        </p:nvSpPr>
+        <p:spPr/>
+        <p:txBody>
+          <a:bodyPr/>
+          <a:lstStyle/>
+          <a:p>
+            <a:pPr marL="0" lvl="0" indent="0">
+              <a:buNone/>
+            </a:pPr>
+            <a:r>
+              <a:t>The previous example showed a negative result. None of the C-section proportions was statistically significant. Every group was average.</a:t>
+            </a:r>
+          </a:p>
+          <a:p>
+            <a:pPr marL="0" lvl="0" indent="0">
+              <a:buNone/>
+            </a:pPr>
+            <a:endParaRPr/>
+          </a:p>
+          <a:p>
+            <a:pPr marL="0" lvl="0" indent="0">
+              <a:buNone/>
+            </a:pPr>
+            <a:r>
+              <a:t>Boring!</a:t>
+            </a:r>
+          </a:p>
+          <a:p>
+            <a:pPr marL="0" lvl="0" indent="0">
+              <a:buNone/>
+            </a:pPr>
+            <a:endParaRPr/>
+          </a:p>
+          <a:p>
+            <a:pPr marL="0" lvl="0" indent="0">
+              <a:buNone/>
+            </a:pPr>
+            <a:r>
+              <a:t>Well, maybe not. If the different medical groups had a similar mix of pregnancies and yet some had significantly higher probabilities for C-sections, then either the groups with the higher probabilities are doing something wrong, or everyone else is doing something wrong.</a:t>
+            </a:r>
+          </a:p>
+          <a:p>
+            <a:pPr marL="0" lvl="0" indent="0">
+              <a:buNone/>
+            </a:pPr>
+            <a:endParaRPr/>
+          </a:p>
+          <a:p>
+            <a:pPr marL="0" lvl="0" indent="0">
+              <a:buNone/>
+            </a:pPr>
+            <a:r>
+              <a:t>There is often too much inappropriate variation in the delivery of health care. A negative finding here says that this is not an issue with regard to C-section rates among the varying clinics.</a:t>
+            </a:r>
+          </a:p>
+          <a:p>
+            <a:pPr marL="0" lvl="0" indent="0">
+              <a:buNone/>
+            </a:pPr>
+            <a:endParaRPr/>
+          </a:p>
+          <a:p>
+            <a:pPr marL="0" lvl="0" indent="0">
+              <a:buNone/>
+            </a:pPr>
+            <a:r>
+              <a:t>What if you do see one or more statistically significant deviations from the overall average?</a:t>
+            </a:r>
+          </a:p>
+          <a:p>
+            <a:pPr marL="0" lvl="0" indent="0">
+              <a:buNone/>
+            </a:pPr>
+            <a:endParaRPr/>
+          </a:p>
+          <a:p>
+            <a:pPr marL="0" lvl="0" indent="0">
+              <a:buNone/>
+            </a:pPr>
+            <a:r>
+              <a:t>There’s a well known quote from Catherine Aird, a famous English novelist. Think of the groups that are significantly above average (assuming that larger is better) as shining examples to be emulated. Study what is different about these groups that makes them perform so well. Can other groups learn from their experience.</a:t>
+            </a:r>
+          </a:p>
+          <a:p>
+            <a:pPr marL="0" lvl="0" indent="0">
+              <a:buNone/>
+            </a:pPr>
+            <a:endParaRPr/>
+          </a:p>
+          <a:p>
+            <a:pPr marL="0" lvl="0" indent="0">
+              <a:buNone/>
+            </a:pPr>
+            <a:r>
+              <a:t>Think of the groups that are significantly below average as the horrible warnings. Study what is different about these groups, so that you can improve them and/or so that you can avoid those problems in the other groups.</a:t>
+            </a:r>
+          </a:p>
+          <a:p>
+            <a:pPr marL="0" lvl="0" indent="0">
+              <a:buNone/>
+            </a:pPr>
+            <a:endParaRPr/>
+          </a:p>
+          <a:p>
+            <a:pPr marL="0" lvl="0" indent="0">
+              <a:buNone/>
+            </a:pPr>
+            <a:r>
+              <a:t>The point to both of these is that any future steps that you take should be local.</a:t>
+            </a:r>
+          </a:p>
+        </p:txBody>
+      </p:sp>
+      <p:sp>
+        <p:nvSpPr>
+          <p:cNvPr id="4" name="Slide Number Placeholder 3"/>
+          <p:cNvSpPr>
+            <a:spLocks noGrp="1"/>
+          </p:cNvSpPr>
+          <p:nvPr>
+            <p:ph type="sldNum" sz="quarter" idx="10"/>
+          </p:nvPr>
+        </p:nvSpPr>
+        <p:spPr/>
+        <p:txBody>
+          <a:bodyPr/>
+          <a:lstStyle/>
+          <a:p>
+            <a:fld id="{18BDFEC3-8487-43E8-A154-7C12CBC1FFF2}" type="slidenum">
+              <a:rPr lang="en-US"/>
+              <a:t>48</a:t>
             </a:fld>
             <a:endParaRPr lang="en-US"/>
           </a:p>
@@ -3370,21 +4055,7 @@
               <a:buNone/>
             </a:pPr>
             <a:r>
-              <a:t>You’d be tempted to say that there is no statistically significant difference between batches A and B, but you’d be wrong. The uncertainty associated with individual means does not translate in an additive sense to comparisons between two means. The standard errors are sub-additive, so two intervals that are only lightly embracing would look different if you computed the confidence interval for the difference.</a:t>
-            </a:r>
-          </a:p>
-          <a:p>
-            <a:pPr marL="0" lvl="0" indent="0">
-              <a:buNone/>
-            </a:pPr>
-            <a:endParaRPr/>
-          </a:p>
-          <a:p>
-            <a:pPr marL="0" lvl="0" indent="0">
-              <a:buNone/>
-            </a:pPr>
-            <a:r>
-              <a:t>This is ignoring, of course, the issue of multiplicity, but the point is still important to note. The graphical display of individual means and confidence intervals can be misleading.</a:t>
+              <a:t>Here is an example using analysis of means to look at patterns among different assays for determining selenium concentrations in various biological tissues.</a:t>
             </a:r>
           </a:p>
         </p:txBody>
@@ -3407,6 +4078,496 @@
             <a:fld id="{18BDFEC3-8487-43E8-A154-7C12CBC1FFF2}" type="slidenum">
               <a:rPr lang="en-US"/>
               <a:t>5</a:t>
+            </a:fld>
+            <a:endParaRPr lang="en-US"/>
+          </a:p>
+        </p:txBody>
+      </p:sp>
+    </p:spTree>
+  </p:cSld>
+  <p:clrMapOvr>
+    <a:masterClrMapping/>
+  </p:clrMapOvr>
+</p:notes>
+</file>
+
+<file path=ppt/notesSlides/notesSlide40.xml><?xml version="1.0" encoding="utf-8"?>
+<p:notes xmlns:a="http://schemas.openxmlformats.org/drawingml/2006/main" xmlns:r="http://schemas.openxmlformats.org/officeDocument/2006/relationships" xmlns:p="http://schemas.openxmlformats.org/presentationml/2006/main">
+  <p:cSld>
+    <p:spTree>
+      <p:nvGrpSpPr>
+        <p:cNvPr id="1" name=""/>
+        <p:cNvGrpSpPr/>
+        <p:nvPr/>
+      </p:nvGrpSpPr>
+      <p:grpSpPr>
+        <a:xfrm>
+          <a:off x="0" y="0"/>
+          <a:ext cx="0" cy="0"/>
+          <a:chOff x="0" y="0"/>
+          <a:chExt cx="0" cy="0"/>
+        </a:xfrm>
+      </p:grpSpPr>
+      <p:sp>
+        <p:nvSpPr>
+          <p:cNvPr id="2" name="Slide Image Placeholder 1"/>
+          <p:cNvSpPr>
+            <a:spLocks noGrp="1" noRot="1" noChangeAspect="1"/>
+          </p:cNvSpPr>
+          <p:nvPr>
+            <p:ph type="sldImg"/>
+          </p:nvPr>
+        </p:nvSpPr>
+        <p:spPr/>
+      </p:sp>
+      <p:sp>
+        <p:nvSpPr>
+          <p:cNvPr id="3" name="Notes Placeholder 2"/>
+          <p:cNvSpPr>
+            <a:spLocks noGrp="1"/>
+          </p:cNvSpPr>
+          <p:nvPr>
+            <p:ph type="body" idx="1"/>
+          </p:nvPr>
+        </p:nvSpPr>
+        <p:spPr/>
+        <p:txBody>
+          <a:bodyPr/>
+          <a:lstStyle/>
+          <a:p>
+            <a:pPr marL="0" lvl="0" indent="0">
+              <a:buNone/>
+            </a:pPr>
+            <a:r>
+              <a:t>You should avoid ANOM in certain settings.</a:t>
+            </a:r>
+          </a:p>
+          <a:p>
+            <a:pPr marL="0" lvl="0" indent="0">
+              <a:buNone/>
+            </a:pPr>
+            <a:endParaRPr/>
+          </a:p>
+          <a:p>
+            <a:pPr marL="0" lvl="0" indent="0">
+              <a:buNone/>
+            </a:pPr>
+            <a:r>
+              <a:t>It does not help when you want to identify the best among a group. There would be three or four groups that are all above average, but maybe they are all about the same or maybe one is head and shoulders above the others. Analysis of means cannot distinguish between these very different scenarios.</a:t>
+            </a:r>
+          </a:p>
+          <a:p>
+            <a:pPr marL="0" lvl="0" indent="0">
+              <a:buNone/>
+            </a:pPr>
+            <a:endParaRPr/>
+          </a:p>
+          <a:p>
+            <a:pPr marL="0" lvl="0" indent="0">
+              <a:buNone/>
+            </a:pPr>
+            <a:r>
+              <a:t>Pairwise comparisons work well when you are searching for the best. There is also a Bayesian approach that runs repeated simulations of the posterior distribution, ranks the estimated group means, and then estimates the proportion of times that a given group gets the number 1 rank in the simulation.</a:t>
+            </a:r>
+          </a:p>
+          <a:p>
+            <a:pPr marL="0" lvl="0" indent="0">
+              <a:buNone/>
+            </a:pPr>
+            <a:endParaRPr/>
+          </a:p>
+          <a:p>
+            <a:pPr marL="0" lvl="0" indent="0">
+              <a:buNone/>
+            </a:pPr>
+            <a:r>
+              <a:t>If there is a control group, your interest should be in deviations from the control group rather than deviations from an overall average. The Dunnett’s post hoc comparison in an ANOVA model works well here.</a:t>
+            </a:r>
+          </a:p>
+          <a:p>
+            <a:pPr marL="0" lvl="0" indent="0">
+              <a:buNone/>
+            </a:pPr>
+            <a:endParaRPr/>
+          </a:p>
+          <a:p>
+            <a:pPr marL="0" lvl="0" indent="0">
+              <a:buNone/>
+            </a:pPr>
+            <a:r>
+              <a:t>Finally, and possibly the most important point is about rewards and punishments. There is an unfortunate tendency in many workplaces to blame all the quality problems on the workforce. In fact, it is the system that people work in that is most often deserving of blame.</a:t>
+            </a:r>
+          </a:p>
+          <a:p>
+            <a:pPr marL="0" lvl="0" indent="0">
+              <a:buNone/>
+            </a:pPr>
+            <a:endParaRPr/>
+          </a:p>
+          <a:p>
+            <a:pPr marL="0" lvl="0" indent="0">
+              <a:buNone/>
+            </a:pPr>
+            <a:r>
+              <a:t>If you use Analysis of Means (or any statistical approach, for that matter) to decide who gets bonuses and who gets fired, you’re making a big mistake.</a:t>
+            </a:r>
+          </a:p>
+          <a:p>
+            <a:pPr marL="0" lvl="0" indent="0">
+              <a:buNone/>
+            </a:pPr>
+            <a:endParaRPr/>
+          </a:p>
+          <a:p>
+            <a:pPr marL="0" lvl="0" indent="0">
+              <a:buNone/>
+            </a:pPr>
+            <a:r>
+              <a:t>An unusual result for an individual or for a particular work group becomes the start of an investigation. Mindlessly offering rewards and punishments short-circuits the thinking process. I’m not saying that workers are never to blame. I just worry that statistics make it too easy to jump to conclusions.</a:t>
+            </a:r>
+          </a:p>
+        </p:txBody>
+      </p:sp>
+      <p:sp>
+        <p:nvSpPr>
+          <p:cNvPr id="4" name="Slide Number Placeholder 3"/>
+          <p:cNvSpPr>
+            <a:spLocks noGrp="1"/>
+          </p:cNvSpPr>
+          <p:nvPr>
+            <p:ph type="sldNum" sz="quarter" idx="10"/>
+          </p:nvPr>
+        </p:nvSpPr>
+        <p:spPr/>
+        <p:txBody>
+          <a:bodyPr/>
+          <a:lstStyle/>
+          <a:p>
+            <a:fld id="{18BDFEC3-8487-43E8-A154-7C12CBC1FFF2}" type="slidenum">
+              <a:rPr lang="en-US"/>
+              <a:t>49</a:t>
+            </a:fld>
+            <a:endParaRPr lang="en-US"/>
+          </a:p>
+        </p:txBody>
+      </p:sp>
+    </p:spTree>
+  </p:cSld>
+  <p:clrMapOvr>
+    <a:masterClrMapping/>
+  </p:clrMapOvr>
+</p:notes>
+</file>
+
+<file path=ppt/notesSlides/notesSlide41.xml><?xml version="1.0" encoding="utf-8"?>
+<p:notes xmlns:a="http://schemas.openxmlformats.org/drawingml/2006/main" xmlns:r="http://schemas.openxmlformats.org/officeDocument/2006/relationships" xmlns:p="http://schemas.openxmlformats.org/presentationml/2006/main">
+  <p:cSld>
+    <p:spTree>
+      <p:nvGrpSpPr>
+        <p:cNvPr id="1" name=""/>
+        <p:cNvGrpSpPr/>
+        <p:nvPr/>
+      </p:nvGrpSpPr>
+      <p:grpSpPr>
+        <a:xfrm>
+          <a:off x="0" y="0"/>
+          <a:ext cx="0" cy="0"/>
+          <a:chOff x="0" y="0"/>
+          <a:chExt cx="0" cy="0"/>
+        </a:xfrm>
+      </p:grpSpPr>
+      <p:sp>
+        <p:nvSpPr>
+          <p:cNvPr id="2" name="Slide Image Placeholder 1"/>
+          <p:cNvSpPr>
+            <a:spLocks noGrp="1" noRot="1" noChangeAspect="1"/>
+          </p:cNvSpPr>
+          <p:nvPr>
+            <p:ph type="sldImg"/>
+          </p:nvPr>
+        </p:nvSpPr>
+        <p:spPr/>
+      </p:sp>
+      <p:sp>
+        <p:nvSpPr>
+          <p:cNvPr id="3" name="Notes Placeholder 2"/>
+          <p:cNvSpPr>
+            <a:spLocks noGrp="1"/>
+          </p:cNvSpPr>
+          <p:nvPr>
+            <p:ph type="body" idx="1"/>
+          </p:nvPr>
+        </p:nvSpPr>
+        <p:spPr/>
+        <p:txBody>
+          <a:bodyPr/>
+          <a:lstStyle/>
+          <a:p>
+            <a:pPr marL="0" lvl="0" indent="0">
+              <a:buNone/>
+            </a:pPr>
+            <a:r>
+              <a:t>The book</a:t>
+            </a:r>
+          </a:p>
+          <a:p>
+            <a:pPr marL="0" lvl="0" indent="0">
+              <a:buNone/>
+            </a:pPr>
+            <a:endParaRPr/>
+          </a:p>
+          <a:p>
+            <a:pPr marL="0" lvl="0" indent="0">
+              <a:buNone/>
+            </a:pPr>
+            <a:r>
+              <a:t>Peter R. Nelson, Peter S. Wludyka, Karen A.F. Copeland. The Analysis of Means. A Graphical Method for Comparing Means, Rates, and Proportions. ASA-Siam Series on Statistics and Applied Probability. Siam, Philadelphia PA, ASA, Alexandria VA, 2005.</a:t>
+            </a:r>
+          </a:p>
+          <a:p>
+            <a:pPr marL="0" lvl="0" indent="0">
+              <a:buNone/>
+            </a:pPr>
+            <a:endParaRPr/>
+          </a:p>
+          <a:p>
+            <a:pPr marL="0" lvl="0" indent="0">
+              <a:buNone/>
+            </a:pPr>
+            <a:r>
+              <a:t>has everything you need including most of the extensions discussed earlier.</a:t>
+            </a:r>
+          </a:p>
+        </p:txBody>
+      </p:sp>
+      <p:sp>
+        <p:nvSpPr>
+          <p:cNvPr id="4" name="Slide Number Placeholder 3"/>
+          <p:cNvSpPr>
+            <a:spLocks noGrp="1"/>
+          </p:cNvSpPr>
+          <p:nvPr>
+            <p:ph type="sldNum" sz="quarter" idx="10"/>
+          </p:nvPr>
+        </p:nvSpPr>
+        <p:spPr/>
+        <p:txBody>
+          <a:bodyPr/>
+          <a:lstStyle/>
+          <a:p>
+            <a:fld id="{18BDFEC3-8487-43E8-A154-7C12CBC1FFF2}" type="slidenum">
+              <a:rPr lang="en-US"/>
+              <a:t>50</a:t>
+            </a:fld>
+            <a:endParaRPr lang="en-US"/>
+          </a:p>
+        </p:txBody>
+      </p:sp>
+    </p:spTree>
+  </p:cSld>
+  <p:clrMapOvr>
+    <a:masterClrMapping/>
+  </p:clrMapOvr>
+</p:notes>
+</file>
+
+<file path=ppt/notesSlides/notesSlide42.xml><?xml version="1.0" encoding="utf-8"?>
+<p:notes xmlns:a="http://schemas.openxmlformats.org/drawingml/2006/main" xmlns:r="http://schemas.openxmlformats.org/officeDocument/2006/relationships" xmlns:p="http://schemas.openxmlformats.org/presentationml/2006/main">
+  <p:cSld>
+    <p:spTree>
+      <p:nvGrpSpPr>
+        <p:cNvPr id="1" name=""/>
+        <p:cNvGrpSpPr/>
+        <p:nvPr/>
+      </p:nvGrpSpPr>
+      <p:grpSpPr>
+        <a:xfrm>
+          <a:off x="0" y="0"/>
+          <a:ext cx="0" cy="0"/>
+          <a:chOff x="0" y="0"/>
+          <a:chExt cx="0" cy="0"/>
+        </a:xfrm>
+      </p:grpSpPr>
+      <p:sp>
+        <p:nvSpPr>
+          <p:cNvPr id="2" name="Slide Image Placeholder 1"/>
+          <p:cNvSpPr>
+            <a:spLocks noGrp="1" noRot="1" noChangeAspect="1"/>
+          </p:cNvSpPr>
+          <p:nvPr>
+            <p:ph type="sldImg"/>
+          </p:nvPr>
+        </p:nvSpPr>
+        <p:spPr/>
+      </p:sp>
+      <p:sp>
+        <p:nvSpPr>
+          <p:cNvPr id="3" name="Notes Placeholder 2"/>
+          <p:cNvSpPr>
+            <a:spLocks noGrp="1"/>
+          </p:cNvSpPr>
+          <p:nvPr>
+            <p:ph type="body" idx="1"/>
+          </p:nvPr>
+        </p:nvSpPr>
+        <p:spPr/>
+        <p:txBody>
+          <a:bodyPr/>
+          <a:lstStyle/>
+          <a:p>
+            <a:pPr marL="0" lvl="0" indent="0">
+              <a:buNone/>
+            </a:pPr>
+            <a:r>
+              <a:t>SAS put all its documentation online a couple of decades ago, and it is a great resource, even if you don’t use SAS. This is the front “cover” of the documentation for PROC ANOM, and it is available at</a:t>
+            </a:r>
+          </a:p>
+          <a:p>
+            <a:pPr marL="0" lvl="0" indent="0">
+              <a:buNone/>
+            </a:pPr>
+            <a:endParaRPr/>
+          </a:p>
+          <a:p>
+            <a:pPr marL="0" lvl="0" indent="0">
+              <a:buNone/>
+            </a:pPr>
+            <a:r>
+              <a:t>https://support.sas.com/documentation/onlinedoc/qc/142/anom.pdf</a:t>
+            </a:r>
+          </a:p>
+          <a:p>
+            <a:pPr marL="0" lvl="0" indent="0">
+              <a:buNone/>
+            </a:pPr>
+            <a:endParaRPr/>
+          </a:p>
+          <a:p>
+            <a:pPr marL="0" lvl="0" indent="0">
+              <a:buNone/>
+            </a:pPr>
+            <a:r>
+              <a:t>My only complaint is that they did too much. The entire manual is 160 pages. About 25% of the content is general tutorials on the methodology itself and not SAS specific.</a:t>
+            </a:r>
+          </a:p>
+        </p:txBody>
+      </p:sp>
+      <p:sp>
+        <p:nvSpPr>
+          <p:cNvPr id="4" name="Slide Number Placeholder 3"/>
+          <p:cNvSpPr>
+            <a:spLocks noGrp="1"/>
+          </p:cNvSpPr>
+          <p:nvPr>
+            <p:ph type="sldNum" sz="quarter" idx="10"/>
+          </p:nvPr>
+        </p:nvSpPr>
+        <p:spPr/>
+        <p:txBody>
+          <a:bodyPr/>
+          <a:lstStyle/>
+          <a:p>
+            <a:fld id="{18BDFEC3-8487-43E8-A154-7C12CBC1FFF2}" type="slidenum">
+              <a:rPr lang="en-US"/>
+              <a:t>51</a:t>
+            </a:fld>
+            <a:endParaRPr lang="en-US"/>
+          </a:p>
+        </p:txBody>
+      </p:sp>
+    </p:spTree>
+  </p:cSld>
+  <p:clrMapOvr>
+    <a:masterClrMapping/>
+  </p:clrMapOvr>
+</p:notes>
+</file>
+
+<file path=ppt/notesSlides/notesSlide43.xml><?xml version="1.0" encoding="utf-8"?>
+<p:notes xmlns:a="http://schemas.openxmlformats.org/drawingml/2006/main" xmlns:r="http://schemas.openxmlformats.org/officeDocument/2006/relationships" xmlns:p="http://schemas.openxmlformats.org/presentationml/2006/main">
+  <p:cSld>
+    <p:spTree>
+      <p:nvGrpSpPr>
+        <p:cNvPr id="1" name=""/>
+        <p:cNvGrpSpPr/>
+        <p:nvPr/>
+      </p:nvGrpSpPr>
+      <p:grpSpPr>
+        <a:xfrm>
+          <a:off x="0" y="0"/>
+          <a:ext cx="0" cy="0"/>
+          <a:chOff x="0" y="0"/>
+          <a:chExt cx="0" cy="0"/>
+        </a:xfrm>
+      </p:grpSpPr>
+      <p:sp>
+        <p:nvSpPr>
+          <p:cNvPr id="2" name="Slide Image Placeholder 1"/>
+          <p:cNvSpPr>
+            <a:spLocks noGrp="1" noRot="1" noChangeAspect="1"/>
+          </p:cNvSpPr>
+          <p:nvPr>
+            <p:ph type="sldImg"/>
+          </p:nvPr>
+        </p:nvSpPr>
+        <p:spPr/>
+      </p:sp>
+      <p:sp>
+        <p:nvSpPr>
+          <p:cNvPr id="3" name="Notes Placeholder 2"/>
+          <p:cNvSpPr>
+            <a:spLocks noGrp="1"/>
+          </p:cNvSpPr>
+          <p:nvPr>
+            <p:ph type="body" idx="1"/>
+          </p:nvPr>
+        </p:nvSpPr>
+        <p:spPr/>
+        <p:txBody>
+          <a:bodyPr/>
+          <a:lstStyle/>
+          <a:p>
+            <a:pPr marL="0" lvl="0" indent="0">
+              <a:buNone/>
+            </a:pPr>
+            <a:r>
+              <a:t>The quality of documentation in R is uneven, but any package that comes with a vignette is almost always well documented. A vignette is a document showing a few simple examples of how to use an R package and interpret the output. The vignette for the R package ANOM actually starts with some advanced examples, but you will find references in this vignette by the same author covering more basic examples.</a:t>
+            </a:r>
+          </a:p>
+          <a:p>
+            <a:pPr marL="0" lvl="0" indent="0">
+              <a:buNone/>
+            </a:pPr>
+            <a:endParaRPr/>
+          </a:p>
+          <a:p>
+            <a:pPr marL="0" lvl="0" indent="0">
+              <a:buNone/>
+            </a:pPr>
+            <a:r>
+              <a:t>https://cran.r-project.org/web/packages/ANOM/vignettes/ANOM.pdf</a:t>
+            </a:r>
+          </a:p>
+        </p:txBody>
+      </p:sp>
+      <p:sp>
+        <p:nvSpPr>
+          <p:cNvPr id="4" name="Slide Number Placeholder 3"/>
+          <p:cNvSpPr>
+            <a:spLocks noGrp="1"/>
+          </p:cNvSpPr>
+          <p:nvPr>
+            <p:ph type="sldNum" sz="quarter" idx="10"/>
+          </p:nvPr>
+        </p:nvSpPr>
+        <p:spPr/>
+        <p:txBody>
+          <a:bodyPr/>
+          <a:lstStyle/>
+          <a:p>
+            <a:fld id="{18BDFEC3-8487-43E8-A154-7C12CBC1FFF2}" type="slidenum">
+              <a:rPr lang="en-US"/>
+              <a:t>52</a:t>
             </a:fld>
             <a:endParaRPr lang="en-US"/>
           </a:p>
@@ -3468,7 +4629,63 @@
               <a:buNone/>
             </a:pPr>
             <a:r>
-              <a:t>Here’s another difficulty with interpretation in the ANOVA setting. These are intervals for the difference in means, using a Tukey post hoc adjustment.</a:t>
+              <a:t>To get started with analysis of means, you need an understanding of the two approaches it is similar to: analysis of variance and statistical control charts. Let’s start with analysis of variance.</a:t>
+            </a:r>
+          </a:p>
+          <a:p>
+            <a:pPr marL="0" lvl="0" indent="0">
+              <a:buNone/>
+            </a:pPr>
+            <a:endParaRPr/>
+          </a:p>
+          <a:p>
+            <a:pPr marL="0" lvl="0" indent="0">
+              <a:buNone/>
+            </a:pPr>
+            <a:r>
+              <a:t>Here is an example I am borrowing from a website, Statistics By Jim,</a:t>
+            </a:r>
+          </a:p>
+          <a:p>
+            <a:pPr marL="0" lvl="0" indent="0">
+              <a:buNone/>
+            </a:pPr>
+            <a:endParaRPr/>
+          </a:p>
+          <a:p>
+            <a:pPr marL="0" lvl="0" indent="0">
+              <a:buNone/>
+            </a:pPr>
+            <a:r>
+              <a:t>https://statisticsbyjim.com/anova/post-hoc-tests-anova/</a:t>
+            </a:r>
+          </a:p>
+          <a:p>
+            <a:pPr marL="0" lvl="0" indent="0">
+              <a:buNone/>
+            </a:pPr>
+            <a:endParaRPr/>
+          </a:p>
+          <a:p>
+            <a:pPr marL="0" lvl="0" indent="0">
+              <a:buNone/>
+            </a:pPr>
+            <a:r>
+              <a:t>A laboratory was studying hardness measures of some materials (arbitrarily labelled A, B, C, and D) by compressing them until they break. The researchers measured strength for 6 different pieces of each material, for a total of 24 measurements.</a:t>
+            </a:r>
+          </a:p>
+          <a:p>
+            <a:pPr marL="0" lvl="0" indent="0">
+              <a:buNone/>
+            </a:pPr>
+            <a:endParaRPr/>
+          </a:p>
+          <a:p>
+            <a:pPr marL="0" lvl="0" indent="0">
+              <a:buNone/>
+            </a:pPr>
+            <a:r>
+              <a:t>There are lots of different ways to measure the strength of a material. I don’t know the exact details of how they did it for this study, so I am borrowing an image of strength testing from the NASA Johnson Space Center.</a:t>
             </a:r>
           </a:p>
         </p:txBody>
@@ -3552,21 +4769,7 @@
               <a:buNone/>
             </a:pPr>
             <a:r>
-              <a:t>Here is a graphical display of these intervals. Let’s ignore C for the time being. Remember that B is the weakest material, D is the strongest, and A is somewhere in the middle. Looking at these intervals, there is no statistically significant difference between B and A, none between A and D, but there is a statistically significant difference between B and D.</a:t>
-            </a:r>
-          </a:p>
-          <a:p>
-            <a:pPr marL="0" lvl="0" indent="0">
-              <a:buNone/>
-            </a:pPr>
-            <a:endParaRPr/>
-          </a:p>
-          <a:p>
-            <a:pPr marL="0" lvl="0" indent="0">
-              <a:buNone/>
-            </a:pPr>
-            <a:r>
-              <a:t>Now I don’t mean to harp on this point too much. ANOVA is a great technique. It often helps us greatly in understanding what is going on, in spite of these interpretation problems. But nothing is perfect in Statistics. There is at least some downside to everything that you try.</a:t>
+              <a:t>Here are the descriptive statistics for the study. You’ll note that D has the best value and B the worst, with A and C being in between. There is a small amount of variation in the measurements within a sample, so you might ask whether the differences seen among these means could be accounted for just by sampling error or if there are some differences in the materials. If there are differences, where do they lie?</a:t>
             </a:r>
           </a:p>
         </p:txBody>
@@ -3650,7 +4853,7 @@
               <a:buNone/>
             </a:pPr>
             <a:r>
-              <a:t>This slide shows an example of a control chart for means. The data represents piston ring diameters in an automotive factory. It’s important to keep the diameters very very close to 74. The workers on the factory floor measure five diameters every day, compute the average (and the range and standard deviation) for that day and plot it over 40 consecutive days. The workers also measure short term variation, as computed by the range or standard deviation for each day.</a:t>
+              <a:t>Here are the individual confidence intervals. The interpretation of these individual intervals is tricky.</a:t>
             </a:r>
           </a:p>
           <a:p>
@@ -3664,7 +4867,35 @@
               <a:buNone/>
             </a:pPr>
             <a:r>
-              <a:t>Control limits are computed using the average standard deviation or the average range. You may have heard these called the three sigma limits, but you need to be careful, because “sigma” is not an overall standard deviation, but a short term estimate of variation.</a:t>
+              <a:t>First, you can’t say anything about the intervals when they overlap.</a:t>
+            </a:r>
+          </a:p>
+          <a:p>
+            <a:pPr marL="0" lvl="0" indent="0">
+              <a:buNone/>
+            </a:pPr>
+            <a:endParaRPr/>
+          </a:p>
+          <a:p>
+            <a:pPr marL="0" lvl="0" indent="0">
+              <a:buNone/>
+            </a:pPr>
+            <a:r>
+              <a:t>You’d be tempted to say that there is no statistically significant difference between batches A and B, but you’d be wrong. The uncertainty associated with individual means does not translate in an additive sense to comparisons between two means. The standard errors are sub-additive, so two intervals that are only lightly embracing would look different if you computed the confidence interval for the difference.</a:t>
+            </a:r>
+          </a:p>
+          <a:p>
+            <a:pPr marL="0" lvl="0" indent="0">
+              <a:buNone/>
+            </a:pPr>
+            <a:endParaRPr/>
+          </a:p>
+          <a:p>
+            <a:pPr marL="0" lvl="0" indent="0">
+              <a:buNone/>
+            </a:pPr>
+            <a:r>
+              <a:t>But you also can’t say anything about the intervals that don’t overlap. The individual have a 95% confidence level, but there are multiple comparisons among them. If you don’t adjust for this, you might end up with faulty interpretation.</a:t>
             </a:r>
           </a:p>
         </p:txBody>
@@ -3686,7 +4917,7 @@
           <a:p>
             <a:fld id="{18BDFEC3-8487-43E8-A154-7C12CBC1FFF2}" type="slidenum">
               <a:rPr lang="en-US"/>
-              <a:t>10</a:t>
+              <a:t>8</a:t>
             </a:fld>
             <a:endParaRPr lang="en-US"/>
           </a:p>
@@ -3748,7 +4979,7 @@
               <a:buNone/>
             </a:pPr>
             <a:r>
-              <a:t>The process is said to be out of control if you find one point out of the control limit or eight consecutive points on the same side of the center line.</a:t>
+              <a:t>A common approach for this data, and the one illustrated on the Statistics by Jim website is analysis of variance.</a:t>
             </a:r>
           </a:p>
           <a:p>
@@ -3762,7 +4993,7 @@
               <a:buNone/>
             </a:pPr>
             <a:r>
-              <a:t>There are other rules, such as two out three points outside the two sigma limits, four out of five outside the one sigma limits.</a:t>
+              <a:t>Let’s review the basic analysis of variance hypotheses. The null hypothesis is that the population mean is the same for every possible pair i,j. The alternative is that there is at least one pair i,j where the group means differ.</a:t>
             </a:r>
           </a:p>
         </p:txBody>
@@ -3784,7 +5015,7 @@
           <a:p>
             <a:fld id="{18BDFEC3-8487-43E8-A154-7C12CBC1FFF2}" type="slidenum">
               <a:rPr lang="en-US"/>
-              <a:t>11</a:t>
+              <a:t>9</a:t>
             </a:fld>
             <a:endParaRPr lang="en-US"/>
           </a:p>
@@ -3846,21 +5077,7 @@
               <a:buNone/>
             </a:pPr>
             <a:r>
-              <a:t>Here’s a fictional chart showing ore production by eight dwarves. Most of you recognize the first seven names, but does anyone know who “Gimli” is?</a:t>
-            </a:r>
-          </a:p>
-          <a:p>
-            <a:pPr marL="0" lvl="0" indent="0">
-              <a:buNone/>
-            </a:pPr>
-            <a:endParaRPr/>
-          </a:p>
-          <a:p>
-            <a:pPr marL="0" lvl="0" indent="0">
-              <a:buNone/>
-            </a:pPr>
-            <a:r>
-              <a:t>This is drawn like a control chart and uses control chart limits, but it is not a correct application of control chart methodology.</a:t>
+              <a:t>Here’s some output from Jim’s website. I think the program he is using is MINITAB, but the output from other packages will look very similar. The key statistic is the p-value, 0.004. Since this difference is small, you conclude that there is at least one pair of materials where there is a statistically significant difference in strength.</a:t>
             </a:r>
           </a:p>
         </p:txBody>
@@ -3882,7 +5099,7 @@
           <a:p>
             <a:fld id="{18BDFEC3-8487-43E8-A154-7C12CBC1FFF2}" type="slidenum">
               <a:rPr lang="en-US"/>
-              <a:t>12</a:t>
+              <a:t>10</a:t>
             </a:fld>
             <a:endParaRPr lang="en-US"/>
           </a:p>
@@ -4153,7 +5370,7 @@
     </p:spTree>
     <p:extLst>
       <p:ext uri="{BB962C8B-B14F-4D97-AF65-F5344CB8AC3E}">
-        <p14:creationId xmlns:p14="http://schemas.microsoft.com/office/powerpoint/2010/main" val="4209880743"/>
+        <p14:creationId xmlns:p14="http://schemas.microsoft.com/office/powerpoint/2010/main" val="3217678162"/>
       </p:ext>
     </p:extLst>
   </p:cSld>
@@ -4426,7 +5643,7 @@
     </p:spTree>
     <p:extLst>
       <p:ext uri="{BB962C8B-B14F-4D97-AF65-F5344CB8AC3E}">
-        <p14:creationId xmlns:p14="http://schemas.microsoft.com/office/powerpoint/2010/main" val="2000957322"/>
+        <p14:creationId xmlns:p14="http://schemas.microsoft.com/office/powerpoint/2010/main" val="384029178"/>
       </p:ext>
     </p:extLst>
   </p:cSld>
@@ -4557,7 +5774,7 @@
     </p:spTree>
     <p:extLst>
       <p:ext uri="{BB962C8B-B14F-4D97-AF65-F5344CB8AC3E}">
-        <p14:creationId xmlns:p14="http://schemas.microsoft.com/office/powerpoint/2010/main" val="1979087299"/>
+        <p14:creationId xmlns:p14="http://schemas.microsoft.com/office/powerpoint/2010/main" val="2434184414"/>
       </p:ext>
     </p:extLst>
   </p:cSld>
@@ -4746,7 +5963,7 @@
           <a:p>
             <a:fld id="{241EB5C9-1307-BA42-ABA2-0BC069CD8E7F}" type="datetimeFigureOut">
               <a:rPr lang="en-US" smtClean="0"/>
-              <a:t>4/12/2022</a:t>
+              <a:t>4/15/2022</a:t>
             </a:fld>
             <a:endParaRPr lang="en-US"/>
           </a:p>
@@ -4797,7 +6014,7 @@
     </p:spTree>
     <p:extLst>
       <p:ext uri="{BB962C8B-B14F-4D97-AF65-F5344CB8AC3E}">
-        <p14:creationId xmlns:p14="http://schemas.microsoft.com/office/powerpoint/2010/main" val="2949675141"/>
+        <p14:creationId xmlns:p14="http://schemas.microsoft.com/office/powerpoint/2010/main" val="831729921"/>
       </p:ext>
     </p:extLst>
   </p:cSld>
@@ -5145,7 +6362,7 @@
     </p:spTree>
     <p:extLst>
       <p:ext uri="{BB962C8B-B14F-4D97-AF65-F5344CB8AC3E}">
-        <p14:creationId xmlns:p14="http://schemas.microsoft.com/office/powerpoint/2010/main" val="404382928"/>
+        <p14:creationId xmlns:p14="http://schemas.microsoft.com/office/powerpoint/2010/main" val="1936016612"/>
       </p:ext>
     </p:extLst>
   </p:cSld>
@@ -5494,9 +6711,7 @@
             <a:pPr marL="0" lvl="0" indent="0">
               <a:buNone/>
             </a:pPr>
-            <a:r>
-              <a:t>Created 2022-04-03</a:t>
-            </a:r>
+            <a:endParaRPr/>
           </a:p>
         </p:txBody>
       </p:sp>
@@ -5509,6 +6724,788 @@
 </file>
 
 <file path=ppt/slides/slide10.xml><?xml version="1.0" encoding="utf-8"?>
+<p:sld xmlns:a="http://schemas.openxmlformats.org/drawingml/2006/main" xmlns:r="http://schemas.openxmlformats.org/officeDocument/2006/relationships" xmlns:p="http://schemas.openxmlformats.org/presentationml/2006/main">
+  <p:cSld>
+    <p:spTree>
+      <p:nvGrpSpPr>
+        <p:cNvPr id="1" name=""/>
+        <p:cNvGrpSpPr/>
+        <p:nvPr/>
+      </p:nvGrpSpPr>
+      <p:grpSpPr>
+        <a:xfrm>
+          <a:off x="0" y="0"/>
+          <a:ext cx="0" cy="0"/>
+          <a:chOff x="0" y="0"/>
+          <a:chExt cx="0" cy="0"/>
+        </a:xfrm>
+      </p:grpSpPr>
+      <p:sp>
+        <p:nvSpPr>
+          <p:cNvPr id="2" name="Title 1"/>
+          <p:cNvSpPr>
+            <a:spLocks noGrp="1"/>
+          </p:cNvSpPr>
+          <p:nvPr>
+            <p:ph type="title"/>
+          </p:nvPr>
+        </p:nvSpPr>
+        <p:spPr/>
+        <p:txBody>
+          <a:bodyPr/>
+          <a:lstStyle/>
+          <a:p>
+            <a:pPr marL="0" lvl="0" indent="0">
+              <a:buNone/>
+            </a:pPr>
+            <a:r>
+              <a:t>Strength study, ANOVA table</a:t>
+            </a:r>
+          </a:p>
+        </p:txBody>
+      </p:sp>
+      <p:pic>
+        <p:nvPicPr>
+          <p:cNvPr id="3" name="Picture 1" descr="images/strength-anova.png"/>
+          <p:cNvPicPr>
+            <a:picLocks noGrp="1" noChangeAspect="1"/>
+          </p:cNvPicPr>
+          <p:nvPr/>
+        </p:nvPicPr>
+        <p:blipFill>
+          <a:blip r:embed="rId3"/>
+          <a:stretch>
+            <a:fillRect/>
+          </a:stretch>
+        </p:blipFill>
+        <p:spPr bwMode="auto">
+          <a:xfrm>
+            <a:off x="2159000" y="1600200"/>
+            <a:ext cx="4838700" cy="4013200"/>
+          </a:xfrm>
+          <a:prstGeom prst="rect">
+            <a:avLst/>
+          </a:prstGeom>
+          <a:noFill/>
+          <a:ln w="9525">
+            <a:noFill/>
+            <a:headEnd/>
+            <a:tailEnd/>
+          </a:ln>
+        </p:spPr>
+      </p:pic>
+      <p:sp>
+        <p:nvSpPr>
+          <p:cNvPr id="4" name="TextBox 3"/>
+          <p:cNvSpPr txBox="1"/>
+          <p:nvPr/>
+        </p:nvSpPr>
+        <p:spPr>
+          <a:xfrm>
+            <a:off x="457200" y="5613400"/>
+            <a:ext cx="8229600" cy="508000"/>
+          </a:xfrm>
+          <a:prstGeom prst="rect">
+            <a:avLst/>
+          </a:prstGeom>
+          <a:noFill/>
+        </p:spPr>
+        <p:txBody>
+          <a:bodyPr/>
+          <a:lstStyle/>
+          <a:p>
+            <a:pPr marL="0" lvl="0" indent="0" algn="ctr">
+              <a:buNone/>
+            </a:pPr>
+            <a:r>
+              <a:t>Figure 7. ANOVA table</a:t>
+            </a:r>
+          </a:p>
+        </p:txBody>
+      </p:sp>
+    </p:spTree>
+  </p:cSld>
+  <p:clrMapOvr>
+    <a:masterClrMapping/>
+  </p:clrMapOvr>
+</p:sld>
+</file>
+
+<file path=ppt/slides/slide11.xml><?xml version="1.0" encoding="utf-8"?>
+<p:sld xmlns:a="http://schemas.openxmlformats.org/drawingml/2006/main" xmlns:r="http://schemas.openxmlformats.org/officeDocument/2006/relationships" xmlns:p="http://schemas.openxmlformats.org/presentationml/2006/main">
+  <p:cSld>
+    <p:spTree>
+      <p:nvGrpSpPr>
+        <p:cNvPr id="1" name=""/>
+        <p:cNvGrpSpPr/>
+        <p:nvPr/>
+      </p:nvGrpSpPr>
+      <p:grpSpPr>
+        <a:xfrm>
+          <a:off x="0" y="0"/>
+          <a:ext cx="0" cy="0"/>
+          <a:chOff x="0" y="0"/>
+          <a:chExt cx="0" cy="0"/>
+        </a:xfrm>
+      </p:grpSpPr>
+      <p:sp>
+        <p:nvSpPr>
+          <p:cNvPr id="2" name="Title 1"/>
+          <p:cNvSpPr>
+            <a:spLocks noGrp="1"/>
+          </p:cNvSpPr>
+          <p:nvPr>
+            <p:ph type="title"/>
+          </p:nvPr>
+        </p:nvSpPr>
+        <p:spPr/>
+        <p:txBody>
+          <a:bodyPr/>
+          <a:lstStyle/>
+          <a:p>
+            <a:pPr marL="0" lvl="0" indent="0">
+              <a:buNone/>
+            </a:pPr>
+            <a:r>
+              <a:t>Strength study, post hoc comparisons</a:t>
+            </a:r>
+          </a:p>
+        </p:txBody>
+      </p:sp>
+      <p:pic>
+        <p:nvPicPr>
+          <p:cNvPr id="3" name="Picture 1" descr="images/tukey-graph.png"/>
+          <p:cNvPicPr>
+            <a:picLocks noGrp="1" noChangeAspect="1"/>
+          </p:cNvPicPr>
+          <p:nvPr/>
+        </p:nvPicPr>
+        <p:blipFill>
+          <a:blip r:embed="rId3"/>
+          <a:stretch>
+            <a:fillRect/>
+          </a:stretch>
+        </p:blipFill>
+        <p:spPr bwMode="auto">
+          <a:xfrm>
+            <a:off x="1562100" y="1600200"/>
+            <a:ext cx="6007100" cy="4013200"/>
+          </a:xfrm>
+          <a:prstGeom prst="rect">
+            <a:avLst/>
+          </a:prstGeom>
+          <a:noFill/>
+          <a:ln w="9525">
+            <a:noFill/>
+            <a:headEnd/>
+            <a:tailEnd/>
+          </a:ln>
+        </p:spPr>
+      </p:pic>
+      <p:sp>
+        <p:nvSpPr>
+          <p:cNvPr id="4" name="TextBox 3"/>
+          <p:cNvSpPr txBox="1"/>
+          <p:nvPr/>
+        </p:nvSpPr>
+        <p:spPr>
+          <a:xfrm>
+            <a:off x="457200" y="5613400"/>
+            <a:ext cx="8229600" cy="508000"/>
+          </a:xfrm>
+          <a:prstGeom prst="rect">
+            <a:avLst/>
+          </a:prstGeom>
+          <a:noFill/>
+        </p:spPr>
+        <p:txBody>
+          <a:bodyPr/>
+          <a:lstStyle/>
+          <a:p>
+            <a:pPr marL="0" lvl="0" indent="0" algn="ctr">
+              <a:buNone/>
+            </a:pPr>
+            <a:r>
+              <a:t>Figure 8. Graphical display of pairwise comparisons</a:t>
+            </a:r>
+          </a:p>
+        </p:txBody>
+      </p:sp>
+    </p:spTree>
+  </p:cSld>
+  <p:clrMapOvr>
+    <a:masterClrMapping/>
+  </p:clrMapOvr>
+</p:sld>
+</file>
+
+<file path=ppt/slides/slide12.xml><?xml version="1.0" encoding="utf-8"?>
+<p:sld xmlns:a="http://schemas.openxmlformats.org/drawingml/2006/main" xmlns:r="http://schemas.openxmlformats.org/officeDocument/2006/relationships" xmlns:p="http://schemas.openxmlformats.org/presentationml/2006/main">
+  <p:cSld>
+    <p:spTree>
+      <p:nvGrpSpPr>
+        <p:cNvPr id="1" name=""/>
+        <p:cNvGrpSpPr/>
+        <p:nvPr/>
+      </p:nvGrpSpPr>
+      <p:grpSpPr>
+        <a:xfrm>
+          <a:off x="0" y="0"/>
+          <a:ext cx="0" cy="0"/>
+          <a:chOff x="0" y="0"/>
+          <a:chExt cx="0" cy="0"/>
+        </a:xfrm>
+      </p:grpSpPr>
+      <p:sp>
+        <p:nvSpPr>
+          <p:cNvPr id="2" name="Title 1"/>
+          <p:cNvSpPr>
+            <a:spLocks noGrp="1"/>
+          </p:cNvSpPr>
+          <p:nvPr>
+            <p:ph type="title"/>
+          </p:nvPr>
+        </p:nvSpPr>
+        <p:spPr/>
+        <p:txBody>
+          <a:bodyPr/>
+          <a:lstStyle/>
+          <a:p>
+            <a:pPr marL="0" lvl="0" indent="0">
+              <a:buNone/>
+            </a:pPr>
+            <a:r>
+              <a:t>Illustrating contrl charts with piston ring measurements</a:t>
+            </a:r>
+          </a:p>
+        </p:txBody>
+      </p:sp>
+      <p:pic>
+        <p:nvPicPr>
+          <p:cNvPr id="3" name="Picture 1" descr="images/piston-rings.jpg"/>
+          <p:cNvPicPr>
+            <a:picLocks noGrp="1" noChangeAspect="1"/>
+          </p:cNvPicPr>
+          <p:nvPr/>
+        </p:nvPicPr>
+        <p:blipFill>
+          <a:blip r:embed="rId3"/>
+          <a:stretch>
+            <a:fillRect/>
+          </a:stretch>
+        </p:blipFill>
+        <p:spPr bwMode="auto">
+          <a:xfrm>
+            <a:off x="1562100" y="1600200"/>
+            <a:ext cx="6019800" cy="4013200"/>
+          </a:xfrm>
+          <a:prstGeom prst="rect">
+            <a:avLst/>
+          </a:prstGeom>
+          <a:noFill/>
+          <a:ln w="9525">
+            <a:noFill/>
+            <a:headEnd/>
+            <a:tailEnd/>
+          </a:ln>
+        </p:spPr>
+      </p:pic>
+      <p:sp>
+        <p:nvSpPr>
+          <p:cNvPr id="4" name="TextBox 3"/>
+          <p:cNvSpPr txBox="1"/>
+          <p:nvPr/>
+        </p:nvSpPr>
+        <p:spPr>
+          <a:xfrm>
+            <a:off x="457200" y="5613400"/>
+            <a:ext cx="8229600" cy="508000"/>
+          </a:xfrm>
+          <a:prstGeom prst="rect">
+            <a:avLst/>
+          </a:prstGeom>
+          <a:noFill/>
+        </p:spPr>
+        <p:txBody>
+          <a:bodyPr/>
+          <a:lstStyle/>
+          <a:p>
+            <a:pPr marL="0" lvl="0" indent="0" algn="ctr">
+              <a:buNone/>
+            </a:pPr>
+            <a:r>
+              <a:t>Figure 9. Image of piston, cylinder, and piston rings for an automobile engine</a:t>
+            </a:r>
+          </a:p>
+        </p:txBody>
+      </p:sp>
+    </p:spTree>
+  </p:cSld>
+  <p:clrMapOvr>
+    <a:masterClrMapping/>
+  </p:clrMapOvr>
+</p:sld>
+</file>
+
+<file path=ppt/slides/slide13.xml><?xml version="1.0" encoding="utf-8"?>
+<p:sld xmlns:a="http://schemas.openxmlformats.org/drawingml/2006/main" xmlns:r="http://schemas.openxmlformats.org/officeDocument/2006/relationships" xmlns:p="http://schemas.openxmlformats.org/presentationml/2006/main">
+  <p:cSld>
+    <p:spTree>
+      <p:nvGrpSpPr>
+        <p:cNvPr id="1" name=""/>
+        <p:cNvGrpSpPr/>
+        <p:nvPr/>
+      </p:nvGrpSpPr>
+      <p:grpSpPr>
+        <a:xfrm>
+          <a:off x="0" y="0"/>
+          <a:ext cx="0" cy="0"/>
+          <a:chOff x="0" y="0"/>
+          <a:chExt cx="0" cy="0"/>
+        </a:xfrm>
+      </p:grpSpPr>
+      <p:sp>
+        <p:nvSpPr>
+          <p:cNvPr id="2" name="Title 1"/>
+          <p:cNvSpPr>
+            <a:spLocks noGrp="1"/>
+          </p:cNvSpPr>
+          <p:nvPr>
+            <p:ph type="title"/>
+          </p:nvPr>
+        </p:nvSpPr>
+        <p:spPr/>
+        <p:txBody>
+          <a:bodyPr/>
+          <a:lstStyle/>
+          <a:p>
+            <a:pPr marL="0" lvl="0" indent="0">
+              <a:buNone/>
+            </a:pPr>
+            <a:r>
+              <a:t>Piston ring, descriptive statistics (1/2)</a:t>
+            </a:r>
+          </a:p>
+        </p:txBody>
+      </p:sp>
+      <p:sp>
+        <p:nvSpPr>
+          <p:cNvPr id="3" name="Content Placeholder 2"/>
+          <p:cNvSpPr>
+            <a:spLocks noGrp="1"/>
+          </p:cNvSpPr>
+          <p:nvPr>
+            <p:ph idx="1"/>
+          </p:nvPr>
+        </p:nvSpPr>
+        <p:spPr/>
+        <p:txBody>
+          <a:bodyPr/>
+          <a:lstStyle/>
+          <a:p>
+            <a:pPr lvl="0" indent="0">
+              <a:buNone/>
+            </a:pPr>
+            <a:r>
+              <a:rPr>
+                <a:latin typeface="Courier"/>
+              </a:rPr>
+              <a:t>  Mean_diameter Stdev_diameter
+1        74.010          0.015
+2        74.001          0.008
+3        74.008          0.015
+4        74.003          0.009
+5        74.003          0.012
+6        73.996          0.009</a:t>
+            </a:r>
+          </a:p>
+        </p:txBody>
+      </p:sp>
+    </p:spTree>
+  </p:cSld>
+  <p:clrMapOvr>
+    <a:masterClrMapping/>
+  </p:clrMapOvr>
+</p:sld>
+</file>
+
+<file path=ppt/slides/slide14.xml><?xml version="1.0" encoding="utf-8"?>
+<p:sld xmlns:a="http://schemas.openxmlformats.org/drawingml/2006/main" xmlns:r="http://schemas.openxmlformats.org/officeDocument/2006/relationships" xmlns:p="http://schemas.openxmlformats.org/presentationml/2006/main">
+  <p:cSld>
+    <p:spTree>
+      <p:nvGrpSpPr>
+        <p:cNvPr id="1" name=""/>
+        <p:cNvGrpSpPr/>
+        <p:nvPr/>
+      </p:nvGrpSpPr>
+      <p:grpSpPr>
+        <a:xfrm>
+          <a:off x="0" y="0"/>
+          <a:ext cx="0" cy="0"/>
+          <a:chOff x="0" y="0"/>
+          <a:chExt cx="0" cy="0"/>
+        </a:xfrm>
+      </p:grpSpPr>
+      <p:sp>
+        <p:nvSpPr>
+          <p:cNvPr id="2" name="Title 1"/>
+          <p:cNvSpPr>
+            <a:spLocks noGrp="1"/>
+          </p:cNvSpPr>
+          <p:nvPr>
+            <p:ph type="title"/>
+          </p:nvPr>
+        </p:nvSpPr>
+        <p:spPr/>
+        <p:txBody>
+          <a:bodyPr/>
+          <a:lstStyle/>
+          <a:p>
+            <a:pPr marL="0" lvl="0" indent="0">
+              <a:buNone/>
+            </a:pPr>
+            <a:r>
+              <a:t>Piston ring, descriptive statistics (2/2)</a:t>
+            </a:r>
+          </a:p>
+        </p:txBody>
+      </p:sp>
+      <p:sp>
+        <p:nvSpPr>
+          <p:cNvPr id="3" name="Content Placeholder 2"/>
+          <p:cNvSpPr>
+            <a:spLocks noGrp="1"/>
+          </p:cNvSpPr>
+          <p:nvPr>
+            <p:ph idx="1"/>
+          </p:nvPr>
+        </p:nvSpPr>
+        <p:spPr/>
+        <p:txBody>
+          <a:bodyPr/>
+          <a:lstStyle/>
+          <a:p>
+            <a:pPr lvl="0" indent="0">
+              <a:buNone/>
+            </a:pPr>
+            <a:r>
+              <a:rPr>
+                <a:latin typeface="Courier"/>
+              </a:rPr>
+              <a:t>   Mean_diameter Stdev_diameter
+35        74.013          0.012
+36        74.004          0.013
+37        74.017          0.007
+38        74.020          0.011
+39        74.023          0.009
+40        74.013          0.012</a:t>
+            </a:r>
+          </a:p>
+        </p:txBody>
+      </p:sp>
+    </p:spTree>
+  </p:cSld>
+  <p:clrMapOvr>
+    <a:masterClrMapping/>
+  </p:clrMapOvr>
+</p:sld>
+</file>
+
+<file path=ppt/slides/slide15.xml><?xml version="1.0" encoding="utf-8"?>
+<p:sld xmlns:a="http://schemas.openxmlformats.org/drawingml/2006/main" xmlns:r="http://schemas.openxmlformats.org/officeDocument/2006/relationships" xmlns:p="http://schemas.openxmlformats.org/presentationml/2006/main">
+  <p:cSld>
+    <p:spTree>
+      <p:nvGrpSpPr>
+        <p:cNvPr id="1" name=""/>
+        <p:cNvGrpSpPr/>
+        <p:nvPr/>
+      </p:nvGrpSpPr>
+      <p:grpSpPr>
+        <a:xfrm>
+          <a:off x="0" y="0"/>
+          <a:ext cx="0" cy="0"/>
+          <a:chOff x="0" y="0"/>
+          <a:chExt cx="0" cy="0"/>
+        </a:xfrm>
+      </p:grpSpPr>
+      <p:sp>
+        <p:nvSpPr>
+          <p:cNvPr id="2" name="Title 1"/>
+          <p:cNvSpPr>
+            <a:spLocks noGrp="1"/>
+          </p:cNvSpPr>
+          <p:nvPr>
+            <p:ph type="title"/>
+          </p:nvPr>
+        </p:nvSpPr>
+        <p:spPr/>
+        <p:txBody>
+          <a:bodyPr/>
+          <a:lstStyle/>
+          <a:p>
+            <a:pPr marL="0" lvl="0" indent="0">
+              <a:buNone/>
+            </a:pPr>
+            <a:r>
+              <a:t>Control chart rules (1/2)</a:t>
+            </a:r>
+          </a:p>
+        </p:txBody>
+      </p:sp>
+      <p:sp>
+        <p:nvSpPr>
+          <p:cNvPr id="3" name="Content Placeholder 2"/>
+          <p:cNvSpPr>
+            <a:spLocks noGrp="1"/>
+          </p:cNvSpPr>
+          <p:nvPr>
+            <p:ph idx="1"/>
+          </p:nvPr>
+        </p:nvSpPr>
+        <p:spPr/>
+        <p:txBody>
+          <a:bodyPr/>
+          <a:lstStyle/>
+          <a:p>
+            <a:pPr lvl="1"/>
+            <a:r>
+              <a:t>Plot the data in time sequence</a:t>
+            </a:r>
+          </a:p>
+          <a:p>
+            <a:pPr lvl="1"/>
+            <a:r>
+              <a:t>Add control limits at 3 SIGMA</a:t>
+            </a:r>
+          </a:p>
+          <a:p>
+            <a:pPr lvl="1"/>
+            <a:r>
+              <a:t>Out of control if:</a:t>
+            </a:r>
+          </a:p>
+          <a:p>
+            <a:pPr lvl="2"/>
+            <a:r>
+              <a:t>One point outside of 3 SIGMA limits</a:t>
+            </a:r>
+          </a:p>
+          <a:p>
+            <a:pPr lvl="2"/>
+            <a:r>
+              <a:t>Two out out three points outside of 2 SIGMA limits</a:t>
+            </a:r>
+          </a:p>
+          <a:p>
+            <a:pPr lvl="2"/>
+            <a:r>
+              <a:t>Four out out five points outside of 1 SIGMA limits</a:t>
+            </a:r>
+          </a:p>
+          <a:p>
+            <a:pPr lvl="2"/>
+            <a:r>
+              <a:t>Eight points on same side of center line</a:t>
+            </a:r>
+          </a:p>
+        </p:txBody>
+      </p:sp>
+    </p:spTree>
+  </p:cSld>
+  <p:clrMapOvr>
+    <a:masterClrMapping/>
+  </p:clrMapOvr>
+</p:sld>
+</file>
+
+<file path=ppt/slides/slide16.xml><?xml version="1.0" encoding="utf-8"?>
+<p:sld xmlns:a="http://schemas.openxmlformats.org/drawingml/2006/main" xmlns:r="http://schemas.openxmlformats.org/officeDocument/2006/relationships" xmlns:p="http://schemas.openxmlformats.org/presentationml/2006/main">
+  <p:cSld>
+    <p:spTree>
+      <p:nvGrpSpPr>
+        <p:cNvPr id="1" name=""/>
+        <p:cNvGrpSpPr/>
+        <p:nvPr/>
+      </p:nvGrpSpPr>
+      <p:grpSpPr>
+        <a:xfrm>
+          <a:off x="0" y="0"/>
+          <a:ext cx="0" cy="0"/>
+          <a:chOff x="0" y="0"/>
+          <a:chExt cx="0" cy="0"/>
+        </a:xfrm>
+      </p:grpSpPr>
+      <p:sp>
+        <p:nvSpPr>
+          <p:cNvPr id="2" name="Title 1"/>
+          <p:cNvSpPr>
+            <a:spLocks noGrp="1"/>
+          </p:cNvSpPr>
+          <p:nvPr>
+            <p:ph type="title"/>
+          </p:nvPr>
+        </p:nvSpPr>
+        <p:spPr/>
+        <p:txBody>
+          <a:bodyPr/>
+          <a:lstStyle/>
+          <a:p>
+            <a:pPr marL="0" lvl="0" indent="0">
+              <a:buNone/>
+            </a:pPr>
+            <a:r>
+              <a:t>Control chart rules (2/2)</a:t>
+            </a:r>
+          </a:p>
+        </p:txBody>
+      </p:sp>
+      <p:pic>
+        <p:nvPicPr>
+          <p:cNvPr id="3" name="Picture 1" descr="images/western-electric.png"/>
+          <p:cNvPicPr>
+            <a:picLocks noGrp="1" noChangeAspect="1"/>
+          </p:cNvPicPr>
+          <p:nvPr/>
+        </p:nvPicPr>
+        <p:blipFill>
+          <a:blip r:embed="rId3"/>
+          <a:stretch>
+            <a:fillRect/>
+          </a:stretch>
+        </p:blipFill>
+        <p:spPr bwMode="auto">
+          <a:xfrm>
+            <a:off x="2082800" y="1600200"/>
+            <a:ext cx="4965700" cy="4013200"/>
+          </a:xfrm>
+          <a:prstGeom prst="rect">
+            <a:avLst/>
+          </a:prstGeom>
+          <a:noFill/>
+          <a:ln w="9525">
+            <a:noFill/>
+            <a:headEnd/>
+            <a:tailEnd/>
+          </a:ln>
+        </p:spPr>
+      </p:pic>
+      <p:sp>
+        <p:nvSpPr>
+          <p:cNvPr id="4" name="TextBox 3"/>
+          <p:cNvSpPr txBox="1"/>
+          <p:nvPr/>
+        </p:nvSpPr>
+        <p:spPr>
+          <a:xfrm>
+            <a:off x="457200" y="5613400"/>
+            <a:ext cx="8229600" cy="508000"/>
+          </a:xfrm>
+          <a:prstGeom prst="rect">
+            <a:avLst/>
+          </a:prstGeom>
+          <a:noFill/>
+        </p:spPr>
+        <p:txBody>
+          <a:bodyPr/>
+          <a:lstStyle/>
+          <a:p>
+            <a:pPr marL="0" lvl="0" indent="0" algn="ctr">
+              <a:buNone/>
+            </a:pPr>
+            <a:r>
+              <a:t>Figure 10. Illustration of control chart rules</a:t>
+            </a:r>
+          </a:p>
+        </p:txBody>
+      </p:sp>
+    </p:spTree>
+  </p:cSld>
+  <p:clrMapOvr>
+    <a:masterClrMapping/>
+  </p:clrMapOvr>
+</p:sld>
+</file>
+
+<file path=ppt/slides/slide17.xml><?xml version="1.0" encoding="utf-8"?>
+<p:sld xmlns:a="http://schemas.openxmlformats.org/drawingml/2006/main" xmlns:r="http://schemas.openxmlformats.org/officeDocument/2006/relationships" xmlns:p="http://schemas.openxmlformats.org/presentationml/2006/main">
+  <p:cSld>
+    <p:spTree>
+      <p:nvGrpSpPr>
+        <p:cNvPr id="1" name=""/>
+        <p:cNvGrpSpPr/>
+        <p:nvPr/>
+      </p:nvGrpSpPr>
+      <p:grpSpPr>
+        <a:xfrm>
+          <a:off x="0" y="0"/>
+          <a:ext cx="0" cy="0"/>
+          <a:chOff x="0" y="0"/>
+          <a:chExt cx="0" cy="0"/>
+        </a:xfrm>
+      </p:grpSpPr>
+      <p:sp>
+        <p:nvSpPr>
+          <p:cNvPr id="2" name="Title 1"/>
+          <p:cNvSpPr>
+            <a:spLocks noGrp="1"/>
+          </p:cNvSpPr>
+          <p:nvPr>
+            <p:ph type="title"/>
+          </p:nvPr>
+        </p:nvSpPr>
+        <p:spPr/>
+        <p:txBody>
+          <a:bodyPr/>
+          <a:lstStyle/>
+          <a:p>
+            <a:pPr marL="0" lvl="0" indent="0">
+              <a:buNone/>
+            </a:pPr>
+            <a:r>
+              <a:t>Piston ring, control chart</a:t>
+            </a:r>
+          </a:p>
+        </p:txBody>
+      </p:sp>
+      <p:pic>
+        <p:nvPicPr>
+          <p:cNvPr id="3" name="Picture 1" descr="anom-talk_files/figure-pptx/qc-example-1.png"/>
+          <p:cNvPicPr>
+            <a:picLocks noGrp="1" noChangeAspect="1"/>
+          </p:cNvPicPr>
+          <p:nvPr/>
+        </p:nvPicPr>
+        <p:blipFill>
+          <a:blip r:embed="rId2"/>
+          <a:stretch>
+            <a:fillRect/>
+          </a:stretch>
+        </p:blipFill>
+        <p:spPr bwMode="auto">
+          <a:xfrm>
+            <a:off x="609600" y="1600200"/>
+            <a:ext cx="7912100" cy="4521200"/>
+          </a:xfrm>
+          <a:prstGeom prst="rect">
+            <a:avLst/>
+          </a:prstGeom>
+          <a:noFill/>
+          <a:ln w="9525">
+            <a:noFill/>
+            <a:headEnd/>
+            <a:tailEnd/>
+          </a:ln>
+        </p:spPr>
+      </p:pic>
+    </p:spTree>
+  </p:cSld>
+  <p:clrMapOvr>
+    <a:masterClrMapping/>
+  </p:clrMapOvr>
+</p:sld>
+</file>
+
+<file path=ppt/slides/slide18.xml><?xml version="1.0" encoding="utf-8"?>
 <p:sld xmlns:a="http://schemas.openxmlformats.org/drawingml/2006/main" xmlns:r="http://schemas.openxmlformats.org/officeDocument/2006/relationships" xmlns:p="http://schemas.openxmlformats.org/presentationml/2006/main">
   <p:cSld>
     <p:spTree>
@@ -5541,8 +7538,8 @@
         </p:blipFill>
         <p:spPr bwMode="auto">
           <a:xfrm>
-            <a:off x="1181100" y="1600200"/>
-            <a:ext cx="6781800" cy="4521200"/>
+            <a:off x="1562100" y="1600200"/>
+            <a:ext cx="6019800" cy="4013200"/>
           </a:xfrm>
           <a:prstGeom prst="rect">
             <a:avLst/>
@@ -5555,6 +7552,35 @@
           </a:ln>
         </p:spPr>
       </p:pic>
+      <p:sp>
+        <p:nvSpPr>
+          <p:cNvPr id="3" name="TextBox 3"/>
+          <p:cNvSpPr txBox="1"/>
+          <p:nvPr/>
+        </p:nvSpPr>
+        <p:spPr>
+          <a:xfrm>
+            <a:off x="457200" y="5613400"/>
+            <a:ext cx="8229600" cy="508000"/>
+          </a:xfrm>
+          <a:prstGeom prst="rect">
+            <a:avLst/>
+          </a:prstGeom>
+          <a:noFill/>
+        </p:spPr>
+        <p:txBody>
+          <a:bodyPr/>
+          <a:lstStyle/>
+          <a:p>
+            <a:pPr marL="0" lvl="0" indent="0" algn="ctr">
+              <a:buNone/>
+            </a:pPr>
+            <a:r>
+              <a:t>Figure 11. Graph of control chart</a:t>
+            </a:r>
+          </a:p>
+        </p:txBody>
+      </p:sp>
     </p:spTree>
   </p:cSld>
   <p:clrMapOvr>
@@ -5563,7 +7589,7 @@
 </p:sld>
 </file>
 
-<file path=ppt/slides/slide11.xml><?xml version="1.0" encoding="utf-8"?>
+<file path=ppt/slides/slide19.xml><?xml version="1.0" encoding="utf-8"?>
 <p:sld xmlns:a="http://schemas.openxmlformats.org/drawingml/2006/main" xmlns:r="http://schemas.openxmlformats.org/officeDocument/2006/relationships" xmlns:p="http://schemas.openxmlformats.org/presentationml/2006/main">
   <p:cSld>
     <p:spTree>
@@ -5599,47 +7625,66 @@
               <a:buNone/>
             </a:pPr>
             <a:r>
-              <a:t>Review: control charts (2/2)</a:t>
-            </a:r>
-          </a:p>
-        </p:txBody>
-      </p:sp>
-      <p:sp>
-        <p:nvSpPr>
-          <p:cNvPr id="3" name="Content Placeholder 2"/>
-          <p:cNvSpPr>
-            <a:spLocks noGrp="1"/>
-          </p:cNvSpPr>
-          <p:nvPr>
-            <p:ph idx="1"/>
-          </p:nvPr>
-        </p:nvSpPr>
-        <p:spPr/>
-        <p:txBody>
-          <a:bodyPr/>
-          <a:lstStyle/>
-          <a:p>
-            <a:pPr lvl="1"/>
-            <a:r>
-              <a:t>Out of control if:</a:t>
-            </a:r>
-          </a:p>
-          <a:p>
-            <a:pPr lvl="2"/>
-            <a:r>
-              <a:t>One point outside of control limits</a:t>
-            </a:r>
-          </a:p>
-          <a:p>
-            <a:pPr lvl="2"/>
-            <a:r>
-              <a:t>Eight consecutive points on same side of center line</a:t>
-            </a:r>
-          </a:p>
-          <a:p>
-            <a:pPr lvl="2"/>
-            <a:r>
-              <a:t>Other rules(?)</a:t>
+              <a:t>A mining illustration</a:t>
+            </a:r>
+          </a:p>
+        </p:txBody>
+      </p:sp>
+      <p:pic>
+        <p:nvPicPr>
+          <p:cNvPr id="3" name="Picture 1" descr="images/dwarf-mine.png"/>
+          <p:cNvPicPr>
+            <a:picLocks noGrp="1" noChangeAspect="1"/>
+          </p:cNvPicPr>
+          <p:nvPr/>
+        </p:nvPicPr>
+        <p:blipFill>
+          <a:blip r:embed="rId3"/>
+          <a:stretch>
+            <a:fillRect/>
+          </a:stretch>
+        </p:blipFill>
+        <p:spPr bwMode="auto">
+          <a:xfrm>
+            <a:off x="2057400" y="1600200"/>
+            <a:ext cx="5029200" cy="4013200"/>
+          </a:xfrm>
+          <a:prstGeom prst="rect">
+            <a:avLst/>
+          </a:prstGeom>
+          <a:noFill/>
+          <a:ln w="9525">
+            <a:noFill/>
+            <a:headEnd/>
+            <a:tailEnd/>
+          </a:ln>
+        </p:spPr>
+      </p:pic>
+      <p:sp>
+        <p:nvSpPr>
+          <p:cNvPr id="4" name="TextBox 3"/>
+          <p:cNvSpPr txBox="1"/>
+          <p:nvPr/>
+        </p:nvSpPr>
+        <p:spPr>
+          <a:xfrm>
+            <a:off x="457200" y="5613400"/>
+            <a:ext cx="8229600" cy="508000"/>
+          </a:xfrm>
+          <a:prstGeom prst="rect">
+            <a:avLst/>
+          </a:prstGeom>
+          <a:noFill/>
+        </p:spPr>
+        <p:txBody>
+          <a:bodyPr/>
+          <a:lstStyle/>
+          <a:p>
+            <a:pPr marL="0" lvl="0" indent="0" algn="ctr">
+              <a:buNone/>
+            </a:pPr>
+            <a:r>
+              <a:t>Figure 12. Seven dwarves from Snow White</a:t>
             </a:r>
           </a:p>
         </p:txBody>
@@ -5652,7 +7697,7 @@
 </p:sld>
 </file>
 
-<file path=ppt/slides/slide12.xml><?xml version="1.0" encoding="utf-8"?>
+<file path=ppt/slides/slide2.xml><?xml version="1.0" encoding="utf-8"?>
 <p:sld xmlns:a="http://schemas.openxmlformats.org/drawingml/2006/main" xmlns:r="http://schemas.openxmlformats.org/officeDocument/2006/relationships" xmlns:p="http://schemas.openxmlformats.org/presentationml/2006/main">
   <p:cSld>
     <p:spTree>
@@ -5688,6 +7733,125 @@
               <a:buNone/>
             </a:pPr>
             <a:r>
+              <a:t>Introduction</a:t>
+            </a:r>
+          </a:p>
+        </p:txBody>
+      </p:sp>
+      <p:sp>
+        <p:nvSpPr>
+          <p:cNvPr id="3" name="Content Placeholder 2"/>
+          <p:cNvSpPr>
+            <a:spLocks noGrp="1"/>
+          </p:cNvSpPr>
+          <p:nvPr>
+            <p:ph idx="1"/>
+          </p:nvPr>
+        </p:nvSpPr>
+        <p:spPr/>
+        <p:txBody>
+          <a:bodyPr/>
+          <a:lstStyle/>
+          <a:p>
+            <a:pPr lvl="1"/>
+            <a:r>
+              <a:t>Analysis of Means (ANOM)</a:t>
+            </a:r>
+          </a:p>
+          <a:p>
+            <a:pPr lvl="2"/>
+            <a:r>
+              <a:t>Applications</a:t>
+            </a:r>
+          </a:p>
+          <a:p>
+            <a:pPr lvl="3"/>
+            <a:r>
+              <a:t>Quality control</a:t>
+            </a:r>
+          </a:p>
+          <a:p>
+            <a:pPr lvl="3"/>
+            <a:r>
+              <a:t>Institutional comparisons</a:t>
+            </a:r>
+          </a:p>
+          <a:p>
+            <a:pPr lvl="1"/>
+            <a:r>
+              <a:t>Similar but different from ANOVA</a:t>
+            </a:r>
+          </a:p>
+          <a:p>
+            <a:pPr lvl="1"/>
+            <a:r>
+              <a:t>Similar but different from control charts</a:t>
+            </a:r>
+          </a:p>
+          <a:p>
+            <a:pPr lvl="1"/>
+            <a:r>
+              <a:t>ANOM advantages</a:t>
+            </a:r>
+          </a:p>
+          <a:p>
+            <a:pPr lvl="2"/>
+            <a:r>
+              <a:t>Easy to calculate</a:t>
+            </a:r>
+          </a:p>
+          <a:p>
+            <a:pPr lvl="2"/>
+            <a:r>
+              <a:t>Simple, interpretable conclusions</a:t>
+            </a:r>
+          </a:p>
+        </p:txBody>
+      </p:sp>
+    </p:spTree>
+  </p:cSld>
+  <p:clrMapOvr>
+    <a:masterClrMapping/>
+  </p:clrMapOvr>
+</p:sld>
+</file>
+
+<file path=ppt/slides/slide20.xml><?xml version="1.0" encoding="utf-8"?>
+<p:sld xmlns:a="http://schemas.openxmlformats.org/drawingml/2006/main" xmlns:r="http://schemas.openxmlformats.org/officeDocument/2006/relationships" xmlns:p="http://schemas.openxmlformats.org/presentationml/2006/main">
+  <p:cSld>
+    <p:spTree>
+      <p:nvGrpSpPr>
+        <p:cNvPr id="1" name=""/>
+        <p:cNvGrpSpPr/>
+        <p:nvPr/>
+      </p:nvGrpSpPr>
+      <p:grpSpPr>
+        <a:xfrm>
+          <a:off x="0" y="0"/>
+          <a:ext cx="0" cy="0"/>
+          <a:chOff x="0" y="0"/>
+          <a:chExt cx="0" cy="0"/>
+        </a:xfrm>
+      </p:grpSpPr>
+      <p:sp>
+        <p:nvSpPr>
+          <p:cNvPr id="2" name="Title 1"/>
+          <p:cNvSpPr>
+            <a:spLocks noGrp="1"/>
+          </p:cNvSpPr>
+          <p:nvPr>
+            <p:ph type="title"/>
+          </p:nvPr>
+        </p:nvSpPr>
+        <p:spPr/>
+        <p:txBody>
+          <a:bodyPr/>
+          <a:lstStyle/>
+          <a:p>
+            <a:pPr marL="0" lvl="0" indent="0">
+              <a:buNone/>
+            </a:pPr>
+            <a:r>
               <a:t>A common mistake for control charts</a:t>
             </a:r>
           </a:p>
@@ -5709,8 +7873,8 @@
         </p:blipFill>
         <p:spPr bwMode="auto">
           <a:xfrm>
-            <a:off x="609600" y="1600200"/>
-            <a:ext cx="7912100" cy="4521200"/>
+            <a:off x="1066800" y="1600200"/>
+            <a:ext cx="7023100" cy="4013200"/>
           </a:xfrm>
           <a:prstGeom prst="rect">
             <a:avLst/>
@@ -5723,6 +7887,35 @@
           </a:ln>
         </p:spPr>
       </p:pic>
+      <p:sp>
+        <p:nvSpPr>
+          <p:cNvPr id="4" name="TextBox 3"/>
+          <p:cNvSpPr txBox="1"/>
+          <p:nvPr/>
+        </p:nvSpPr>
+        <p:spPr>
+          <a:xfrm>
+            <a:off x="457200" y="5613400"/>
+            <a:ext cx="8229600" cy="508000"/>
+          </a:xfrm>
+          <a:prstGeom prst="rect">
+            <a:avLst/>
+          </a:prstGeom>
+          <a:noFill/>
+        </p:spPr>
+        <p:txBody>
+          <a:bodyPr/>
+          <a:lstStyle/>
+          <a:p>
+            <a:pPr marL="0" lvl="0" indent="0" algn="ctr">
+              <a:buNone/>
+            </a:pPr>
+            <a:r>
+              <a:t>Figure 13. Inappropriate control chart</a:t>
+            </a:r>
+          </a:p>
+        </p:txBody>
+      </p:sp>
     </p:spTree>
   </p:cSld>
   <p:clrMapOvr>
@@ -5731,7 +7924,7 @@
 </p:sld>
 </file>
 
-<file path=ppt/slides/slide13.xml><?xml version="1.0" encoding="utf-8"?>
+<file path=ppt/slides/slide21.xml><?xml version="1.0" encoding="utf-8"?>
 <p:sld xmlns:a="http://schemas.openxmlformats.org/drawingml/2006/main" xmlns:r="http://schemas.openxmlformats.org/officeDocument/2006/relationships" xmlns:p="http://schemas.openxmlformats.org/presentationml/2006/main">
   <p:cSld>
     <p:spTree>
@@ -5820,7 +8013,7 @@
 </p:sld>
 </file>
 
-<file path=ppt/slides/slide14.xml><?xml version="1.0" encoding="utf-8"?>
+<file path=ppt/slides/slide22.xml><?xml version="1.0" encoding="utf-8"?>
 <p:sld xmlns:a="http://schemas.openxmlformats.org/drawingml/2006/main" xmlns:r="http://schemas.openxmlformats.org/officeDocument/2006/relationships" xmlns:p="http://schemas.openxmlformats.org/presentationml/2006/main">
   <p:cSld>
     <p:spTree>
@@ -5921,7 +8114,7 @@
 </p:sld>
 </file>
 
-<file path=ppt/slides/slide15.xml><?xml version="1.0" encoding="utf-8"?>
+<file path=ppt/slides/slide23.xml><?xml version="1.0" encoding="utf-8"?>
 <p:sld xmlns:a="http://schemas.openxmlformats.org/drawingml/2006/main" xmlns:r="http://schemas.openxmlformats.org/officeDocument/2006/relationships" xmlns:p="http://schemas.openxmlformats.org/presentationml/2006/main">
   <p:cSld>
     <p:spTree>
@@ -6517,799 +8710,21 @@
             <a:endParaRPr/>
           </a:p>
           <a:p>
+            <a:pPr lvl="1"/>
+            <a:r>
+              <a:t>The h percentile is like a t percentile</a:t>
+            </a:r>
+          </a:p>
+          <a:p>
             <a:pPr lvl="2"/>
             <a:r>
+              <a:t>Depends on number of groups</a:t>
+            </a:r>
+          </a:p>
+          <a:p>
+            <a:pPr lvl="2"/>
+            <a:r>
               <a:t>No need to apply any post hoc test</a:t>
-            </a:r>
-          </a:p>
-        </p:txBody>
-      </p:sp>
-    </p:spTree>
-  </p:cSld>
-  <p:clrMapOvr>
-    <a:masterClrMapping/>
-  </p:clrMapOvr>
-</p:sld>
-</file>
-
-<file path=ppt/slides/slide16.xml><?xml version="1.0" encoding="utf-8"?>
-<p:sld xmlns:a="http://schemas.openxmlformats.org/drawingml/2006/main" xmlns:r="http://schemas.openxmlformats.org/officeDocument/2006/relationships" xmlns:p="http://schemas.openxmlformats.org/presentationml/2006/main">
-  <p:cSld>
-    <p:spTree>
-      <p:nvGrpSpPr>
-        <p:cNvPr id="1" name=""/>
-        <p:cNvGrpSpPr/>
-        <p:nvPr/>
-      </p:nvGrpSpPr>
-      <p:grpSpPr>
-        <a:xfrm>
-          <a:off x="0" y="0"/>
-          <a:ext cx="0" cy="0"/>
-          <a:chOff x="0" y="0"/>
-          <a:chExt cx="0" cy="0"/>
-        </a:xfrm>
-      </p:grpSpPr>
-      <p:sp>
-        <p:nvSpPr>
-          <p:cNvPr id="2" name="Title 1"/>
-          <p:cNvSpPr>
-            <a:spLocks noGrp="1"/>
-          </p:cNvSpPr>
-          <p:nvPr>
-            <p:ph type="title"/>
-          </p:nvPr>
-        </p:nvSpPr>
-        <p:spPr/>
-        <p:txBody>
-          <a:bodyPr/>
-          <a:lstStyle/>
-          <a:p>
-            <a:pPr marL="0" lvl="0" indent="0">
-              <a:buNone/>
-            </a:pPr>
-            <a:r>
-              <a:t>ANOM table</a:t>
-            </a:r>
-          </a:p>
-        </p:txBody>
-      </p:sp>
-      <p:sp>
-        <p:nvSpPr>
-          <p:cNvPr id="3" name="Content Placeholder 2"/>
-          <p:cNvSpPr>
-            <a:spLocks noGrp="1"/>
-          </p:cNvSpPr>
-          <p:nvPr>
-            <p:ph idx="1"/>
-          </p:nvPr>
-        </p:nvSpPr>
-        <p:spPr/>
-        <p:txBody>
-          <a:bodyPr/>
-          <a:lstStyle/>
-          <a:p>
-            <a:pPr lvl="0" indent="0">
-              <a:buNone/>
-            </a:pPr>
-            <a:r>
-              <a:rPr>
-                <a:latin typeface="Courier"/>
-              </a:rPr>
-              <a:t>     I=2   3    4    5    6  
-df=2 4.30 5.88 6.59 7.10 7.49
-   3 3.18 4.18 4.60 4.92 5.14
-   4 2.78 3.56 3.89 4.12 4.30
-   5 2.57 3.25 3.52 3.72 3.88
-   6 2.45 3.07 3.31 3.49 3.62
-   7 2.36 2.94 3.17 3.33 3.46
-   8 2.31 2.86 3.06 3.22 3.33</a:t>
-            </a:r>
-          </a:p>
-        </p:txBody>
-      </p:sp>
-    </p:spTree>
-  </p:cSld>
-  <p:clrMapOvr>
-    <a:masterClrMapping/>
-  </p:clrMapOvr>
-</p:sld>
-</file>
-
-<file path=ppt/slides/slide17.xml><?xml version="1.0" encoding="utf-8"?>
-<p:sld xmlns:a="http://schemas.openxmlformats.org/drawingml/2006/main" xmlns:r="http://schemas.openxmlformats.org/officeDocument/2006/relationships" xmlns:p="http://schemas.openxmlformats.org/presentationml/2006/main">
-  <p:cSld>
-    <p:spTree>
-      <p:nvGrpSpPr>
-        <p:cNvPr id="1" name=""/>
-        <p:cNvGrpSpPr/>
-        <p:nvPr/>
-      </p:nvGrpSpPr>
-      <p:grpSpPr>
-        <a:xfrm>
-          <a:off x="0" y="0"/>
-          <a:ext cx="0" cy="0"/>
-          <a:chOff x="0" y="0"/>
-          <a:chExt cx="0" cy="0"/>
-        </a:xfrm>
-      </p:grpSpPr>
-      <p:sp>
-        <p:nvSpPr>
-          <p:cNvPr id="2" name="Title 1"/>
-          <p:cNvSpPr>
-            <a:spLocks noGrp="1"/>
-          </p:cNvSpPr>
-          <p:nvPr>
-            <p:ph type="title"/>
-          </p:nvPr>
-        </p:nvSpPr>
-        <p:spPr/>
-        <p:txBody>
-          <a:bodyPr/>
-          <a:lstStyle/>
-          <a:p>
-            <a:pPr marL="0" lvl="0" indent="0">
-              <a:buNone/>
-            </a:pPr>
-            <a:r>
-              <a:t>Stop here if there are questions</a:t>
-            </a:r>
-          </a:p>
-        </p:txBody>
-      </p:sp>
-      <p:sp>
-        <p:nvSpPr>
-          <p:cNvPr id="3" name="Content Placeholder 2"/>
-          <p:cNvSpPr>
-            <a:spLocks noGrp="1"/>
-          </p:cNvSpPr>
-          <p:nvPr>
-            <p:ph idx="1"/>
-          </p:nvPr>
-        </p:nvSpPr>
-        <p:spPr/>
-        <p:txBody>
-          <a:bodyPr/>
-          <a:lstStyle/>
-          <a:p>
-            <a:pPr lvl="1"/>
-            <a:r>
-              <a:t>What you’ve seen</a:t>
-            </a:r>
-          </a:p>
-          <a:p>
-            <a:pPr lvl="2"/>
-            <a:r>
-              <a:t>Framework for Analysis of Means</a:t>
-            </a:r>
-          </a:p>
-          <a:p>
-            <a:pPr lvl="1"/>
-            <a:r>
-              <a:t>What’s coming up</a:t>
-            </a:r>
-          </a:p>
-          <a:p>
-            <a:pPr lvl="2"/>
-            <a:r>
-              <a:t>A simple example</a:t>
-            </a:r>
-          </a:p>
-        </p:txBody>
-      </p:sp>
-    </p:spTree>
-  </p:cSld>
-  <p:clrMapOvr>
-    <a:masterClrMapping/>
-  </p:clrMapOvr>
-</p:sld>
-</file>
-
-<file path=ppt/slides/slide18.xml><?xml version="1.0" encoding="utf-8"?>
-<p:sld xmlns:a="http://schemas.openxmlformats.org/drawingml/2006/main" xmlns:r="http://schemas.openxmlformats.org/officeDocument/2006/relationships" xmlns:p="http://schemas.openxmlformats.org/presentationml/2006/main">
-  <p:cSld>
-    <p:spTree>
-      <p:nvGrpSpPr>
-        <p:cNvPr id="1" name=""/>
-        <p:cNvGrpSpPr/>
-        <p:nvPr/>
-      </p:nvGrpSpPr>
-      <p:grpSpPr>
-        <a:xfrm>
-          <a:off x="0" y="0"/>
-          <a:ext cx="0" cy="0"/>
-          <a:chOff x="0" y="0"/>
-          <a:chExt cx="0" cy="0"/>
-        </a:xfrm>
-      </p:grpSpPr>
-      <p:sp>
-        <p:nvSpPr>
-          <p:cNvPr id="2" name="Title 1"/>
-          <p:cNvSpPr>
-            <a:spLocks noGrp="1"/>
-          </p:cNvSpPr>
-          <p:nvPr>
-            <p:ph type="title"/>
-          </p:nvPr>
-        </p:nvSpPr>
-        <p:spPr/>
-        <p:txBody>
-          <a:bodyPr/>
-          <a:lstStyle/>
-          <a:p>
-            <a:pPr marL="0" lvl="0" indent="0">
-              <a:buNone/>
-            </a:pPr>
-            <a:r>
-              <a:t>An example (1/2)</a:t>
-            </a:r>
-          </a:p>
-        </p:txBody>
-      </p:sp>
-      <p:sp>
-        <p:nvSpPr>
-          <p:cNvPr id="3" name="Content Placeholder 2"/>
-          <p:cNvSpPr>
-            <a:spLocks noGrp="1"/>
-          </p:cNvSpPr>
-          <p:nvPr>
-            <p:ph idx="1"/>
-          </p:nvPr>
-        </p:nvSpPr>
-        <p:spPr/>
-        <p:txBody>
-          <a:bodyPr/>
-          <a:lstStyle/>
-          <a:p>
-            <a:pPr lvl="0" indent="0">
-              <a:buNone/>
-            </a:pPr>
-            <a:r>
-              <a:rPr>
-                <a:latin typeface="Courier"/>
-              </a:rPr>
-              <a:t>## Position 1</a:t>
-            </a:r>
-          </a:p>
-          <a:p>
-            <a:pPr lvl="0" indent="0">
-              <a:buNone/>
-            </a:pPr>
-            <a:r>
-              <a:rPr>
-                <a:latin typeface="Courier"/>
-              </a:rPr>
-              <a:t>## -0.02386 -0.02853
-## -0.03001 -0.00428
-## -0.03623 -0.04222
-## -0.00144 -0.06466
-## 0.00944 -0.00163</a:t>
-            </a:r>
-          </a:p>
-        </p:txBody>
-      </p:sp>
-    </p:spTree>
-  </p:cSld>
-  <p:clrMapOvr>
-    <a:masterClrMapping/>
-  </p:clrMapOvr>
-</p:sld>
-</file>
-
-<file path=ppt/slides/slide19.xml><?xml version="1.0" encoding="utf-8"?>
-<p:sld xmlns:a="http://schemas.openxmlformats.org/drawingml/2006/main" xmlns:r="http://schemas.openxmlformats.org/officeDocument/2006/relationships" xmlns:p="http://schemas.openxmlformats.org/presentationml/2006/main">
-  <p:cSld>
-    <p:spTree>
-      <p:nvGrpSpPr>
-        <p:cNvPr id="1" name=""/>
-        <p:cNvGrpSpPr/>
-        <p:nvPr/>
-      </p:nvGrpSpPr>
-      <p:grpSpPr>
-        <a:xfrm>
-          <a:off x="0" y="0"/>
-          <a:ext cx="0" cy="0"/>
-          <a:chOff x="0" y="0"/>
-          <a:chExt cx="0" cy="0"/>
-        </a:xfrm>
-      </p:grpSpPr>
-      <p:sp>
-        <p:nvSpPr>
-          <p:cNvPr id="2" name="Title 1"/>
-          <p:cNvSpPr>
-            <a:spLocks noGrp="1"/>
-          </p:cNvSpPr>
-          <p:nvPr>
-            <p:ph type="title"/>
-          </p:nvPr>
-        </p:nvSpPr>
-        <p:spPr/>
-        <p:txBody>
-          <a:bodyPr/>
-          <a:lstStyle/>
-          <a:p>
-            <a:pPr marL="0" lvl="0" indent="0">
-              <a:buNone/>
-            </a:pPr>
-            <a:r>
-              <a:t>An example (2/2)</a:t>
-            </a:r>
-          </a:p>
-        </p:txBody>
-      </p:sp>
-      <p:sp>
-        <p:nvSpPr>
-          <p:cNvPr id="3" name="Content Placeholder 2"/>
-          <p:cNvSpPr>
-            <a:spLocks noGrp="1"/>
-          </p:cNvSpPr>
-          <p:nvPr>
-            <p:ph idx="1"/>
-          </p:nvPr>
-        </p:nvSpPr>
-        <p:spPr/>
-        <p:txBody>
-          <a:bodyPr/>
-          <a:lstStyle/>
-          <a:p>
-            <a:pPr lvl="0" indent="0">
-              <a:buNone/>
-            </a:pPr>
-            <a:r>
-              <a:rPr>
-                <a:latin typeface="Courier"/>
-              </a:rPr>
-              <a:t>## Position 2</a:t>
-            </a:r>
-          </a:p>
-          <a:p>
-            <a:pPr lvl="0" indent="0">
-              <a:buNone/>
-            </a:pPr>
-            <a:r>
-              <a:rPr>
-                <a:latin typeface="Courier"/>
-              </a:rPr>
-              <a:t>## -0.02014 -0.02725
-## 0.02268 -0.03323
-## 0.03661 0.04378
-## 0.05562 0.00977
-## 0.05641 0.01816</a:t>
-            </a:r>
-          </a:p>
-        </p:txBody>
-      </p:sp>
-    </p:spTree>
-  </p:cSld>
-  <p:clrMapOvr>
-    <a:masterClrMapping/>
-  </p:clrMapOvr>
-</p:sld>
-</file>
-
-<file path=ppt/slides/slide2.xml><?xml version="1.0" encoding="utf-8"?>
-<p:sld xmlns:a="http://schemas.openxmlformats.org/drawingml/2006/main" xmlns:r="http://schemas.openxmlformats.org/officeDocument/2006/relationships" xmlns:p="http://schemas.openxmlformats.org/presentationml/2006/main">
-  <p:cSld>
-    <p:spTree>
-      <p:nvGrpSpPr>
-        <p:cNvPr id="1" name=""/>
-        <p:cNvGrpSpPr/>
-        <p:nvPr/>
-      </p:nvGrpSpPr>
-      <p:grpSpPr>
-        <a:xfrm>
-          <a:off x="0" y="0"/>
-          <a:ext cx="0" cy="0"/>
-          <a:chOff x="0" y="0"/>
-          <a:chExt cx="0" cy="0"/>
-        </a:xfrm>
-      </p:grpSpPr>
-      <p:sp>
-        <p:nvSpPr>
-          <p:cNvPr id="2" name="Title 1"/>
-          <p:cNvSpPr>
-            <a:spLocks noGrp="1"/>
-          </p:cNvSpPr>
-          <p:nvPr>
-            <p:ph type="title"/>
-          </p:nvPr>
-        </p:nvSpPr>
-        <p:spPr/>
-        <p:txBody>
-          <a:bodyPr/>
-          <a:lstStyle/>
-          <a:p>
-            <a:pPr marL="0" lvl="0" indent="0">
-              <a:buNone/>
-            </a:pPr>
-            <a:r>
-              <a:t>Introduction</a:t>
-            </a:r>
-          </a:p>
-        </p:txBody>
-      </p:sp>
-      <p:sp>
-        <p:nvSpPr>
-          <p:cNvPr id="3" name="Content Placeholder 2"/>
-          <p:cNvSpPr>
-            <a:spLocks noGrp="1"/>
-          </p:cNvSpPr>
-          <p:nvPr>
-            <p:ph idx="1"/>
-          </p:nvPr>
-        </p:nvSpPr>
-        <p:spPr/>
-        <p:txBody>
-          <a:bodyPr/>
-          <a:lstStyle/>
-          <a:p>
-            <a:pPr lvl="1"/>
-            <a:r>
-              <a:t>Analysis of Means (ANOM)</a:t>
-            </a:r>
-          </a:p>
-          <a:p>
-            <a:pPr lvl="2"/>
-            <a:r>
-              <a:t>Applications</a:t>
-            </a:r>
-          </a:p>
-          <a:p>
-            <a:pPr lvl="3"/>
-            <a:r>
-              <a:t>Quality control</a:t>
-            </a:r>
-          </a:p>
-          <a:p>
-            <a:pPr lvl="3"/>
-            <a:r>
-              <a:t>Institutional comparisons</a:t>
-            </a:r>
-          </a:p>
-          <a:p>
-            <a:pPr lvl="1"/>
-            <a:r>
-              <a:t>Similar but different from ANOVA</a:t>
-            </a:r>
-          </a:p>
-          <a:p>
-            <a:pPr lvl="1"/>
-            <a:r>
-              <a:t>Similar but different from control charts</a:t>
-            </a:r>
-          </a:p>
-          <a:p>
-            <a:pPr lvl="1"/>
-            <a:r>
-              <a:t>ANOM advantages</a:t>
-            </a:r>
-          </a:p>
-          <a:p>
-            <a:pPr lvl="2"/>
-            <a:r>
-              <a:t>Easy to calculate</a:t>
-            </a:r>
-          </a:p>
-          <a:p>
-            <a:pPr lvl="2"/>
-            <a:r>
-              <a:t>Simple, interpretable conclusions</a:t>
-            </a:r>
-          </a:p>
-        </p:txBody>
-      </p:sp>
-    </p:spTree>
-  </p:cSld>
-  <p:clrMapOvr>
-    <a:masterClrMapping/>
-  </p:clrMapOvr>
-</p:sld>
-</file>
-
-<file path=ppt/slides/slide20.xml><?xml version="1.0" encoding="utf-8"?>
-<p:sld xmlns:a="http://schemas.openxmlformats.org/drawingml/2006/main" xmlns:r="http://schemas.openxmlformats.org/officeDocument/2006/relationships" xmlns:p="http://schemas.openxmlformats.org/presentationml/2006/main">
-  <p:cSld>
-    <p:spTree>
-      <p:nvGrpSpPr>
-        <p:cNvPr id="1" name=""/>
-        <p:cNvGrpSpPr/>
-        <p:nvPr/>
-      </p:nvGrpSpPr>
-      <p:grpSpPr>
-        <a:xfrm>
-          <a:off x="0" y="0"/>
-          <a:ext cx="0" cy="0"/>
-          <a:chOff x="0" y="0"/>
-          <a:chExt cx="0" cy="0"/>
-        </a:xfrm>
-      </p:grpSpPr>
-      <p:sp>
-        <p:nvSpPr>
-          <p:cNvPr id="2" name="Title 1"/>
-          <p:cNvSpPr>
-            <a:spLocks noGrp="1"/>
-          </p:cNvSpPr>
-          <p:nvPr>
-            <p:ph type="title"/>
-          </p:nvPr>
-        </p:nvSpPr>
-        <p:spPr/>
-        <p:txBody>
-          <a:bodyPr/>
-          <a:lstStyle/>
-          <a:p>
-            <a:pPr marL="0" lvl="0" indent="0">
-              <a:buNone/>
-            </a:pPr>
-            <a:r>
-              <a:t>Graph of the data</a:t>
-            </a:r>
-          </a:p>
-        </p:txBody>
-      </p:sp>
-      <p:pic>
-        <p:nvPicPr>
-          <p:cNvPr id="3" name="Picture 1" descr="images/label-graph-00.png"/>
-          <p:cNvPicPr>
-            <a:picLocks noGrp="1" noChangeAspect="1"/>
-          </p:cNvPicPr>
-          <p:nvPr/>
-        </p:nvPicPr>
-        <p:blipFill>
-          <a:blip r:embed="rId3"/>
-          <a:stretch>
-            <a:fillRect/>
-          </a:stretch>
-        </p:blipFill>
-        <p:spPr bwMode="auto">
-          <a:xfrm>
-            <a:off x="609600" y="1600200"/>
-            <a:ext cx="7912100" cy="4521200"/>
-          </a:xfrm>
-          <a:prstGeom prst="rect">
-            <a:avLst/>
-          </a:prstGeom>
-          <a:noFill/>
-          <a:ln w="9525">
-            <a:noFill/>
-            <a:headEnd/>
-            <a:tailEnd/>
-          </a:ln>
-        </p:spPr>
-      </p:pic>
-    </p:spTree>
-  </p:cSld>
-  <p:clrMapOvr>
-    <a:masterClrMapping/>
-  </p:clrMapOvr>
-</p:sld>
-</file>
-
-<file path=ppt/slides/slide21.xml><?xml version="1.0" encoding="utf-8"?>
-<p:sld xmlns:a="http://schemas.openxmlformats.org/drawingml/2006/main" xmlns:r="http://schemas.openxmlformats.org/officeDocument/2006/relationships" xmlns:p="http://schemas.openxmlformats.org/presentationml/2006/main">
-  <p:cSld>
-    <p:spTree>
-      <p:nvGrpSpPr>
-        <p:cNvPr id="1" name=""/>
-        <p:cNvGrpSpPr/>
-        <p:nvPr/>
-      </p:nvGrpSpPr>
-      <p:grpSpPr>
-        <a:xfrm>
-          <a:off x="0" y="0"/>
-          <a:ext cx="0" cy="0"/>
-          <a:chOff x="0" y="0"/>
-          <a:chExt cx="0" cy="0"/>
-        </a:xfrm>
-      </p:grpSpPr>
-      <p:sp>
-        <p:nvSpPr>
-          <p:cNvPr id="2" name="Title 1"/>
-          <p:cNvSpPr>
-            <a:spLocks noGrp="1"/>
-          </p:cNvSpPr>
-          <p:nvPr>
-            <p:ph type="title"/>
-          </p:nvPr>
-        </p:nvSpPr>
-        <p:spPr/>
-        <p:txBody>
-          <a:bodyPr/>
-          <a:lstStyle/>
-          <a:p>
-            <a:pPr marL="0" lvl="0" indent="0">
-              <a:buNone/>
-            </a:pPr>
-            <a:r>
-              <a:t>Summary statistics</a:t>
-            </a:r>
-          </a:p>
-        </p:txBody>
-      </p:sp>
-      <p:sp>
-        <p:nvSpPr>
-          <p:cNvPr id="3" name="Content Placeholder 2"/>
-          <p:cNvSpPr>
-            <a:spLocks noGrp="1"/>
-          </p:cNvSpPr>
-          <p:nvPr>
-            <p:ph idx="1"/>
-          </p:nvPr>
-        </p:nvSpPr>
-        <p:spPr/>
-        <p:txBody>
-          <a:bodyPr/>
-          <a:lstStyle/>
-          <a:p>
-            <a:pPr lvl="0" indent="0">
-              <a:buNone/>
-            </a:pPr>
-            <a:r>
-              <a:rPr>
-                <a:latin typeface="Courier"/>
-              </a:rPr>
-              <a:t>##   position    avg stdev
-## 1        1 -0.022 0.023
-## 2        2  0.016 0.033
-## 3        3  0.006 0.029
-## 4        4  0.065 0.021
-## 5        5  0.008 0.026
-## 6        6 -0.013 0.016</a:t>
-            </a:r>
-          </a:p>
-        </p:txBody>
-      </p:sp>
-    </p:spTree>
-  </p:cSld>
-  <p:clrMapOvr>
-    <a:masterClrMapping/>
-  </p:clrMapOvr>
-</p:sld>
-</file>
-
-<file path=ppt/slides/slide22.xml><?xml version="1.0" encoding="utf-8"?>
-<p:sld xmlns:a="http://schemas.openxmlformats.org/drawingml/2006/main" xmlns:r="http://schemas.openxmlformats.org/officeDocument/2006/relationships" xmlns:p="http://schemas.openxmlformats.org/presentationml/2006/main">
-  <p:cSld>
-    <p:spTree>
-      <p:nvGrpSpPr>
-        <p:cNvPr id="1" name=""/>
-        <p:cNvGrpSpPr/>
-        <p:nvPr/>
-      </p:nvGrpSpPr>
-      <p:grpSpPr>
-        <a:xfrm>
-          <a:off x="0" y="0"/>
-          <a:ext cx="0" cy="0"/>
-          <a:chOff x="0" y="0"/>
-          <a:chExt cx="0" cy="0"/>
-        </a:xfrm>
-      </p:grpSpPr>
-      <p:sp>
-        <p:nvSpPr>
-          <p:cNvPr id="2" name="Title 1"/>
-          <p:cNvSpPr>
-            <a:spLocks noGrp="1"/>
-          </p:cNvSpPr>
-          <p:nvPr>
-            <p:ph type="title"/>
-          </p:nvPr>
-        </p:nvSpPr>
-        <p:spPr/>
-        <p:txBody>
-          <a:bodyPr/>
-          <a:lstStyle/>
-          <a:p>
-            <a:pPr marL="0" lvl="0" indent="0">
-              <a:buNone/>
-            </a:pPr>
-            <a:r>
-              <a:t>Graph means</a:t>
-            </a:r>
-          </a:p>
-        </p:txBody>
-      </p:sp>
-      <p:pic>
-        <p:nvPicPr>
-          <p:cNvPr id="3" name="Picture 1" descr="images/label-graph-01.png"/>
-          <p:cNvPicPr>
-            <a:picLocks noGrp="1" noChangeAspect="1"/>
-          </p:cNvPicPr>
-          <p:nvPr/>
-        </p:nvPicPr>
-        <p:blipFill>
-          <a:blip r:embed="rId3"/>
-          <a:stretch>
-            <a:fillRect/>
-          </a:stretch>
-        </p:blipFill>
-        <p:spPr bwMode="auto">
-          <a:xfrm>
-            <a:off x="609600" y="1600200"/>
-            <a:ext cx="7912100" cy="4521200"/>
-          </a:xfrm>
-          <a:prstGeom prst="rect">
-            <a:avLst/>
-          </a:prstGeom>
-          <a:noFill/>
-          <a:ln w="9525">
-            <a:noFill/>
-            <a:headEnd/>
-            <a:tailEnd/>
-          </a:ln>
-        </p:spPr>
-      </p:pic>
-    </p:spTree>
-  </p:cSld>
-  <p:clrMapOvr>
-    <a:masterClrMapping/>
-  </p:clrMapOvr>
-</p:sld>
-</file>
-
-<file path=ppt/slides/slide23.xml><?xml version="1.0" encoding="utf-8"?>
-<p:sld xmlns:a="http://schemas.openxmlformats.org/drawingml/2006/main" xmlns:r="http://schemas.openxmlformats.org/officeDocument/2006/relationships" xmlns:p="http://schemas.openxmlformats.org/presentationml/2006/main">
-  <p:cSld>
-    <p:spTree>
-      <p:nvGrpSpPr>
-        <p:cNvPr id="1" name=""/>
-        <p:cNvGrpSpPr/>
-        <p:nvPr/>
-      </p:nvGrpSpPr>
-      <p:grpSpPr>
-        <a:xfrm>
-          <a:off x="0" y="0"/>
-          <a:ext cx="0" cy="0"/>
-          <a:chOff x="0" y="0"/>
-          <a:chExt cx="0" cy="0"/>
-        </a:xfrm>
-      </p:grpSpPr>
-      <p:sp>
-        <p:nvSpPr>
-          <p:cNvPr id="2" name="Title 1"/>
-          <p:cNvSpPr>
-            <a:spLocks noGrp="1"/>
-          </p:cNvSpPr>
-          <p:nvPr>
-            <p:ph type="title"/>
-          </p:nvPr>
-        </p:nvSpPr>
-        <p:spPr/>
-        <p:txBody>
-          <a:bodyPr/>
-          <a:lstStyle/>
-          <a:p>
-            <a:pPr marL="0" lvl="0" indent="0">
-              <a:buNone/>
-            </a:pPr>
-            <a:r>
-              <a:t>Overall mean and pooled standard deviation</a:t>
-            </a:r>
-          </a:p>
-        </p:txBody>
-      </p:sp>
-      <p:sp>
-        <p:nvSpPr>
-          <p:cNvPr id="3" name="Content Placeholder 2"/>
-          <p:cNvSpPr>
-            <a:spLocks noGrp="1"/>
-          </p:cNvSpPr>
-          <p:nvPr>
-            <p:ph idx="1"/>
-          </p:nvPr>
-        </p:nvSpPr>
-        <p:spPr/>
-        <p:txBody>
-          <a:bodyPr/>
-          <a:lstStyle/>
-          <a:p>
-            <a:pPr lvl="0" indent="0">
-              <a:buNone/>
-            </a:pPr>
-            <a:r>
-              <a:rPr>
-                <a:latin typeface="Courier"/>
-              </a:rPr>
-              <a:t>##    avg    sp
-## 1 0.01 0.025</a:t>
             </a:r>
           </a:p>
         </p:txBody>
@@ -7358,41 +8773,45 @@
               <a:buNone/>
             </a:pPr>
             <a:r>
-              <a:t>Show deviation from overall mean</a:t>
-            </a:r>
-          </a:p>
-        </p:txBody>
-      </p:sp>
-      <p:pic>
-        <p:nvPicPr>
-          <p:cNvPr id="3" name="Picture 1" descr="images/label-graph-02.png"/>
-          <p:cNvPicPr>
-            <a:picLocks noGrp="1" noChangeAspect="1"/>
-          </p:cNvPicPr>
-          <p:nvPr/>
-        </p:nvPicPr>
-        <p:blipFill>
-          <a:blip r:embed="rId3"/>
-          <a:stretch>
-            <a:fillRect/>
-          </a:stretch>
-        </p:blipFill>
-        <p:spPr bwMode="auto">
-          <a:xfrm>
-            <a:off x="609600" y="1600200"/>
-            <a:ext cx="7912100" cy="4521200"/>
-          </a:xfrm>
-          <a:prstGeom prst="rect">
-            <a:avLst/>
-          </a:prstGeom>
-          <a:noFill/>
-          <a:ln w="9525">
-            <a:noFill/>
-            <a:headEnd/>
-            <a:tailEnd/>
-          </a:ln>
-        </p:spPr>
-      </p:pic>
+              <a:t>ANOM table</a:t>
+            </a:r>
+          </a:p>
+        </p:txBody>
+      </p:sp>
+      <p:sp>
+        <p:nvSpPr>
+          <p:cNvPr id="3" name="Content Placeholder 2"/>
+          <p:cNvSpPr>
+            <a:spLocks noGrp="1"/>
+          </p:cNvSpPr>
+          <p:nvPr>
+            <p:ph idx="1"/>
+          </p:nvPr>
+        </p:nvSpPr>
+        <p:spPr/>
+        <p:txBody>
+          <a:bodyPr/>
+          <a:lstStyle/>
+          <a:p>
+            <a:pPr lvl="0" indent="0">
+              <a:buNone/>
+            </a:pPr>
+            <a:r>
+              <a:rPr>
+                <a:latin typeface="Courier"/>
+              </a:rPr>
+              <a:t>     k=2   3    4    5    6  
+df=2 4.30 5.88 6.59 7.10 7.49
+   3 3.18 4.18 4.60 4.92 5.14
+   4 2.78 3.56 3.89 4.12 4.30
+   5 2.57 3.25 3.52 3.72 3.88
+   6 2.45 3.07 3.31 3.49 3.62
+   7 2.36 2.94 3.17 3.33 3.46
+   8 2.31 2.86 3.06 3.22 3.33</a:t>
+            </a:r>
+          </a:p>
+        </p:txBody>
+      </p:sp>
     </p:spTree>
   </p:cSld>
   <p:clrMapOvr>
@@ -7437,7 +8856,687 @@
               <a:buNone/>
             </a:pPr>
             <a:r>
-              <a:t>Calculate limits</a:t>
+              <a:t>Stop here if there are questions</a:t>
+            </a:r>
+          </a:p>
+        </p:txBody>
+      </p:sp>
+      <p:sp>
+        <p:nvSpPr>
+          <p:cNvPr id="3" name="Content Placeholder 2"/>
+          <p:cNvSpPr>
+            <a:spLocks noGrp="1"/>
+          </p:cNvSpPr>
+          <p:nvPr>
+            <p:ph idx="1"/>
+          </p:nvPr>
+        </p:nvSpPr>
+        <p:spPr/>
+        <p:txBody>
+          <a:bodyPr/>
+          <a:lstStyle/>
+          <a:p>
+            <a:pPr lvl="1"/>
+            <a:r>
+              <a:t>What you’ve seen</a:t>
+            </a:r>
+          </a:p>
+          <a:p>
+            <a:pPr lvl="2"/>
+            <a:r>
+              <a:t>Framework for Analysis of Means</a:t>
+            </a:r>
+          </a:p>
+          <a:p>
+            <a:pPr lvl="1"/>
+            <a:r>
+              <a:t>What’s coming up</a:t>
+            </a:r>
+          </a:p>
+          <a:p>
+            <a:pPr lvl="2"/>
+            <a:r>
+              <a:t>A simple example</a:t>
+            </a:r>
+          </a:p>
+        </p:txBody>
+      </p:sp>
+    </p:spTree>
+  </p:cSld>
+  <p:clrMapOvr>
+    <a:masterClrMapping/>
+  </p:clrMapOvr>
+</p:sld>
+</file>
+
+<file path=ppt/slides/slide26.xml><?xml version="1.0" encoding="utf-8"?>
+<p:sld xmlns:a="http://schemas.openxmlformats.org/drawingml/2006/main" xmlns:r="http://schemas.openxmlformats.org/officeDocument/2006/relationships" xmlns:p="http://schemas.openxmlformats.org/presentationml/2006/main">
+  <p:cSld>
+    <p:spTree>
+      <p:nvGrpSpPr>
+        <p:cNvPr id="1" name=""/>
+        <p:cNvGrpSpPr/>
+        <p:nvPr/>
+      </p:nvGrpSpPr>
+      <p:grpSpPr>
+        <a:xfrm>
+          <a:off x="0" y="0"/>
+          <a:ext cx="0" cy="0"/>
+          <a:chOff x="0" y="0"/>
+          <a:chExt cx="0" cy="0"/>
+        </a:xfrm>
+      </p:grpSpPr>
+      <p:sp>
+        <p:nvSpPr>
+          <p:cNvPr id="2" name="Title 1"/>
+          <p:cNvSpPr>
+            <a:spLocks noGrp="1"/>
+          </p:cNvSpPr>
+          <p:nvPr>
+            <p:ph type="title"/>
+          </p:nvPr>
+        </p:nvSpPr>
+        <p:spPr/>
+        <p:txBody>
+          <a:bodyPr/>
+          <a:lstStyle/>
+          <a:p>
+            <a:pPr marL="0" lvl="0" indent="0">
+              <a:buNone/>
+            </a:pPr>
+            <a:r>
+              <a:t>Label placement</a:t>
+            </a:r>
+          </a:p>
+        </p:txBody>
+      </p:sp>
+      <p:pic>
+        <p:nvPicPr>
+          <p:cNvPr id="3" name="Picture 1" descr="images/bottles.jpg"/>
+          <p:cNvPicPr>
+            <a:picLocks noGrp="1" noChangeAspect="1"/>
+          </p:cNvPicPr>
+          <p:nvPr/>
+        </p:nvPicPr>
+        <p:blipFill>
+          <a:blip r:embed="rId2"/>
+          <a:stretch>
+            <a:fillRect/>
+          </a:stretch>
+        </p:blipFill>
+        <p:spPr bwMode="auto">
+          <a:xfrm>
+            <a:off x="2565400" y="1600200"/>
+            <a:ext cx="4013200" cy="4013200"/>
+          </a:xfrm>
+          <a:prstGeom prst="rect">
+            <a:avLst/>
+          </a:prstGeom>
+          <a:noFill/>
+          <a:ln w="9525">
+            <a:noFill/>
+            <a:headEnd/>
+            <a:tailEnd/>
+          </a:ln>
+        </p:spPr>
+      </p:pic>
+      <p:sp>
+        <p:nvSpPr>
+          <p:cNvPr id="4" name="TextBox 3"/>
+          <p:cNvSpPr txBox="1"/>
+          <p:nvPr/>
+        </p:nvSpPr>
+        <p:spPr>
+          <a:xfrm>
+            <a:off x="457200" y="5613400"/>
+            <a:ext cx="8229600" cy="508000"/>
+          </a:xfrm>
+          <a:prstGeom prst="rect">
+            <a:avLst/>
+          </a:prstGeom>
+          <a:noFill/>
+        </p:spPr>
+        <p:txBody>
+          <a:bodyPr/>
+          <a:lstStyle/>
+          <a:p>
+            <a:pPr marL="0" lvl="0" indent="0" algn="ctr">
+              <a:buNone/>
+            </a:pPr>
+            <a:r>
+              <a:t>Figure 14. Six labeled bottles of bourbon</a:t>
+            </a:r>
+          </a:p>
+        </p:txBody>
+      </p:sp>
+    </p:spTree>
+  </p:cSld>
+  <p:clrMapOvr>
+    <a:masterClrMapping/>
+  </p:clrMapOvr>
+</p:sld>
+</file>
+
+<file path=ppt/slides/slide27.xml><?xml version="1.0" encoding="utf-8"?>
+<p:sld xmlns:a="http://schemas.openxmlformats.org/drawingml/2006/main" xmlns:r="http://schemas.openxmlformats.org/officeDocument/2006/relationships" xmlns:p="http://schemas.openxmlformats.org/presentationml/2006/main">
+  <p:cSld>
+    <p:spTree>
+      <p:nvGrpSpPr>
+        <p:cNvPr id="1" name=""/>
+        <p:cNvGrpSpPr/>
+        <p:nvPr/>
+      </p:nvGrpSpPr>
+      <p:grpSpPr>
+        <a:xfrm>
+          <a:off x="0" y="0"/>
+          <a:ext cx="0" cy="0"/>
+          <a:chOff x="0" y="0"/>
+          <a:chExt cx="0" cy="0"/>
+        </a:xfrm>
+      </p:grpSpPr>
+      <p:sp>
+        <p:nvSpPr>
+          <p:cNvPr id="2" name="Title 1"/>
+          <p:cNvSpPr>
+            <a:spLocks noGrp="1"/>
+          </p:cNvSpPr>
+          <p:nvPr>
+            <p:ph type="title"/>
+          </p:nvPr>
+        </p:nvSpPr>
+        <p:spPr/>
+        <p:txBody>
+          <a:bodyPr/>
+          <a:lstStyle/>
+          <a:p>
+            <a:pPr marL="0" lvl="0" indent="0">
+              <a:buNone/>
+            </a:pPr>
+            <a:r>
+              <a:t>Label placement, descriptive statistics</a:t>
+            </a:r>
+          </a:p>
+        </p:txBody>
+      </p:sp>
+      <p:sp>
+        <p:nvSpPr>
+          <p:cNvPr id="3" name="Content Placeholder 2"/>
+          <p:cNvSpPr>
+            <a:spLocks noGrp="1"/>
+          </p:cNvSpPr>
+          <p:nvPr>
+            <p:ph idx="1"/>
+          </p:nvPr>
+        </p:nvSpPr>
+        <p:spPr/>
+        <p:txBody>
+          <a:bodyPr/>
+          <a:lstStyle/>
+          <a:p>
+            <a:pPr lvl="0" indent="0">
+              <a:buNone/>
+            </a:pPr>
+            <a:r>
+              <a:rPr>
+                <a:latin typeface="Courier"/>
+              </a:rPr>
+              <a:t>  position    avg stdev
+1        1 -0.022 0.023
+2        2  0.016 0.033
+3        3  0.006 0.029
+4        4  0.065 0.021
+5        5  0.008 0.026
+6        6 -0.013 0.016</a:t>
+            </a:r>
+          </a:p>
+        </p:txBody>
+      </p:sp>
+    </p:spTree>
+  </p:cSld>
+  <p:clrMapOvr>
+    <a:masterClrMapping/>
+  </p:clrMapOvr>
+</p:sld>
+</file>
+
+<file path=ppt/slides/slide28.xml><?xml version="1.0" encoding="utf-8"?>
+<p:sld xmlns:a="http://schemas.openxmlformats.org/drawingml/2006/main" xmlns:r="http://schemas.openxmlformats.org/officeDocument/2006/relationships" xmlns:p="http://schemas.openxmlformats.org/presentationml/2006/main">
+  <p:cSld>
+    <p:spTree>
+      <p:nvGrpSpPr>
+        <p:cNvPr id="1" name=""/>
+        <p:cNvGrpSpPr/>
+        <p:nvPr/>
+      </p:nvGrpSpPr>
+      <p:grpSpPr>
+        <a:xfrm>
+          <a:off x="0" y="0"/>
+          <a:ext cx="0" cy="0"/>
+          <a:chOff x="0" y="0"/>
+          <a:chExt cx="0" cy="0"/>
+        </a:xfrm>
+      </p:grpSpPr>
+      <p:sp>
+        <p:nvSpPr>
+          <p:cNvPr id="2" name="Title 1"/>
+          <p:cNvSpPr>
+            <a:spLocks noGrp="1"/>
+          </p:cNvSpPr>
+          <p:nvPr>
+            <p:ph type="title"/>
+          </p:nvPr>
+        </p:nvSpPr>
+        <p:spPr/>
+        <p:txBody>
+          <a:bodyPr/>
+          <a:lstStyle/>
+          <a:p>
+            <a:pPr marL="0" lvl="0" indent="0">
+              <a:buNone/>
+            </a:pPr>
+            <a:r>
+              <a:t>Label positions, Preliminary graph of means</a:t>
+            </a:r>
+          </a:p>
+        </p:txBody>
+      </p:sp>
+      <p:pic>
+        <p:nvPicPr>
+          <p:cNvPr id="3" name="Picture 1" descr="images/label-graph-01.png"/>
+          <p:cNvPicPr>
+            <a:picLocks noGrp="1" noChangeAspect="1"/>
+          </p:cNvPicPr>
+          <p:nvPr/>
+        </p:nvPicPr>
+        <p:blipFill>
+          <a:blip r:embed="rId3"/>
+          <a:stretch>
+            <a:fillRect/>
+          </a:stretch>
+        </p:blipFill>
+        <p:spPr bwMode="auto">
+          <a:xfrm>
+            <a:off x="1066800" y="1600200"/>
+            <a:ext cx="7023100" cy="4013200"/>
+          </a:xfrm>
+          <a:prstGeom prst="rect">
+            <a:avLst/>
+          </a:prstGeom>
+          <a:noFill/>
+          <a:ln w="9525">
+            <a:noFill/>
+            <a:headEnd/>
+            <a:tailEnd/>
+          </a:ln>
+        </p:spPr>
+      </p:pic>
+      <p:sp>
+        <p:nvSpPr>
+          <p:cNvPr id="4" name="TextBox 3"/>
+          <p:cNvSpPr txBox="1"/>
+          <p:nvPr/>
+        </p:nvSpPr>
+        <p:spPr>
+          <a:xfrm>
+            <a:off x="457200" y="5613400"/>
+            <a:ext cx="8229600" cy="508000"/>
+          </a:xfrm>
+          <a:prstGeom prst="rect">
+            <a:avLst/>
+          </a:prstGeom>
+          <a:noFill/>
+        </p:spPr>
+        <p:txBody>
+          <a:bodyPr/>
+          <a:lstStyle/>
+          <a:p>
+            <a:pPr marL="0" lvl="0" indent="0" algn="ctr">
+              <a:buNone/>
+            </a:pPr>
+            <a:r>
+              <a:t>Figure 15. Plot of mean label position</a:t>
+            </a:r>
+          </a:p>
+        </p:txBody>
+      </p:sp>
+    </p:spTree>
+  </p:cSld>
+  <p:clrMapOvr>
+    <a:masterClrMapping/>
+  </p:clrMapOvr>
+</p:sld>
+</file>
+
+<file path=ppt/slides/slide29.xml><?xml version="1.0" encoding="utf-8"?>
+<p:sld xmlns:a="http://schemas.openxmlformats.org/drawingml/2006/main" xmlns:r="http://schemas.openxmlformats.org/officeDocument/2006/relationships" xmlns:p="http://schemas.openxmlformats.org/presentationml/2006/main">
+  <p:cSld>
+    <p:spTree>
+      <p:nvGrpSpPr>
+        <p:cNvPr id="1" name=""/>
+        <p:cNvGrpSpPr/>
+        <p:nvPr/>
+      </p:nvGrpSpPr>
+      <p:grpSpPr>
+        <a:xfrm>
+          <a:off x="0" y="0"/>
+          <a:ext cx="0" cy="0"/>
+          <a:chOff x="0" y="0"/>
+          <a:chExt cx="0" cy="0"/>
+        </a:xfrm>
+      </p:grpSpPr>
+      <p:sp>
+        <p:nvSpPr>
+          <p:cNvPr id="2" name="Title 1"/>
+          <p:cNvSpPr>
+            <a:spLocks noGrp="1"/>
+          </p:cNvSpPr>
+          <p:nvPr>
+            <p:ph type="title"/>
+          </p:nvPr>
+        </p:nvSpPr>
+        <p:spPr/>
+        <p:txBody>
+          <a:bodyPr/>
+          <a:lstStyle/>
+          <a:p>
+            <a:pPr marL="0" lvl="0" indent="0">
+              <a:buNone/>
+            </a:pPr>
+            <a:r>
+              <a:t>Label positions, overall mean and pooled standard deviation</a:t>
+            </a:r>
+          </a:p>
+        </p:txBody>
+      </p:sp>
+      <p:sp>
+        <p:nvSpPr>
+          <p:cNvPr id="3" name="Content Placeholder 2"/>
+          <p:cNvSpPr>
+            <a:spLocks noGrp="1"/>
+          </p:cNvSpPr>
+          <p:nvPr>
+            <p:ph idx="1"/>
+          </p:nvPr>
+        </p:nvSpPr>
+        <p:spPr/>
+        <p:txBody>
+          <a:bodyPr/>
+          <a:lstStyle/>
+          <a:p>
+            <a:pPr lvl="0" indent="0">
+              <a:buNone/>
+            </a:pPr>
+            <a:r>
+              <a:rPr>
+                <a:latin typeface="Courier"/>
+              </a:rPr>
+              <a:t>   avg    sp
+1 0.01 0.025</a:t>
+            </a:r>
+          </a:p>
+        </p:txBody>
+      </p:sp>
+    </p:spTree>
+  </p:cSld>
+  <p:clrMapOvr>
+    <a:masterClrMapping/>
+  </p:clrMapOvr>
+</p:sld>
+</file>
+
+<file path=ppt/slides/slide3.xml><?xml version="1.0" encoding="utf-8"?>
+<p:sld xmlns:a="http://schemas.openxmlformats.org/drawingml/2006/main" xmlns:r="http://schemas.openxmlformats.org/officeDocument/2006/relationships" xmlns:p="http://schemas.openxmlformats.org/presentationml/2006/main">
+  <p:cSld>
+    <p:spTree>
+      <p:nvGrpSpPr>
+        <p:cNvPr id="1" name=""/>
+        <p:cNvGrpSpPr/>
+        <p:nvPr/>
+      </p:nvGrpSpPr>
+      <p:grpSpPr>
+        <a:xfrm>
+          <a:off x="0" y="0"/>
+          <a:ext cx="0" cy="0"/>
+          <a:chOff x="0" y="0"/>
+          <a:chExt cx="0" cy="0"/>
+        </a:xfrm>
+      </p:grpSpPr>
+      <p:sp>
+        <p:nvSpPr>
+          <p:cNvPr id="2" name="Title 1"/>
+          <p:cNvSpPr>
+            <a:spLocks noGrp="1"/>
+          </p:cNvSpPr>
+          <p:nvPr>
+            <p:ph type="title"/>
+          </p:nvPr>
+        </p:nvSpPr>
+        <p:spPr/>
+        <p:txBody>
+          <a:bodyPr/>
+          <a:lstStyle/>
+          <a:p>
+            <a:pPr marL="0" lvl="0" indent="0">
+              <a:buNone/>
+            </a:pPr>
+            <a:r>
+              <a:t>ANOM example: Monsoon distribution</a:t>
+            </a:r>
+          </a:p>
+        </p:txBody>
+      </p:sp>
+      <p:pic>
+        <p:nvPicPr>
+          <p:cNvPr id="3" name="Picture 1" descr="images/anom-example-monsoons.png"/>
+          <p:cNvPicPr>
+            <a:picLocks noGrp="1" noChangeAspect="1"/>
+          </p:cNvPicPr>
+          <p:nvPr/>
+        </p:nvPicPr>
+        <p:blipFill>
+          <a:blip r:embed="rId3"/>
+          <a:stretch>
+            <a:fillRect/>
+          </a:stretch>
+        </p:blipFill>
+        <p:spPr bwMode="auto">
+          <a:xfrm>
+            <a:off x="457200" y="1638300"/>
+            <a:ext cx="8229600" cy="3924300"/>
+          </a:xfrm>
+          <a:prstGeom prst="rect">
+            <a:avLst/>
+          </a:prstGeom>
+          <a:noFill/>
+          <a:ln w="9525">
+            <a:noFill/>
+            <a:headEnd/>
+            <a:tailEnd/>
+          </a:ln>
+        </p:spPr>
+      </p:pic>
+      <p:sp>
+        <p:nvSpPr>
+          <p:cNvPr id="4" name="TextBox 3"/>
+          <p:cNvSpPr txBox="1"/>
+          <p:nvPr/>
+        </p:nvSpPr>
+        <p:spPr>
+          <a:xfrm>
+            <a:off x="457200" y="5613400"/>
+            <a:ext cx="8229600" cy="508000"/>
+          </a:xfrm>
+          <a:prstGeom prst="rect">
+            <a:avLst/>
+          </a:prstGeom>
+          <a:noFill/>
+        </p:spPr>
+        <p:txBody>
+          <a:bodyPr/>
+          <a:lstStyle/>
+          <a:p>
+            <a:pPr marL="0" lvl="0" indent="0" algn="ctr">
+              <a:buNone/>
+            </a:pPr>
+            <a:r>
+              <a:t>Figure 1. Excerpt from research article</a:t>
+            </a:r>
+          </a:p>
+        </p:txBody>
+      </p:sp>
+    </p:spTree>
+  </p:cSld>
+  <p:clrMapOvr>
+    <a:masterClrMapping/>
+  </p:clrMapOvr>
+</p:sld>
+</file>
+
+<file path=ppt/slides/slide30.xml><?xml version="1.0" encoding="utf-8"?>
+<p:sld xmlns:a="http://schemas.openxmlformats.org/drawingml/2006/main" xmlns:r="http://schemas.openxmlformats.org/officeDocument/2006/relationships" xmlns:p="http://schemas.openxmlformats.org/presentationml/2006/main">
+  <p:cSld>
+    <p:spTree>
+      <p:nvGrpSpPr>
+        <p:cNvPr id="1" name=""/>
+        <p:cNvGrpSpPr/>
+        <p:nvPr/>
+      </p:nvGrpSpPr>
+      <p:grpSpPr>
+        <a:xfrm>
+          <a:off x="0" y="0"/>
+          <a:ext cx="0" cy="0"/>
+          <a:chOff x="0" y="0"/>
+          <a:chExt cx="0" cy="0"/>
+        </a:xfrm>
+      </p:grpSpPr>
+      <p:sp>
+        <p:nvSpPr>
+          <p:cNvPr id="2" name="Title 1"/>
+          <p:cNvSpPr>
+            <a:spLocks noGrp="1"/>
+          </p:cNvSpPr>
+          <p:nvPr>
+            <p:ph type="title"/>
+          </p:nvPr>
+        </p:nvSpPr>
+        <p:spPr/>
+        <p:txBody>
+          <a:bodyPr/>
+          <a:lstStyle/>
+          <a:p>
+            <a:pPr marL="0" lvl="0" indent="0">
+              <a:buNone/>
+            </a:pPr>
+            <a:r>
+              <a:t>Label positions, deviation from overall mean</a:t>
+            </a:r>
+          </a:p>
+        </p:txBody>
+      </p:sp>
+      <p:pic>
+        <p:nvPicPr>
+          <p:cNvPr id="3" name="Picture 1" descr="images/label-graph-02.png"/>
+          <p:cNvPicPr>
+            <a:picLocks noGrp="1" noChangeAspect="1"/>
+          </p:cNvPicPr>
+          <p:nvPr/>
+        </p:nvPicPr>
+        <p:blipFill>
+          <a:blip r:embed="rId3"/>
+          <a:stretch>
+            <a:fillRect/>
+          </a:stretch>
+        </p:blipFill>
+        <p:spPr bwMode="auto">
+          <a:xfrm>
+            <a:off x="1066800" y="1600200"/>
+            <a:ext cx="7023100" cy="4013200"/>
+          </a:xfrm>
+          <a:prstGeom prst="rect">
+            <a:avLst/>
+          </a:prstGeom>
+          <a:noFill/>
+          <a:ln w="9525">
+            <a:noFill/>
+            <a:headEnd/>
+            <a:tailEnd/>
+          </a:ln>
+        </p:spPr>
+      </p:pic>
+      <p:sp>
+        <p:nvSpPr>
+          <p:cNvPr id="4" name="TextBox 3"/>
+          <p:cNvSpPr txBox="1"/>
+          <p:nvPr/>
+        </p:nvSpPr>
+        <p:spPr>
+          <a:xfrm>
+            <a:off x="457200" y="5613400"/>
+            <a:ext cx="8229600" cy="508000"/>
+          </a:xfrm>
+          <a:prstGeom prst="rect">
+            <a:avLst/>
+          </a:prstGeom>
+          <a:noFill/>
+        </p:spPr>
+        <p:txBody>
+          <a:bodyPr/>
+          <a:lstStyle/>
+          <a:p>
+            <a:pPr marL="0" lvl="0" indent="0" algn="ctr">
+              <a:buNone/>
+            </a:pPr>
+            <a:r>
+              <a:t>Figure 16. Plot of deviations from overall mean</a:t>
+            </a:r>
+          </a:p>
+        </p:txBody>
+      </p:sp>
+    </p:spTree>
+  </p:cSld>
+  <p:clrMapOvr>
+    <a:masterClrMapping/>
+  </p:clrMapOvr>
+</p:sld>
+</file>
+
+<file path=ppt/slides/slide31.xml><?xml version="1.0" encoding="utf-8"?>
+<p:sld xmlns:a="http://schemas.openxmlformats.org/drawingml/2006/main" xmlns:r="http://schemas.openxmlformats.org/officeDocument/2006/relationships" xmlns:p="http://schemas.openxmlformats.org/presentationml/2006/main">
+  <p:cSld>
+    <p:spTree>
+      <p:nvGrpSpPr>
+        <p:cNvPr id="1" name=""/>
+        <p:cNvGrpSpPr/>
+        <p:nvPr/>
+      </p:nvGrpSpPr>
+      <p:grpSpPr>
+        <a:xfrm>
+          <a:off x="0" y="0"/>
+          <a:ext cx="0" cy="0"/>
+          <a:chOff x="0" y="0"/>
+          <a:chExt cx="0" cy="0"/>
+        </a:xfrm>
+      </p:grpSpPr>
+      <p:sp>
+        <p:nvSpPr>
+          <p:cNvPr id="2" name="Title 1"/>
+          <p:cNvSpPr>
+            <a:spLocks noGrp="1"/>
+          </p:cNvSpPr>
+          <p:nvPr>
+            <p:ph type="title"/>
+          </p:nvPr>
+        </p:nvSpPr>
+        <p:spPr/>
+        <p:txBody>
+          <a:bodyPr/>
+          <a:lstStyle/>
+          <a:p>
+            <a:pPr marL="0" lvl="0" indent="0">
+              <a:buNone/>
+            </a:pPr>
+            <a:r>
+              <a:t>Label positions, calculate ANOM limits</a:t>
             </a:r>
           </a:p>
         </p:txBody>
@@ -7745,7 +9844,7 @@
 </p:sld>
 </file>
 
-<file path=ppt/slides/slide26.xml><?xml version="1.0" encoding="utf-8"?>
+<file path=ppt/slides/slide32.xml><?xml version="1.0" encoding="utf-8"?>
 <p:sld xmlns:a="http://schemas.openxmlformats.org/drawingml/2006/main" xmlns:r="http://schemas.openxmlformats.org/officeDocument/2006/relationships" xmlns:p="http://schemas.openxmlformats.org/presentationml/2006/main">
   <p:cSld>
     <p:spTree>
@@ -7781,7 +9880,7 @@
               <a:buNone/>
             </a:pPr>
             <a:r>
-              <a:t>Add limits to the graph</a:t>
+              <a:t>Label positions, add limits to graph</a:t>
             </a:r>
           </a:p>
         </p:txBody>
@@ -7802,8 +9901,8 @@
         </p:blipFill>
         <p:spPr bwMode="auto">
           <a:xfrm>
-            <a:off x="609600" y="1600200"/>
-            <a:ext cx="7912100" cy="4521200"/>
+            <a:off x="1066800" y="1600200"/>
+            <a:ext cx="7023100" cy="4013200"/>
           </a:xfrm>
           <a:prstGeom prst="rect">
             <a:avLst/>
@@ -7816,6 +9915,35 @@
           </a:ln>
         </p:spPr>
       </p:pic>
+      <p:sp>
+        <p:nvSpPr>
+          <p:cNvPr id="4" name="TextBox 3"/>
+          <p:cNvSpPr txBox="1"/>
+          <p:nvPr/>
+        </p:nvSpPr>
+        <p:spPr>
+          <a:xfrm>
+            <a:off x="457200" y="5613400"/>
+            <a:ext cx="8229600" cy="508000"/>
+          </a:xfrm>
+          <a:prstGeom prst="rect">
+            <a:avLst/>
+          </a:prstGeom>
+          <a:noFill/>
+        </p:spPr>
+        <p:txBody>
+          <a:bodyPr/>
+          <a:lstStyle/>
+          <a:p>
+            <a:pPr marL="0" lvl="0" indent="0" algn="ctr">
+              <a:buNone/>
+            </a:pPr>
+            <a:r>
+              <a:t>Figure 17. Plot with ANOM limits</a:t>
+            </a:r>
+          </a:p>
+        </p:txBody>
+      </p:sp>
     </p:spTree>
   </p:cSld>
   <p:clrMapOvr>
@@ -7824,7 +9952,7 @@
 </p:sld>
 </file>
 
-<file path=ppt/slides/slide27.xml><?xml version="1.0" encoding="utf-8"?>
+<file path=ppt/slides/slide33.xml><?xml version="1.0" encoding="utf-8"?>
 <p:sld xmlns:a="http://schemas.openxmlformats.org/drawingml/2006/main" xmlns:r="http://schemas.openxmlformats.org/officeDocument/2006/relationships" xmlns:p="http://schemas.openxmlformats.org/presentationml/2006/main">
   <p:cSld>
     <p:spTree>
@@ -7913,7 +10041,115 @@
 </p:sld>
 </file>
 
-<file path=ppt/slides/slide28.xml><?xml version="1.0" encoding="utf-8"?>
+<file path=ppt/slides/slide34.xml><?xml version="1.0" encoding="utf-8"?>
+<p:sld xmlns:a="http://schemas.openxmlformats.org/drawingml/2006/main" xmlns:r="http://schemas.openxmlformats.org/officeDocument/2006/relationships" xmlns:p="http://schemas.openxmlformats.org/presentationml/2006/main">
+  <p:cSld>
+    <p:spTree>
+      <p:nvGrpSpPr>
+        <p:cNvPr id="1" name=""/>
+        <p:cNvGrpSpPr/>
+        <p:nvPr/>
+      </p:nvGrpSpPr>
+      <p:grpSpPr>
+        <a:xfrm>
+          <a:off x="0" y="0"/>
+          <a:ext cx="0" cy="0"/>
+          <a:chOff x="0" y="0"/>
+          <a:chExt cx="0" cy="0"/>
+        </a:xfrm>
+      </p:grpSpPr>
+      <p:sp>
+        <p:nvSpPr>
+          <p:cNvPr id="2" name="Title 1"/>
+          <p:cNvSpPr>
+            <a:spLocks noGrp="1"/>
+          </p:cNvSpPr>
+          <p:nvPr>
+            <p:ph type="title"/>
+          </p:nvPr>
+        </p:nvSpPr>
+        <p:spPr/>
+        <p:txBody>
+          <a:bodyPr/>
+          <a:lstStyle/>
+          <a:p>
+            <a:pPr marL="0" lvl="0" indent="0">
+              <a:buNone/>
+            </a:pPr>
+            <a:r>
+              <a:t>C-sections</a:t>
+            </a:r>
+          </a:p>
+        </p:txBody>
+      </p:sp>
+      <p:pic>
+        <p:nvPicPr>
+          <p:cNvPr id="3" name="Picture 1" descr="images/infant.jpg"/>
+          <p:cNvPicPr>
+            <a:picLocks noGrp="1" noChangeAspect="1"/>
+          </p:cNvPicPr>
+          <p:nvPr/>
+        </p:nvPicPr>
+        <p:blipFill>
+          <a:blip r:embed="rId3"/>
+          <a:stretch>
+            <a:fillRect/>
+          </a:stretch>
+        </p:blipFill>
+        <p:spPr bwMode="auto">
+          <a:xfrm>
+            <a:off x="1562100" y="1600200"/>
+            <a:ext cx="6019800" cy="4013200"/>
+          </a:xfrm>
+          <a:prstGeom prst="rect">
+            <a:avLst/>
+          </a:prstGeom>
+          <a:noFill/>
+          <a:ln w="9525">
+            <a:noFill/>
+            <a:headEnd/>
+            <a:tailEnd/>
+          </a:ln>
+        </p:spPr>
+      </p:pic>
+      <p:sp>
+        <p:nvSpPr>
+          <p:cNvPr id="4" name="TextBox 3"/>
+          <p:cNvSpPr txBox="1"/>
+          <p:nvPr/>
+        </p:nvSpPr>
+        <p:spPr>
+          <a:xfrm>
+            <a:off x="457200" y="5613400"/>
+            <a:ext cx="8229600" cy="508000"/>
+          </a:xfrm>
+          <a:prstGeom prst="rect">
+            <a:avLst/>
+          </a:prstGeom>
+          <a:noFill/>
+        </p:spPr>
+        <p:txBody>
+          <a:bodyPr/>
+          <a:lstStyle/>
+          <a:p>
+            <a:pPr marL="0" lvl="0" indent="0" algn="ctr">
+              <a:buNone/>
+            </a:pPr>
+            <a:r>
+              <a:t>Figure 18. Image of newborn infant</a:t>
+            </a:r>
+          </a:p>
+        </p:txBody>
+      </p:sp>
+    </p:spTree>
+  </p:cSld>
+  <p:clrMapOvr>
+    <a:masterClrMapping/>
+  </p:clrMapOvr>
+</p:sld>
+</file>
+
+<file path=ppt/slides/slide35.xml><?xml version="1.0" encoding="utf-8"?>
 <p:sld xmlns:a="http://schemas.openxmlformats.org/drawingml/2006/main" xmlns:r="http://schemas.openxmlformats.org/officeDocument/2006/relationships" xmlns:p="http://schemas.openxmlformats.org/presentationml/2006/main">
   <p:cSld>
     <p:spTree>
@@ -8245,7 +10481,7 @@
 </p:sld>
 </file>
 
-<file path=ppt/slides/slide29.xml><?xml version="1.0" encoding="utf-8"?>
+<file path=ppt/slides/slide36.xml><?xml version="1.0" encoding="utf-8"?>
 <p:sld xmlns:a="http://schemas.openxmlformats.org/drawingml/2006/main" xmlns:r="http://schemas.openxmlformats.org/officeDocument/2006/relationships" xmlns:p="http://schemas.openxmlformats.org/presentationml/2006/main">
   <p:cSld>
     <p:spTree>
@@ -8281,7 +10517,7 @@
               <a:buNone/>
             </a:pPr>
             <a:r>
-              <a:t>An example</a:t>
+              <a:t>C-sections, first six observations</a:t>
             </a:r>
           </a:p>
         </p:txBody>
@@ -8308,13 +10544,13 @@
               <a:rPr>
                 <a:latin typeface="Courier"/>
               </a:rPr>
-              <a:t>##   group c_sections births
-## 1    1A        150    923
-## 2    1K         45    298
-## 3    1B         34    170
-## 4    1D         18    132
-## 5    3I         20    106
-## 6    3M         12    105</a:t>
+              <a:t>  group c_sections births prob
+1    1A        150    923 0.16
+2    1K         45    298 0.15
+3    1B         34    170 0.20
+4    1D         18    132 0.14
+5    3I         20    106 0.19
+6    3M         12    105 0.11</a:t>
             </a:r>
           </a:p>
         </p:txBody>
@@ -8327,7 +10563,7 @@
 </p:sld>
 </file>
 
-<file path=ppt/slides/slide3.xml><?xml version="1.0" encoding="utf-8"?>
+<file path=ppt/slides/slide37.xml><?xml version="1.0" encoding="utf-8"?>
 <p:sld xmlns:a="http://schemas.openxmlformats.org/drawingml/2006/main" xmlns:r="http://schemas.openxmlformats.org/officeDocument/2006/relationships" xmlns:p="http://schemas.openxmlformats.org/presentationml/2006/main">
   <p:cSld>
     <p:spTree>
@@ -8363,7 +10599,7 @@
               <a:buNone/>
             </a:pPr>
             <a:r>
-              <a:t>Review: Analysis of Variance</a:t>
+              <a:t>C-sections, last six observations</a:t>
             </a:r>
           </a:p>
         </p:txBody>
@@ -8383,470 +10619,20 @@
           <a:bodyPr/>
           <a:lstStyle/>
           <a:p>
-            <a:pPr lvl="1"/>
-            <a14:m xmlns:a14="http://schemas.microsoft.com/office/drawing/2010/main">
-              <m:oMath xmlns:m="http://schemas.openxmlformats.org/officeDocument/2006/math">
-                <m:sSub>
-                  <m:sSubPr>
-                    <m:ctrlPr>
-                      <a:rPr>
-                        <a:latin typeface="Cambria Math" panose="02040503050406030204" pitchFamily="18" charset="0"/>
-                      </a:rPr>
-                    </m:ctrlPr>
-                  </m:sSubPr>
-                  <m:e>
-                    <m:r>
-                      <a:rPr>
-                        <a:latin typeface="Cambria Math" panose="02040503050406030204" pitchFamily="18" charset="0"/>
-                      </a:rPr>
-                      <m:t>𝐻</m:t>
-                    </m:r>
-                  </m:e>
-                  <m:sub>
-                    <m:r>
-                      <a:rPr>
-                        <a:latin typeface="Cambria Math" panose="02040503050406030204" pitchFamily="18" charset="0"/>
-                      </a:rPr>
-                      <m:t>0</m:t>
-                    </m:r>
-                  </m:sub>
-                </m:sSub>
-                <m:r>
-                  <a:rPr>
-                    <a:latin typeface="Cambria Math" panose="02040503050406030204" pitchFamily="18" charset="0"/>
-                  </a:rPr>
-                  <m:t>:</m:t>
-                </m:r>
-                <m:sSub>
-                  <m:sSubPr>
-                    <m:ctrlPr>
-                      <a:rPr i="1">
-                        <a:latin typeface="Cambria Math" panose="02040503050406030204" pitchFamily="18" charset="0"/>
-                      </a:rPr>
-                    </m:ctrlPr>
-                  </m:sSubPr>
-                  <m:e>
-                    <m:r>
-                      <a:rPr>
-                        <a:latin typeface="Cambria Math" panose="02040503050406030204" pitchFamily="18" charset="0"/>
-                      </a:rPr>
-                      <m:t>𝜇</m:t>
-                    </m:r>
-                  </m:e>
-                  <m:sub>
-                    <m:r>
-                      <a:rPr>
-                        <a:latin typeface="Cambria Math" panose="02040503050406030204" pitchFamily="18" charset="0"/>
-                      </a:rPr>
-                      <m:t>𝑖</m:t>
-                    </m:r>
-                  </m:sub>
-                </m:sSub>
-                <m:r>
-                  <a:rPr>
-                    <a:latin typeface="Cambria Math" panose="02040503050406030204" pitchFamily="18" charset="0"/>
-                  </a:rPr>
-                  <m:t>=</m:t>
-                </m:r>
-                <m:sSub>
-                  <m:sSubPr>
-                    <m:ctrlPr>
-                      <a:rPr i="1">
-                        <a:latin typeface="Cambria Math" panose="02040503050406030204" pitchFamily="18" charset="0"/>
-                      </a:rPr>
-                    </m:ctrlPr>
-                  </m:sSubPr>
-                  <m:e>
-                    <m:r>
-                      <a:rPr>
-                        <a:latin typeface="Cambria Math" panose="02040503050406030204" pitchFamily="18" charset="0"/>
-                      </a:rPr>
-                      <m:t>𝜇</m:t>
-                    </m:r>
-                  </m:e>
-                  <m:sub>
-                    <m:r>
-                      <a:rPr>
-                        <a:latin typeface="Cambria Math" panose="02040503050406030204" pitchFamily="18" charset="0"/>
-                      </a:rPr>
-                      <m:t>𝑗</m:t>
-                    </m:r>
-                  </m:sub>
-                </m:sSub>
-                <m:r>
-                  <a:rPr>
-                    <a:latin typeface="Cambria Math" panose="02040503050406030204" pitchFamily="18" charset="0"/>
-                  </a:rPr>
-                  <m:t> </m:t>
-                </m:r>
-                <m:r>
-                  <a:rPr>
-                    <a:latin typeface="Cambria Math" panose="02040503050406030204" pitchFamily="18" charset="0"/>
-                  </a:rPr>
-                  <m:t>𝑓𝑜𝑟</m:t>
-                </m:r>
-                <m:r>
-                  <a:rPr>
-                    <a:latin typeface="Cambria Math" panose="02040503050406030204" pitchFamily="18" charset="0"/>
-                  </a:rPr>
-                  <m:t> </m:t>
-                </m:r>
-                <m:r>
-                  <a:rPr>
-                    <a:latin typeface="Cambria Math" panose="02040503050406030204" pitchFamily="18" charset="0"/>
-                  </a:rPr>
-                  <m:t>𝑎𝑙𝑙</m:t>
-                </m:r>
-                <m:r>
-                  <a:rPr>
-                    <a:latin typeface="Cambria Math" panose="02040503050406030204" pitchFamily="18" charset="0"/>
-                  </a:rPr>
-                  <m:t> </m:t>
-                </m:r>
-                <m:r>
-                  <a:rPr>
-                    <a:latin typeface="Cambria Math" panose="02040503050406030204" pitchFamily="18" charset="0"/>
-                  </a:rPr>
-                  <m:t>𝑖</m:t>
-                </m:r>
-                <m:r>
-                  <a:rPr>
-                    <a:latin typeface="Cambria Math" panose="02040503050406030204" pitchFamily="18" charset="0"/>
-                  </a:rPr>
-                  <m:t>,</m:t>
-                </m:r>
-                <m:r>
-                  <a:rPr>
-                    <a:latin typeface="Cambria Math" panose="02040503050406030204" pitchFamily="18" charset="0"/>
-                  </a:rPr>
-                  <m:t>𝑗</m:t>
-                </m:r>
-              </m:oMath>
-            </a14:m>
-            <a:endParaRPr/>
-          </a:p>
-          <a:p>
-            <a:pPr lvl="1"/>
-            <a14:m xmlns:a14="http://schemas.microsoft.com/office/drawing/2010/main">
-              <m:oMath xmlns:m="http://schemas.openxmlformats.org/officeDocument/2006/math">
-                <m:sSub>
-                  <m:sSubPr>
-                    <m:ctrlPr>
-                      <a:rPr>
-                        <a:latin typeface="Cambria Math" panose="02040503050406030204" pitchFamily="18" charset="0"/>
-                      </a:rPr>
-                    </m:ctrlPr>
-                  </m:sSubPr>
-                  <m:e>
-                    <m:r>
-                      <a:rPr>
-                        <a:latin typeface="Cambria Math" panose="02040503050406030204" pitchFamily="18" charset="0"/>
-                      </a:rPr>
-                      <m:t>𝐻</m:t>
-                    </m:r>
-                  </m:e>
-                  <m:sub>
-                    <m:r>
-                      <a:rPr>
-                        <a:latin typeface="Cambria Math" panose="02040503050406030204" pitchFamily="18" charset="0"/>
-                      </a:rPr>
-                      <m:t>1</m:t>
-                    </m:r>
-                  </m:sub>
-                </m:sSub>
-                <m:r>
-                  <a:rPr>
-                    <a:latin typeface="Cambria Math" panose="02040503050406030204" pitchFamily="18" charset="0"/>
-                  </a:rPr>
-                  <m:t>:</m:t>
-                </m:r>
-                <m:sSub>
-                  <m:sSubPr>
-                    <m:ctrlPr>
-                      <a:rPr i="1">
-                        <a:latin typeface="Cambria Math" panose="02040503050406030204" pitchFamily="18" charset="0"/>
-                      </a:rPr>
-                    </m:ctrlPr>
-                  </m:sSubPr>
-                  <m:e>
-                    <m:r>
-                      <a:rPr>
-                        <a:latin typeface="Cambria Math" panose="02040503050406030204" pitchFamily="18" charset="0"/>
-                      </a:rPr>
-                      <m:t>𝜇</m:t>
-                    </m:r>
-                  </m:e>
-                  <m:sub>
-                    <m:r>
-                      <a:rPr>
-                        <a:latin typeface="Cambria Math" panose="02040503050406030204" pitchFamily="18" charset="0"/>
-                      </a:rPr>
-                      <m:t>𝑖</m:t>
-                    </m:r>
-                  </m:sub>
-                </m:sSub>
-                <m:r>
-                  <a:rPr>
-                    <a:latin typeface="Cambria Math" panose="02040503050406030204" pitchFamily="18" charset="0"/>
-                  </a:rPr>
-                  <m:t>≠</m:t>
-                </m:r>
-                <m:sSub>
-                  <m:sSubPr>
-                    <m:ctrlPr>
-                      <a:rPr i="1">
-                        <a:latin typeface="Cambria Math" panose="02040503050406030204" pitchFamily="18" charset="0"/>
-                      </a:rPr>
-                    </m:ctrlPr>
-                  </m:sSubPr>
-                  <m:e>
-                    <m:r>
-                      <a:rPr>
-                        <a:latin typeface="Cambria Math" panose="02040503050406030204" pitchFamily="18" charset="0"/>
-                      </a:rPr>
-                      <m:t>𝜇</m:t>
-                    </m:r>
-                  </m:e>
-                  <m:sub>
-                    <m:r>
-                      <a:rPr>
-                        <a:latin typeface="Cambria Math" panose="02040503050406030204" pitchFamily="18" charset="0"/>
-                      </a:rPr>
-                      <m:t>𝑗</m:t>
-                    </m:r>
-                  </m:sub>
-                </m:sSub>
-                <m:r>
-                  <a:rPr>
-                    <a:latin typeface="Cambria Math" panose="02040503050406030204" pitchFamily="18" charset="0"/>
-                  </a:rPr>
-                  <m:t> </m:t>
-                </m:r>
-                <m:r>
-                  <a:rPr>
-                    <a:latin typeface="Cambria Math" panose="02040503050406030204" pitchFamily="18" charset="0"/>
-                  </a:rPr>
-                  <m:t>𝑓𝑜𝑟</m:t>
-                </m:r>
-                <m:r>
-                  <a:rPr>
-                    <a:latin typeface="Cambria Math" panose="02040503050406030204" pitchFamily="18" charset="0"/>
-                  </a:rPr>
-                  <m:t> </m:t>
-                </m:r>
-                <m:r>
-                  <a:rPr>
-                    <a:latin typeface="Cambria Math" panose="02040503050406030204" pitchFamily="18" charset="0"/>
-                  </a:rPr>
-                  <m:t>𝑎𝑡</m:t>
-                </m:r>
-                <m:r>
-                  <a:rPr>
-                    <a:latin typeface="Cambria Math" panose="02040503050406030204" pitchFamily="18" charset="0"/>
-                  </a:rPr>
-                  <m:t> </m:t>
-                </m:r>
-                <m:r>
-                  <a:rPr>
-                    <a:latin typeface="Cambria Math" panose="02040503050406030204" pitchFamily="18" charset="0"/>
-                  </a:rPr>
-                  <m:t>𝑙𝑒𝑎𝑠𝑡</m:t>
-                </m:r>
-                <m:r>
-                  <a:rPr>
-                    <a:latin typeface="Cambria Math" panose="02040503050406030204" pitchFamily="18" charset="0"/>
-                  </a:rPr>
-                  <m:t> </m:t>
-                </m:r>
-                <m:r>
-                  <a:rPr>
-                    <a:latin typeface="Cambria Math" panose="02040503050406030204" pitchFamily="18" charset="0"/>
-                  </a:rPr>
-                  <m:t>𝑜𝑛𝑒</m:t>
-                </m:r>
-                <m:r>
-                  <a:rPr>
-                    <a:latin typeface="Cambria Math" panose="02040503050406030204" pitchFamily="18" charset="0"/>
-                  </a:rPr>
-                  <m:t> </m:t>
-                </m:r>
-                <m:r>
-                  <a:rPr>
-                    <a:latin typeface="Cambria Math" panose="02040503050406030204" pitchFamily="18" charset="0"/>
-                  </a:rPr>
-                  <m:t>𝑖</m:t>
-                </m:r>
-                <m:r>
-                  <a:rPr>
-                    <a:latin typeface="Cambria Math" panose="02040503050406030204" pitchFamily="18" charset="0"/>
-                  </a:rPr>
-                  <m:t>,</m:t>
-                </m:r>
-                <m:r>
-                  <a:rPr>
-                    <a:latin typeface="Cambria Math" panose="02040503050406030204" pitchFamily="18" charset="0"/>
-                  </a:rPr>
-                  <m:t>𝑗</m:t>
-                </m:r>
-              </m:oMath>
-            </a14:m>
-            <a:endParaRPr/>
-          </a:p>
-          <a:p>
-            <a:pPr lvl="2"/>
-            <a:r>
-              <a:t>Reject </a:t>
-            </a:r>
-            <a14:m xmlns:a14="http://schemas.microsoft.com/office/drawing/2010/main">
-              <m:oMath xmlns:m="http://schemas.openxmlformats.org/officeDocument/2006/math">
-                <m:sSub>
-                  <m:sSubPr>
-                    <m:ctrlPr>
-                      <a:rPr>
-                        <a:latin typeface="Cambria Math" panose="02040503050406030204" pitchFamily="18" charset="0"/>
-                      </a:rPr>
-                    </m:ctrlPr>
-                  </m:sSubPr>
-                  <m:e>
-                    <m:r>
-                      <a:rPr>
-                        <a:latin typeface="Cambria Math" panose="02040503050406030204" pitchFamily="18" charset="0"/>
-                      </a:rPr>
-                      <m:t>𝐻</m:t>
-                    </m:r>
-                  </m:e>
-                  <m:sub>
-                    <m:r>
-                      <a:rPr>
-                        <a:latin typeface="Cambria Math" panose="02040503050406030204" pitchFamily="18" charset="0"/>
-                      </a:rPr>
-                      <m:t>0</m:t>
-                    </m:r>
-                  </m:sub>
-                </m:sSub>
-              </m:oMath>
-            </a14:m>
-            <a:r>
-              <a:t> if </a:t>
-            </a:r>
-            <a14:m xmlns:a14="http://schemas.microsoft.com/office/drawing/2010/main">
-              <m:oMath xmlns:m="http://schemas.openxmlformats.org/officeDocument/2006/math">
-                <m:r>
-                  <a:rPr>
-                    <a:latin typeface="Cambria Math" panose="02040503050406030204" pitchFamily="18" charset="0"/>
-                  </a:rPr>
-                  <m:t>𝐹</m:t>
-                </m:r>
-                <m:r>
-                  <a:rPr>
-                    <a:latin typeface="Cambria Math" panose="02040503050406030204" pitchFamily="18" charset="0"/>
-                  </a:rPr>
-                  <m:t>=</m:t>
-                </m:r>
-                <m:f>
-                  <m:fPr>
-                    <m:ctrlPr>
-                      <a:rPr i="1">
-                        <a:latin typeface="Cambria Math" panose="02040503050406030204" pitchFamily="18" charset="0"/>
-                      </a:rPr>
-                    </m:ctrlPr>
-                  </m:fPr>
-                  <m:num>
-                    <m:r>
-                      <a:rPr>
-                        <a:latin typeface="Cambria Math" panose="02040503050406030204" pitchFamily="18" charset="0"/>
-                      </a:rPr>
-                      <m:t>𝑀𝑆𝑇𝑅</m:t>
-                    </m:r>
-                  </m:num>
-                  <m:den>
-                    <m:r>
-                      <a:rPr>
-                        <a:latin typeface="Cambria Math" panose="02040503050406030204" pitchFamily="18" charset="0"/>
-                      </a:rPr>
-                      <m:t>𝑀𝑆𝐸</m:t>
-                    </m:r>
-                  </m:den>
-                </m:f>
-                <m:r>
-                  <a:rPr>
-                    <a:latin typeface="Cambria Math" panose="02040503050406030204" pitchFamily="18" charset="0"/>
-                  </a:rPr>
-                  <m:t>&gt;</m:t>
-                </m:r>
-                <m:r>
-                  <a:rPr>
-                    <a:latin typeface="Cambria Math" panose="02040503050406030204" pitchFamily="18" charset="0"/>
-                  </a:rPr>
-                  <m:t>𝐹</m:t>
-                </m:r>
-                <m:d>
-                  <m:dPr>
-                    <m:ctrlPr>
-                      <a:rPr i="1">
-                        <a:latin typeface="Cambria Math" panose="02040503050406030204" pitchFamily="18" charset="0"/>
-                      </a:rPr>
-                    </m:ctrlPr>
-                  </m:dPr>
-                  <m:e>
-                    <m:r>
-                      <a:rPr>
-                        <a:latin typeface="Cambria Math" panose="02040503050406030204" pitchFamily="18" charset="0"/>
-                      </a:rPr>
-                      <m:t>1−</m:t>
-                    </m:r>
-                    <m:r>
-                      <a:rPr>
-                        <a:latin typeface="Cambria Math" panose="02040503050406030204" pitchFamily="18" charset="0"/>
-                      </a:rPr>
-                      <m:t>𝛼</m:t>
-                    </m:r>
-                    <m:r>
-                      <a:rPr>
-                        <a:latin typeface="Cambria Math" panose="02040503050406030204" pitchFamily="18" charset="0"/>
-                      </a:rPr>
-                      <m:t>,</m:t>
-                    </m:r>
-                    <m:r>
-                      <a:rPr>
-                        <a:latin typeface="Cambria Math" panose="02040503050406030204" pitchFamily="18" charset="0"/>
-                      </a:rPr>
-                      <m:t>𝑘</m:t>
-                    </m:r>
-                    <m:r>
-                      <a:rPr>
-                        <a:latin typeface="Cambria Math" panose="02040503050406030204" pitchFamily="18" charset="0"/>
-                      </a:rPr>
-                      <m:t>−1,</m:t>
-                    </m:r>
-                    <m:r>
-                      <a:rPr>
-                        <a:latin typeface="Cambria Math" panose="02040503050406030204" pitchFamily="18" charset="0"/>
-                      </a:rPr>
-                      <m:t>𝑁</m:t>
-                    </m:r>
-                    <m:r>
-                      <a:rPr>
-                        <a:latin typeface="Cambria Math" panose="02040503050406030204" pitchFamily="18" charset="0"/>
-                      </a:rPr>
-                      <m:t>−</m:t>
-                    </m:r>
-                    <m:r>
-                      <a:rPr>
-                        <a:latin typeface="Cambria Math" panose="02040503050406030204" pitchFamily="18" charset="0"/>
-                      </a:rPr>
-                      <m:t>𝑘</m:t>
-                    </m:r>
-                  </m:e>
-                </m:d>
-              </m:oMath>
-            </a14:m>
-            <a:endParaRPr/>
-          </a:p>
-          <a:p>
-            <a:pPr lvl="2"/>
-            <a:r>
-              <a:t>Apply post hoc test (e.g., Tukey)</a:t>
+            <a:pPr lvl="0" indent="0">
+              <a:buNone/>
+            </a:pPr>
+            <a:r>
+              <a:rPr>
+                <a:latin typeface="Courier"/>
+              </a:rPr>
+              <a:t>   group c_sections births prob
+24    3G          1     11 0.09
+25    1L          2     10 0.20
+26    1I          1      8 0.12
+27    1P          0      3 0.00
+28    1F          0      3 0.00
+29    1S          1      3 0.33</a:t>
             </a:r>
           </a:p>
         </p:txBody>
@@ -8859,7 +10645,7 @@
 </p:sld>
 </file>
 
-<file path=ppt/slides/slide30.xml><?xml version="1.0" encoding="utf-8"?>
+<file path=ppt/slides/slide38.xml><?xml version="1.0" encoding="utf-8"?>
 <p:sld xmlns:a="http://schemas.openxmlformats.org/drawingml/2006/main" xmlns:r="http://schemas.openxmlformats.org/officeDocument/2006/relationships" xmlns:p="http://schemas.openxmlformats.org/presentationml/2006/main">
   <p:cSld>
     <p:spTree>
@@ -8895,7 +10681,7 @@
               <a:buNone/>
             </a:pPr>
             <a:r>
-              <a:t>Preliminary plot</a:t>
+              <a:t>C-sections, preliminary plot</a:t>
             </a:r>
           </a:p>
         </p:txBody>
@@ -8916,8 +10702,8 @@
         </p:blipFill>
         <p:spPr bwMode="auto">
           <a:xfrm>
-            <a:off x="609600" y="1600200"/>
-            <a:ext cx="7912100" cy="4521200"/>
+            <a:off x="1066800" y="1600200"/>
+            <a:ext cx="7023100" cy="4013200"/>
           </a:xfrm>
           <a:prstGeom prst="rect">
             <a:avLst/>
@@ -8930,6 +10716,35 @@
           </a:ln>
         </p:spPr>
       </p:pic>
+      <p:sp>
+        <p:nvSpPr>
+          <p:cNvPr id="4" name="TextBox 3"/>
+          <p:cNvSpPr txBox="1"/>
+          <p:nvPr/>
+        </p:nvSpPr>
+        <p:spPr>
+          <a:xfrm>
+            <a:off x="457200" y="5613400"/>
+            <a:ext cx="8229600" cy="508000"/>
+          </a:xfrm>
+          <a:prstGeom prst="rect">
+            <a:avLst/>
+          </a:prstGeom>
+          <a:noFill/>
+        </p:spPr>
+        <p:txBody>
+          <a:bodyPr/>
+          <a:lstStyle/>
+          <a:p>
+            <a:pPr marL="0" lvl="0" indent="0" algn="ctr">
+              <a:buNone/>
+            </a:pPr>
+            <a:r>
+              <a:t>Figure 19. Plot of C-section proportions</a:t>
+            </a:r>
+          </a:p>
+        </p:txBody>
+      </p:sp>
     </p:spTree>
   </p:cSld>
   <p:clrMapOvr>
@@ -8938,7 +10753,7 @@
 </p:sld>
 </file>
 
-<file path=ppt/slides/slide31.xml><?xml version="1.0" encoding="utf-8"?>
+<file path=ppt/slides/slide39.xml><?xml version="1.0" encoding="utf-8"?>
 <p:sld xmlns:a="http://schemas.openxmlformats.org/drawingml/2006/main" xmlns:r="http://schemas.openxmlformats.org/officeDocument/2006/relationships" xmlns:p="http://schemas.openxmlformats.org/presentationml/2006/main">
   <p:cSld>
     <p:spTree>
@@ -8974,7 +10789,7 @@
               <a:buNone/>
             </a:pPr>
             <a:r>
-              <a:t>Plot limits</a:t>
+              <a:t>C-sections, plot with ANOM limits</a:t>
             </a:r>
           </a:p>
         </p:txBody>
@@ -8995,8 +10810,8 @@
         </p:blipFill>
         <p:spPr bwMode="auto">
           <a:xfrm>
-            <a:off x="609600" y="1600200"/>
-            <a:ext cx="7912100" cy="4521200"/>
+            <a:off x="1066800" y="1600200"/>
+            <a:ext cx="7023100" cy="4013200"/>
           </a:xfrm>
           <a:prstGeom prst="rect">
             <a:avLst/>
@@ -9009,6 +10824,35 @@
           </a:ln>
         </p:spPr>
       </p:pic>
+      <p:sp>
+        <p:nvSpPr>
+          <p:cNvPr id="4" name="TextBox 3"/>
+          <p:cNvSpPr txBox="1"/>
+          <p:nvPr/>
+        </p:nvSpPr>
+        <p:spPr>
+          <a:xfrm>
+            <a:off x="457200" y="5613400"/>
+            <a:ext cx="8229600" cy="508000"/>
+          </a:xfrm>
+          <a:prstGeom prst="rect">
+            <a:avLst/>
+          </a:prstGeom>
+          <a:noFill/>
+        </p:spPr>
+        <p:txBody>
+          <a:bodyPr/>
+          <a:lstStyle/>
+          <a:p>
+            <a:pPr marL="0" lvl="0" indent="0" algn="ctr">
+              <a:buNone/>
+            </a:pPr>
+            <a:r>
+              <a:t>Figure 20. Plot of C-secton proportions with ANOM limits</a:t>
+            </a:r>
+          </a:p>
+        </p:txBody>
+      </p:sp>
     </p:spTree>
   </p:cSld>
   <p:clrMapOvr>
@@ -9017,7 +10861,7 @@
 </p:sld>
 </file>
 
-<file path=ppt/slides/slide32.xml><?xml version="1.0" encoding="utf-8"?>
+<file path=ppt/slides/slide4.xml><?xml version="1.0" encoding="utf-8"?>
 <p:sld xmlns:a="http://schemas.openxmlformats.org/drawingml/2006/main" xmlns:r="http://schemas.openxmlformats.org/officeDocument/2006/relationships" xmlns:p="http://schemas.openxmlformats.org/presentationml/2006/main">
   <p:cSld>
     <p:spTree>
@@ -9053,47 +10897,66 @@
               <a:buNone/>
             </a:pPr>
             <a:r>
-              <a:t>Examining rates</a:t>
-            </a:r>
-          </a:p>
-        </p:txBody>
-      </p:sp>
-      <p:sp>
-        <p:nvSpPr>
-          <p:cNvPr id="3" name="Content Placeholder 2"/>
-          <p:cNvSpPr>
-            <a:spLocks noGrp="1"/>
-          </p:cNvSpPr>
-          <p:nvPr>
-            <p:ph idx="1"/>
-          </p:nvPr>
-        </p:nvSpPr>
-        <p:spPr/>
-        <p:txBody>
-          <a:bodyPr/>
-          <a:lstStyle/>
-          <a:p>
-            <a:pPr lvl="0" indent="0">
-              <a:buNone/>
-            </a:pPr>
-            <a:r>
-              <a:rPr>
-                <a:latin typeface="Courier"/>
-              </a:rPr>
-              <a:t>##   clinic cat_scans members
-## 1      1        50  26.838
-## 2      2        71  26.895
-## 3      3        41  26.142
-## 4      4        62  25.907
-## 5      5        89  26.565</a:t>
-            </a:r>
-          </a:p>
-          <a:p>
-            <a:pPr marL="0" lvl="0" indent="0">
-              <a:buNone/>
-            </a:pPr>
-            <a:r>
-              <a:t>There are 313 CAT scans and 132.347 thousand members across all clinics, providing an overall rate of 2.36 scans per thousand patients.</a:t>
+              <a:t>ANOM example: Physician referrals</a:t>
+            </a:r>
+          </a:p>
+        </p:txBody>
+      </p:sp>
+      <p:pic>
+        <p:nvPicPr>
+          <p:cNvPr id="3" name="Picture 1" descr="images/anom-example-referral.png"/>
+          <p:cNvPicPr>
+            <a:picLocks noGrp="1" noChangeAspect="1"/>
+          </p:cNvPicPr>
+          <p:nvPr/>
+        </p:nvPicPr>
+        <p:blipFill>
+          <a:blip r:embed="rId3"/>
+          <a:stretch>
+            <a:fillRect/>
+          </a:stretch>
+        </p:blipFill>
+        <p:spPr bwMode="auto">
+          <a:xfrm>
+            <a:off x="457200" y="1612900"/>
+            <a:ext cx="8229600" cy="4000500"/>
+          </a:xfrm>
+          <a:prstGeom prst="rect">
+            <a:avLst/>
+          </a:prstGeom>
+          <a:noFill/>
+          <a:ln w="9525">
+            <a:noFill/>
+            <a:headEnd/>
+            <a:tailEnd/>
+          </a:ln>
+        </p:spPr>
+      </p:pic>
+      <p:sp>
+        <p:nvSpPr>
+          <p:cNvPr id="4" name="TextBox 3"/>
+          <p:cNvSpPr txBox="1"/>
+          <p:nvPr/>
+        </p:nvSpPr>
+        <p:spPr>
+          <a:xfrm>
+            <a:off x="457200" y="5613400"/>
+            <a:ext cx="8229600" cy="508000"/>
+          </a:xfrm>
+          <a:prstGeom prst="rect">
+            <a:avLst/>
+          </a:prstGeom>
+          <a:noFill/>
+        </p:spPr>
+        <p:txBody>
+          <a:bodyPr/>
+          <a:lstStyle/>
+          <a:p>
+            <a:pPr marL="0" lvl="0" indent="0" algn="ctr">
+              <a:buNone/>
+            </a:pPr>
+            <a:r>
+              <a:t>Figure 2. Excerpt from research article</a:t>
             </a:r>
           </a:p>
         </p:txBody>
@@ -9106,7 +10969,7 @@
 </p:sld>
 </file>
 
-<file path=ppt/slides/slide33.xml><?xml version="1.0" encoding="utf-8"?>
+<file path=ppt/slides/slide40.xml><?xml version="1.0" encoding="utf-8"?>
 <p:sld xmlns:a="http://schemas.openxmlformats.org/drawingml/2006/main" xmlns:r="http://schemas.openxmlformats.org/officeDocument/2006/relationships" xmlns:p="http://schemas.openxmlformats.org/presentationml/2006/main">
   <p:cSld>
     <p:spTree>
@@ -9142,7 +11005,269 @@
               <a:buNone/>
             </a:pPr>
             <a:r>
-              <a:t>Plot of rates</a:t>
+              <a:t>CAT scans</a:t>
+            </a:r>
+          </a:p>
+        </p:txBody>
+      </p:sp>
+      <p:pic>
+        <p:nvPicPr>
+          <p:cNvPr id="3" name="Picture 1" descr="images/cat-scan.jpg"/>
+          <p:cNvPicPr>
+            <a:picLocks noGrp="1" noChangeAspect="1"/>
+          </p:cNvPicPr>
+          <p:nvPr/>
+        </p:nvPicPr>
+        <p:blipFill>
+          <a:blip r:embed="rId3"/>
+          <a:stretch>
+            <a:fillRect/>
+          </a:stretch>
+        </p:blipFill>
+        <p:spPr bwMode="auto">
+          <a:xfrm>
+            <a:off x="2032000" y="1600200"/>
+            <a:ext cx="5092700" cy="4013200"/>
+          </a:xfrm>
+          <a:prstGeom prst="rect">
+            <a:avLst/>
+          </a:prstGeom>
+          <a:noFill/>
+          <a:ln w="9525">
+            <a:noFill/>
+            <a:headEnd/>
+            <a:tailEnd/>
+          </a:ln>
+        </p:spPr>
+      </p:pic>
+      <p:sp>
+        <p:nvSpPr>
+          <p:cNvPr id="4" name="TextBox 3"/>
+          <p:cNvSpPr txBox="1"/>
+          <p:nvPr/>
+        </p:nvSpPr>
+        <p:spPr>
+          <a:xfrm>
+            <a:off x="457200" y="5613400"/>
+            <a:ext cx="8229600" cy="508000"/>
+          </a:xfrm>
+          <a:prstGeom prst="rect">
+            <a:avLst/>
+          </a:prstGeom>
+          <a:noFill/>
+        </p:spPr>
+        <p:txBody>
+          <a:bodyPr/>
+          <a:lstStyle/>
+          <a:p>
+            <a:pPr marL="0" lvl="0" indent="0" algn="ctr">
+              <a:buNone/>
+            </a:pPr>
+            <a:r>
+              <a:t>Figure 21. Image of CAT scan machine</a:t>
+            </a:r>
+          </a:p>
+        </p:txBody>
+      </p:sp>
+    </p:spTree>
+  </p:cSld>
+  <p:clrMapOvr>
+    <a:masterClrMapping/>
+  </p:clrMapOvr>
+</p:sld>
+</file>
+
+<file path=ppt/slides/slide41.xml><?xml version="1.0" encoding="utf-8"?>
+<p:sld xmlns:a="http://schemas.openxmlformats.org/drawingml/2006/main" xmlns:r="http://schemas.openxmlformats.org/officeDocument/2006/relationships" xmlns:p="http://schemas.openxmlformats.org/presentationml/2006/main">
+  <p:cSld>
+    <p:spTree>
+      <p:nvGrpSpPr>
+        <p:cNvPr id="1" name=""/>
+        <p:cNvGrpSpPr/>
+        <p:nvPr/>
+      </p:nvGrpSpPr>
+      <p:grpSpPr>
+        <a:xfrm>
+          <a:off x="0" y="0"/>
+          <a:ext cx="0" cy="0"/>
+          <a:chOff x="0" y="0"/>
+          <a:chExt cx="0" cy="0"/>
+        </a:xfrm>
+      </p:grpSpPr>
+      <p:sp>
+        <p:nvSpPr>
+          <p:cNvPr id="2" name="Title 1"/>
+          <p:cNvSpPr>
+            <a:spLocks noGrp="1"/>
+          </p:cNvSpPr>
+          <p:nvPr>
+            <p:ph type="title"/>
+          </p:nvPr>
+        </p:nvSpPr>
+        <p:spPr/>
+        <p:txBody>
+          <a:bodyPr/>
+          <a:lstStyle/>
+          <a:p>
+            <a:pPr marL="0" lvl="0" indent="0">
+              <a:buNone/>
+            </a:pPr>
+            <a:r>
+              <a:t>Cat scans, raw data</a:t>
+            </a:r>
+          </a:p>
+        </p:txBody>
+      </p:sp>
+      <p:sp>
+        <p:nvSpPr>
+          <p:cNvPr id="3" name="Content Placeholder 2"/>
+          <p:cNvSpPr>
+            <a:spLocks noGrp="1"/>
+          </p:cNvSpPr>
+          <p:nvPr>
+            <p:ph idx="1"/>
+          </p:nvPr>
+        </p:nvSpPr>
+        <p:spPr/>
+        <p:txBody>
+          <a:bodyPr/>
+          <a:lstStyle/>
+          <a:p>
+            <a:pPr lvl="0" indent="0">
+              <a:buNone/>
+            </a:pPr>
+            <a:r>
+              <a:rPr>
+                <a:latin typeface="Courier"/>
+              </a:rPr>
+              <a:t>  cat_scans members rate
+1        50  26.838 1.86
+2        71  26.895 2.64
+3        41  26.142 1.57
+4        62  25.907 2.39
+5        89  26.565 3.35</a:t>
+            </a:r>
+          </a:p>
+        </p:txBody>
+      </p:sp>
+    </p:spTree>
+  </p:cSld>
+  <p:clrMapOvr>
+    <a:masterClrMapping/>
+  </p:clrMapOvr>
+</p:sld>
+</file>
+
+<file path=ppt/slides/slide42.xml><?xml version="1.0" encoding="utf-8"?>
+<p:sld xmlns:a="http://schemas.openxmlformats.org/drawingml/2006/main" xmlns:r="http://schemas.openxmlformats.org/officeDocument/2006/relationships" xmlns:p="http://schemas.openxmlformats.org/presentationml/2006/main">
+  <p:cSld>
+    <p:spTree>
+      <p:nvGrpSpPr>
+        <p:cNvPr id="1" name=""/>
+        <p:cNvGrpSpPr/>
+        <p:nvPr/>
+      </p:nvGrpSpPr>
+      <p:grpSpPr>
+        <a:xfrm>
+          <a:off x="0" y="0"/>
+          <a:ext cx="0" cy="0"/>
+          <a:chOff x="0" y="0"/>
+          <a:chExt cx="0" cy="0"/>
+        </a:xfrm>
+      </p:grpSpPr>
+      <p:sp>
+        <p:nvSpPr>
+          <p:cNvPr id="2" name="Title 1"/>
+          <p:cNvSpPr>
+            <a:spLocks noGrp="1"/>
+          </p:cNvSpPr>
+          <p:nvPr>
+            <p:ph type="title"/>
+          </p:nvPr>
+        </p:nvSpPr>
+        <p:spPr/>
+        <p:txBody>
+          <a:bodyPr/>
+          <a:lstStyle/>
+          <a:p>
+            <a:pPr marL="0" lvl="0" indent="0">
+              <a:buNone/>
+            </a:pPr>
+            <a:r>
+              <a:t>CAT scans, overall rates</a:t>
+            </a:r>
+          </a:p>
+        </p:txBody>
+      </p:sp>
+      <p:sp>
+        <p:nvSpPr>
+          <p:cNvPr id="3" name="Content Placeholder 2"/>
+          <p:cNvSpPr>
+            <a:spLocks noGrp="1"/>
+          </p:cNvSpPr>
+          <p:nvPr>
+            <p:ph idx="1"/>
+          </p:nvPr>
+        </p:nvSpPr>
+        <p:spPr/>
+        <p:txBody>
+          <a:bodyPr/>
+          <a:lstStyle/>
+          <a:p>
+            <a:pPr marL="0" lvl="0" indent="0">
+              <a:buNone/>
+            </a:pPr>
+            <a:r>
+              <a:t>There are 313 CAT scans and 132.347 thousand members across all clinics, providing an overall rate of 2.36 scans per thousand patients.</a:t>
+            </a:r>
+          </a:p>
+        </p:txBody>
+      </p:sp>
+    </p:spTree>
+  </p:cSld>
+  <p:clrMapOvr>
+    <a:masterClrMapping/>
+  </p:clrMapOvr>
+</p:sld>
+</file>
+
+<file path=ppt/slides/slide43.xml><?xml version="1.0" encoding="utf-8"?>
+<p:sld xmlns:a="http://schemas.openxmlformats.org/drawingml/2006/main" xmlns:r="http://schemas.openxmlformats.org/officeDocument/2006/relationships" xmlns:p="http://schemas.openxmlformats.org/presentationml/2006/main">
+  <p:cSld>
+    <p:spTree>
+      <p:nvGrpSpPr>
+        <p:cNvPr id="1" name=""/>
+        <p:cNvGrpSpPr/>
+        <p:nvPr/>
+      </p:nvGrpSpPr>
+      <p:grpSpPr>
+        <a:xfrm>
+          <a:off x="0" y="0"/>
+          <a:ext cx="0" cy="0"/>
+          <a:chOff x="0" y="0"/>
+          <a:chExt cx="0" cy="0"/>
+        </a:xfrm>
+      </p:grpSpPr>
+      <p:sp>
+        <p:nvSpPr>
+          <p:cNvPr id="2" name="Title 1"/>
+          <p:cNvSpPr>
+            <a:spLocks noGrp="1"/>
+          </p:cNvSpPr>
+          <p:nvPr>
+            <p:ph type="title"/>
+          </p:nvPr>
+        </p:nvSpPr>
+        <p:spPr/>
+        <p:txBody>
+          <a:bodyPr/>
+          <a:lstStyle/>
+          <a:p>
+            <a:pPr marL="0" lvl="0" indent="0">
+              <a:buNone/>
+            </a:pPr>
+            <a:r>
+              <a:t>CAT scans, plot of rates</a:t>
             </a:r>
           </a:p>
         </p:txBody>
@@ -9163,8 +11288,8 @@
         </p:blipFill>
         <p:spPr bwMode="auto">
           <a:xfrm>
-            <a:off x="609600" y="1600200"/>
-            <a:ext cx="7912100" cy="4521200"/>
+            <a:off x="1066800" y="1600200"/>
+            <a:ext cx="7023100" cy="4013200"/>
           </a:xfrm>
           <a:prstGeom prst="rect">
             <a:avLst/>
@@ -9177,6 +11302,35 @@
           </a:ln>
         </p:spPr>
       </p:pic>
+      <p:sp>
+        <p:nvSpPr>
+          <p:cNvPr id="4" name="TextBox 3"/>
+          <p:cNvSpPr txBox="1"/>
+          <p:nvPr/>
+        </p:nvSpPr>
+        <p:spPr>
+          <a:xfrm>
+            <a:off x="457200" y="5613400"/>
+            <a:ext cx="8229600" cy="508000"/>
+          </a:xfrm>
+          <a:prstGeom prst="rect">
+            <a:avLst/>
+          </a:prstGeom>
+          <a:noFill/>
+        </p:spPr>
+        <p:txBody>
+          <a:bodyPr/>
+          <a:lstStyle/>
+          <a:p>
+            <a:pPr marL="0" lvl="0" indent="0" algn="ctr">
+              <a:buNone/>
+            </a:pPr>
+            <a:r>
+              <a:t>Figure 22. Plot of CAT scan utilization rates</a:t>
+            </a:r>
+          </a:p>
+        </p:txBody>
+      </p:sp>
     </p:spTree>
   </p:cSld>
   <p:clrMapOvr>
@@ -9185,7 +11339,7 @@
 </p:sld>
 </file>
 
-<file path=ppt/slides/slide34.xml><?xml version="1.0" encoding="utf-8"?>
+<file path=ppt/slides/slide44.xml><?xml version="1.0" encoding="utf-8"?>
 <p:sld xmlns:a="http://schemas.openxmlformats.org/drawingml/2006/main" xmlns:r="http://schemas.openxmlformats.org/officeDocument/2006/relationships" xmlns:p="http://schemas.openxmlformats.org/presentationml/2006/main">
   <p:cSld>
     <p:spTree>
@@ -9221,7 +11375,7 @@
               <a:buNone/>
             </a:pPr>
             <a:r>
-              <a:t>ANOM limits for Poisson rates</a:t>
+              <a:t>Analysis of means for rates</a:t>
             </a:r>
           </a:p>
         </p:txBody>
@@ -9582,7 +11736,7 @@
           <a:p>
             <a:pPr lvl="2"/>
             <a:r>
-              <a:t>This clinic’s CAT scan rate is not differnt from the overall CAT scan rate.</a:t>
+              <a:t>This clinic’s CAT scan rate is not different from the overall CAT scan rate.</a:t>
             </a:r>
           </a:p>
         </p:txBody>
@@ -9595,7 +11749,7 @@
 </p:sld>
 </file>
 
-<file path=ppt/slides/slide35.xml><?xml version="1.0" encoding="utf-8"?>
+<file path=ppt/slides/slide45.xml><?xml version="1.0" encoding="utf-8"?>
 <p:sld xmlns:a="http://schemas.openxmlformats.org/drawingml/2006/main" xmlns:r="http://schemas.openxmlformats.org/officeDocument/2006/relationships" xmlns:p="http://schemas.openxmlformats.org/presentationml/2006/main">
   <p:cSld>
     <p:spTree>
@@ -9631,7 +11785,7 @@
               <a:buNone/>
             </a:pPr>
             <a:r>
-              <a:t>Graphical display of ANOM limits</a:t>
+              <a:t>CAT scans, display with ANOM limits</a:t>
             </a:r>
           </a:p>
         </p:txBody>
@@ -9652,8 +11806,8 @@
         </p:blipFill>
         <p:spPr bwMode="auto">
           <a:xfrm>
-            <a:off x="609600" y="1600200"/>
-            <a:ext cx="7912100" cy="4521200"/>
+            <a:off x="1066800" y="1600200"/>
+            <a:ext cx="7023100" cy="4013200"/>
           </a:xfrm>
           <a:prstGeom prst="rect">
             <a:avLst/>
@@ -9666,6 +11820,35 @@
           </a:ln>
         </p:spPr>
       </p:pic>
+      <p:sp>
+        <p:nvSpPr>
+          <p:cNvPr id="4" name="TextBox 3"/>
+          <p:cNvSpPr txBox="1"/>
+          <p:nvPr/>
+        </p:nvSpPr>
+        <p:spPr>
+          <a:xfrm>
+            <a:off x="457200" y="5613400"/>
+            <a:ext cx="8229600" cy="508000"/>
+          </a:xfrm>
+          <a:prstGeom prst="rect">
+            <a:avLst/>
+          </a:prstGeom>
+          <a:noFill/>
+        </p:spPr>
+        <p:txBody>
+          <a:bodyPr/>
+          <a:lstStyle/>
+          <a:p>
+            <a:pPr marL="0" lvl="0" indent="0" algn="ctr">
+              <a:buNone/>
+            </a:pPr>
+            <a:r>
+              <a:t>Figure 23. Plot of CAT scan utilization rates with ANOM limits</a:t>
+            </a:r>
+          </a:p>
+        </p:txBody>
+      </p:sp>
     </p:spTree>
   </p:cSld>
   <p:clrMapOvr>
@@ -9674,7 +11857,7 @@
 </p:sld>
 </file>
 
-<file path=ppt/slides/slide36.xml><?xml version="1.0" encoding="utf-8"?>
+<file path=ppt/slides/slide46.xml><?xml version="1.0" encoding="utf-8"?>
 <p:sld xmlns:a="http://schemas.openxmlformats.org/drawingml/2006/main" xmlns:r="http://schemas.openxmlformats.org/officeDocument/2006/relationships" xmlns:p="http://schemas.openxmlformats.org/presentationml/2006/main">
   <p:cSld>
     <p:spTree>
@@ -9775,7 +11958,7 @@
 </p:sld>
 </file>
 
-<file path=ppt/slides/slide37.xml><?xml version="1.0" encoding="utf-8"?>
+<file path=ppt/slides/slide47.xml><?xml version="1.0" encoding="utf-8"?>
 <p:sld xmlns:a="http://schemas.openxmlformats.org/drawingml/2006/main" xmlns:r="http://schemas.openxmlformats.org/officeDocument/2006/relationships" xmlns:p="http://schemas.openxmlformats.org/presentationml/2006/main">
   <p:cSld>
     <p:spTree>
@@ -9833,7 +12016,7 @@
           <a:p>
             <a:pPr lvl="1"/>
             <a:r>
-              <a:t>ANOM using ranks</a:t>
+              <a:t>ANOM using the range instead of the standard deviation</a:t>
             </a:r>
           </a:p>
           <a:p>
@@ -9864,7 +12047,7 @@
 </p:sld>
 </file>
 
-<file path=ppt/slides/slide38.xml><?xml version="1.0" encoding="utf-8"?>
+<file path=ppt/slides/slide48.xml><?xml version="1.0" encoding="utf-8"?>
 <p:sld xmlns:a="http://schemas.openxmlformats.org/drawingml/2006/main" xmlns:r="http://schemas.openxmlformats.org/officeDocument/2006/relationships" xmlns:p="http://schemas.openxmlformats.org/presentationml/2006/main">
   <p:cSld>
     <p:spTree>
@@ -9971,7 +12154,7 @@
 </p:sld>
 </file>
 
-<file path=ppt/slides/slide39.xml><?xml version="1.0" encoding="utf-8"?>
+<file path=ppt/slides/slide49.xml><?xml version="1.0" encoding="utf-8"?>
 <p:sld xmlns:a="http://schemas.openxmlformats.org/drawingml/2006/main" xmlns:r="http://schemas.openxmlformats.org/officeDocument/2006/relationships" xmlns:p="http://schemas.openxmlformats.org/presentationml/2006/main">
   <p:cSld>
     <p:spTree>
@@ -10054,215 +12237,6 @@
             <a:pPr lvl="2"/>
             <a:r>
               <a:t>for a reward or punishment system</a:t>
-            </a:r>
-          </a:p>
-        </p:txBody>
-      </p:sp>
-    </p:spTree>
-  </p:cSld>
-  <p:clrMapOvr>
-    <a:masterClrMapping/>
-  </p:clrMapOvr>
-</p:sld>
-</file>
-
-<file path=ppt/slides/slide4.xml><?xml version="1.0" encoding="utf-8"?>
-<p:sld xmlns:a="http://schemas.openxmlformats.org/drawingml/2006/main" xmlns:r="http://schemas.openxmlformats.org/officeDocument/2006/relationships" xmlns:p="http://schemas.openxmlformats.org/presentationml/2006/main">
-  <p:cSld>
-    <p:spTree>
-      <p:nvGrpSpPr>
-        <p:cNvPr id="1" name=""/>
-        <p:cNvGrpSpPr/>
-        <p:nvPr/>
-      </p:nvGrpSpPr>
-      <p:grpSpPr>
-        <a:xfrm>
-          <a:off x="0" y="0"/>
-          <a:ext cx="0" cy="0"/>
-          <a:chOff x="0" y="0"/>
-          <a:chExt cx="0" cy="0"/>
-        </a:xfrm>
-      </p:grpSpPr>
-      <p:sp>
-        <p:nvSpPr>
-          <p:cNvPr id="2" name="Title 1"/>
-          <p:cNvSpPr>
-            <a:spLocks noGrp="1"/>
-          </p:cNvSpPr>
-          <p:nvPr>
-            <p:ph type="title"/>
-          </p:nvPr>
-        </p:nvSpPr>
-        <p:spPr/>
-        <p:txBody>
-          <a:bodyPr/>
-          <a:lstStyle/>
-          <a:p>
-            <a:pPr marL="0" lvl="0" indent="0">
-              <a:buNone/>
-            </a:pPr>
-            <a:r>
-              <a:t>Interpretation issues with ANOVA (1/4)</a:t>
-            </a:r>
-          </a:p>
-        </p:txBody>
-      </p:sp>
-      <p:pic>
-        <p:nvPicPr>
-          <p:cNvPr id="3" name="Picture 1" descr="images/touching-intervals.png"/>
-          <p:cNvPicPr>
-            <a:picLocks noGrp="1" noChangeAspect="1"/>
-          </p:cNvPicPr>
-          <p:nvPr/>
-        </p:nvPicPr>
-        <p:blipFill>
-          <a:blip r:embed="rId3"/>
-          <a:stretch>
-            <a:fillRect/>
-          </a:stretch>
-        </p:blipFill>
-        <p:spPr bwMode="auto">
-          <a:xfrm>
-            <a:off x="457200" y="1981200"/>
-            <a:ext cx="8229600" cy="3238500"/>
-          </a:xfrm>
-          <a:prstGeom prst="rect">
-            <a:avLst/>
-          </a:prstGeom>
-          <a:noFill/>
-          <a:ln w="9525">
-            <a:noFill/>
-            <a:headEnd/>
-            <a:tailEnd/>
-          </a:ln>
-        </p:spPr>
-      </p:pic>
-      <p:sp>
-        <p:nvSpPr>
-          <p:cNvPr id="4" name="TextBox 3"/>
-          <p:cNvSpPr txBox="1"/>
-          <p:nvPr/>
-        </p:nvSpPr>
-        <p:spPr>
-          <a:xfrm>
-            <a:off x="457200" y="5613400"/>
-            <a:ext cx="8229600" cy="508000"/>
-          </a:xfrm>
-          <a:prstGeom prst="rect">
-            <a:avLst/>
-          </a:prstGeom>
-          <a:noFill/>
-        </p:spPr>
-        <p:txBody>
-          <a:bodyPr/>
-          <a:lstStyle/>
-          <a:p>
-            <a:pPr marL="0" lvl="0" indent="0" algn="ctr">
-              <a:buNone/>
-            </a:pPr>
-            <a:r>
-              <a:t>Figure 1. Individual confidence intervals in an ANOVA setting</a:t>
-            </a:r>
-          </a:p>
-        </p:txBody>
-      </p:sp>
-    </p:spTree>
-  </p:cSld>
-  <p:clrMapOvr>
-    <a:masterClrMapping/>
-  </p:clrMapOvr>
-</p:sld>
-</file>
-
-<file path=ppt/slides/slide40.xml><?xml version="1.0" encoding="utf-8"?>
-<p:sld xmlns:a="http://schemas.openxmlformats.org/drawingml/2006/main" xmlns:r="http://schemas.openxmlformats.org/officeDocument/2006/relationships" xmlns:p="http://schemas.openxmlformats.org/presentationml/2006/main">
-  <p:cSld>
-    <p:spTree>
-      <p:nvGrpSpPr>
-        <p:cNvPr id="1" name=""/>
-        <p:cNvGrpSpPr/>
-        <p:nvPr/>
-      </p:nvGrpSpPr>
-      <p:grpSpPr>
-        <a:xfrm>
-          <a:off x="0" y="0"/>
-          <a:ext cx="0" cy="0"/>
-          <a:chOff x="0" y="0"/>
-          <a:chExt cx="0" cy="0"/>
-        </a:xfrm>
-      </p:grpSpPr>
-      <p:sp>
-        <p:nvSpPr>
-          <p:cNvPr id="2" name="Title 1"/>
-          <p:cNvSpPr>
-            <a:spLocks noGrp="1"/>
-          </p:cNvSpPr>
-          <p:nvPr>
-            <p:ph type="title"/>
-          </p:nvPr>
-        </p:nvSpPr>
-        <p:spPr/>
-        <p:txBody>
-          <a:bodyPr/>
-          <a:lstStyle/>
-          <a:p>
-            <a:pPr marL="0" lvl="0" indent="0">
-              <a:buNone/>
-            </a:pPr>
-            <a:r>
-              <a:t>Conclusions</a:t>
-            </a:r>
-          </a:p>
-        </p:txBody>
-      </p:sp>
-      <p:sp>
-        <p:nvSpPr>
-          <p:cNvPr id="3" name="Content Placeholder 2"/>
-          <p:cNvSpPr>
-            <a:spLocks noGrp="1"/>
-          </p:cNvSpPr>
-          <p:nvPr>
-            <p:ph idx="1"/>
-          </p:nvPr>
-        </p:nvSpPr>
-        <p:spPr/>
-        <p:txBody>
-          <a:bodyPr/>
-          <a:lstStyle/>
-          <a:p>
-            <a:pPr lvl="1"/>
-            <a:r>
-              <a:t>ANOM compares each group mean to the overall mean</a:t>
-            </a:r>
-          </a:p>
-          <a:p>
-            <a:pPr lvl="2"/>
-            <a:r>
-              <a:t>It can be applied for proportions or counts as well</a:t>
-            </a:r>
-          </a:p>
-          <a:p>
-            <a:pPr lvl="2"/>
-            <a:r>
-              <a:t>It has a simple interpretation</a:t>
-            </a:r>
-          </a:p>
-          <a:p>
-            <a:pPr lvl="2"/>
-            <a:r>
-              <a:t>It has a simple graphical display</a:t>
-            </a:r>
-          </a:p>
-          <a:p>
-            <a:pPr lvl="2"/>
-            <a:r>
-              <a:t>Useful for some but not all research settings</a:t>
-            </a:r>
-          </a:p>
-          <a:p>
-            <a:pPr lvl="1"/>
-            <a:r>
-              <a:t>Questions?</a:t>
             </a:r>
           </a:p>
         </p:txBody>
@@ -10311,14 +12285,14 @@
               <a:buNone/>
             </a:pPr>
             <a:r>
-              <a:t>Interpretation issues with ANOVA (2/4)</a:t>
+              <a:t>ANOM example: Laboratory assays</a:t>
             </a:r>
           </a:p>
         </p:txBody>
       </p:sp>
       <p:pic>
         <p:nvPicPr>
-          <p:cNvPr id="3" name="Picture 1" descr="images/anova-interpretation.png"/>
+          <p:cNvPr id="3" name="Picture 1" descr="images/anom-example-selenium.png"/>
           <p:cNvPicPr>
             <a:picLocks noGrp="1" noChangeAspect="1"/>
           </p:cNvPicPr>
@@ -10332,8 +12306,8 @@
         </p:blipFill>
         <p:spPr bwMode="auto">
           <a:xfrm>
-            <a:off x="609600" y="1600200"/>
-            <a:ext cx="7912100" cy="4521200"/>
+            <a:off x="723900" y="1600200"/>
+            <a:ext cx="7696200" cy="4013200"/>
           </a:xfrm>
           <a:prstGeom prst="rect">
             <a:avLst/>
@@ -10346,6 +12320,460 @@
           </a:ln>
         </p:spPr>
       </p:pic>
+      <p:sp>
+        <p:nvSpPr>
+          <p:cNvPr id="4" name="TextBox 3"/>
+          <p:cNvSpPr txBox="1"/>
+          <p:nvPr/>
+        </p:nvSpPr>
+        <p:spPr>
+          <a:xfrm>
+            <a:off x="457200" y="5613400"/>
+            <a:ext cx="8229600" cy="508000"/>
+          </a:xfrm>
+          <a:prstGeom prst="rect">
+            <a:avLst/>
+          </a:prstGeom>
+          <a:noFill/>
+        </p:spPr>
+        <p:txBody>
+          <a:bodyPr/>
+          <a:lstStyle/>
+          <a:p>
+            <a:pPr marL="0" lvl="0" indent="0" algn="ctr">
+              <a:buNone/>
+            </a:pPr>
+            <a:r>
+              <a:t>Figure 3. Excerpt from research article</a:t>
+            </a:r>
+          </a:p>
+        </p:txBody>
+      </p:sp>
+    </p:spTree>
+  </p:cSld>
+  <p:clrMapOvr>
+    <a:masterClrMapping/>
+  </p:clrMapOvr>
+</p:sld>
+</file>
+
+<file path=ppt/slides/slide50.xml><?xml version="1.0" encoding="utf-8"?>
+<p:sld xmlns:a="http://schemas.openxmlformats.org/drawingml/2006/main" xmlns:r="http://schemas.openxmlformats.org/officeDocument/2006/relationships" xmlns:p="http://schemas.openxmlformats.org/presentationml/2006/main">
+  <p:cSld>
+    <p:spTree>
+      <p:nvGrpSpPr>
+        <p:cNvPr id="1" name=""/>
+        <p:cNvGrpSpPr/>
+        <p:nvPr/>
+      </p:nvGrpSpPr>
+      <p:grpSpPr>
+        <a:xfrm>
+          <a:off x="0" y="0"/>
+          <a:ext cx="0" cy="0"/>
+          <a:chOff x="0" y="0"/>
+          <a:chExt cx="0" cy="0"/>
+        </a:xfrm>
+      </p:grpSpPr>
+      <p:sp>
+        <p:nvSpPr>
+          <p:cNvPr id="2" name="Title 1"/>
+          <p:cNvSpPr>
+            <a:spLocks noGrp="1"/>
+          </p:cNvSpPr>
+          <p:nvPr>
+            <p:ph type="title"/>
+          </p:nvPr>
+        </p:nvSpPr>
+        <p:spPr/>
+        <p:txBody>
+          <a:bodyPr/>
+          <a:lstStyle/>
+          <a:p>
+            <a:pPr marL="0" lvl="0" indent="0">
+              <a:buNone/>
+            </a:pPr>
+            <a:r>
+              <a:t>Resources, Nelson et al</a:t>
+            </a:r>
+          </a:p>
+        </p:txBody>
+      </p:sp>
+      <p:pic>
+        <p:nvPicPr>
+          <p:cNvPr id="3" name="Picture 1" descr="images/nelson-book.png"/>
+          <p:cNvPicPr>
+            <a:picLocks noGrp="1" noChangeAspect="1"/>
+          </p:cNvPicPr>
+          <p:nvPr/>
+        </p:nvPicPr>
+        <p:blipFill>
+          <a:blip r:embed="rId3"/>
+          <a:stretch>
+            <a:fillRect/>
+          </a:stretch>
+        </p:blipFill>
+        <p:spPr bwMode="auto">
+          <a:xfrm>
+            <a:off x="3149600" y="1600200"/>
+            <a:ext cx="2844800" cy="4013200"/>
+          </a:xfrm>
+          <a:prstGeom prst="rect">
+            <a:avLst/>
+          </a:prstGeom>
+          <a:noFill/>
+          <a:ln w="9525">
+            <a:noFill/>
+            <a:headEnd/>
+            <a:tailEnd/>
+          </a:ln>
+        </p:spPr>
+      </p:pic>
+      <p:sp>
+        <p:nvSpPr>
+          <p:cNvPr id="4" name="TextBox 3"/>
+          <p:cNvSpPr txBox="1"/>
+          <p:nvPr/>
+        </p:nvSpPr>
+        <p:spPr>
+          <a:xfrm>
+            <a:off x="457200" y="5613400"/>
+            <a:ext cx="8229600" cy="508000"/>
+          </a:xfrm>
+          <a:prstGeom prst="rect">
+            <a:avLst/>
+          </a:prstGeom>
+          <a:noFill/>
+        </p:spPr>
+        <p:txBody>
+          <a:bodyPr/>
+          <a:lstStyle/>
+          <a:p>
+            <a:pPr marL="0" lvl="0" indent="0" algn="ctr">
+              <a:buNone/>
+            </a:pPr>
+            <a:r>
+              <a:t>Figure 24. Front cover of Nelson et al</a:t>
+            </a:r>
+          </a:p>
+        </p:txBody>
+      </p:sp>
+    </p:spTree>
+  </p:cSld>
+  <p:clrMapOvr>
+    <a:masterClrMapping/>
+  </p:clrMapOvr>
+</p:sld>
+</file>
+
+<file path=ppt/slides/slide51.xml><?xml version="1.0" encoding="utf-8"?>
+<p:sld xmlns:a="http://schemas.openxmlformats.org/drawingml/2006/main" xmlns:r="http://schemas.openxmlformats.org/officeDocument/2006/relationships" xmlns:p="http://schemas.openxmlformats.org/presentationml/2006/main">
+  <p:cSld>
+    <p:spTree>
+      <p:nvGrpSpPr>
+        <p:cNvPr id="1" name=""/>
+        <p:cNvGrpSpPr/>
+        <p:nvPr/>
+      </p:nvGrpSpPr>
+      <p:grpSpPr>
+        <a:xfrm>
+          <a:off x="0" y="0"/>
+          <a:ext cx="0" cy="0"/>
+          <a:chOff x="0" y="0"/>
+          <a:chExt cx="0" cy="0"/>
+        </a:xfrm>
+      </p:grpSpPr>
+      <p:sp>
+        <p:nvSpPr>
+          <p:cNvPr id="2" name="Title 1"/>
+          <p:cNvSpPr>
+            <a:spLocks noGrp="1"/>
+          </p:cNvSpPr>
+          <p:nvPr>
+            <p:ph type="title"/>
+          </p:nvPr>
+        </p:nvSpPr>
+        <p:spPr/>
+        <p:txBody>
+          <a:bodyPr/>
+          <a:lstStyle/>
+          <a:p>
+            <a:pPr marL="0" lvl="0" indent="0">
+              <a:buNone/>
+            </a:pPr>
+            <a:r>
+              <a:t>Resources, SAS</a:t>
+            </a:r>
+          </a:p>
+        </p:txBody>
+      </p:sp>
+      <p:pic>
+        <p:nvPicPr>
+          <p:cNvPr id="3" name="Picture 1" descr="images/sas-book.png"/>
+          <p:cNvPicPr>
+            <a:picLocks noGrp="1" noChangeAspect="1"/>
+          </p:cNvPicPr>
+          <p:nvPr/>
+        </p:nvPicPr>
+        <p:blipFill>
+          <a:blip r:embed="rId3"/>
+          <a:stretch>
+            <a:fillRect/>
+          </a:stretch>
+        </p:blipFill>
+        <p:spPr bwMode="auto">
+          <a:xfrm>
+            <a:off x="3035300" y="1600200"/>
+            <a:ext cx="3086100" cy="4013200"/>
+          </a:xfrm>
+          <a:prstGeom prst="rect">
+            <a:avLst/>
+          </a:prstGeom>
+          <a:noFill/>
+          <a:ln w="9525">
+            <a:noFill/>
+            <a:headEnd/>
+            <a:tailEnd/>
+          </a:ln>
+        </p:spPr>
+      </p:pic>
+      <p:sp>
+        <p:nvSpPr>
+          <p:cNvPr id="4" name="TextBox 3"/>
+          <p:cNvSpPr txBox="1"/>
+          <p:nvPr/>
+        </p:nvSpPr>
+        <p:spPr>
+          <a:xfrm>
+            <a:off x="457200" y="5613400"/>
+            <a:ext cx="8229600" cy="508000"/>
+          </a:xfrm>
+          <a:prstGeom prst="rect">
+            <a:avLst/>
+          </a:prstGeom>
+          <a:noFill/>
+        </p:spPr>
+        <p:txBody>
+          <a:bodyPr/>
+          <a:lstStyle/>
+          <a:p>
+            <a:pPr marL="0" lvl="0" indent="0" algn="ctr">
+              <a:buNone/>
+            </a:pPr>
+            <a:r>
+              <a:t>Figure 25. Front cover of SAS manual</a:t>
+            </a:r>
+          </a:p>
+        </p:txBody>
+      </p:sp>
+    </p:spTree>
+  </p:cSld>
+  <p:clrMapOvr>
+    <a:masterClrMapping/>
+  </p:clrMapOvr>
+</p:sld>
+</file>
+
+<file path=ppt/slides/slide52.xml><?xml version="1.0" encoding="utf-8"?>
+<p:sld xmlns:a="http://schemas.openxmlformats.org/drawingml/2006/main" xmlns:r="http://schemas.openxmlformats.org/officeDocument/2006/relationships" xmlns:p="http://schemas.openxmlformats.org/presentationml/2006/main">
+  <p:cSld>
+    <p:spTree>
+      <p:nvGrpSpPr>
+        <p:cNvPr id="1" name=""/>
+        <p:cNvGrpSpPr/>
+        <p:nvPr/>
+      </p:nvGrpSpPr>
+      <p:grpSpPr>
+        <a:xfrm>
+          <a:off x="0" y="0"/>
+          <a:ext cx="0" cy="0"/>
+          <a:chOff x="0" y="0"/>
+          <a:chExt cx="0" cy="0"/>
+        </a:xfrm>
+      </p:grpSpPr>
+      <p:sp>
+        <p:nvSpPr>
+          <p:cNvPr id="2" name="Title 1"/>
+          <p:cNvSpPr>
+            <a:spLocks noGrp="1"/>
+          </p:cNvSpPr>
+          <p:nvPr>
+            <p:ph type="title"/>
+          </p:nvPr>
+        </p:nvSpPr>
+        <p:spPr/>
+        <p:txBody>
+          <a:bodyPr/>
+          <a:lstStyle/>
+          <a:p>
+            <a:pPr marL="0" lvl="0" indent="0">
+              <a:buNone/>
+            </a:pPr>
+            <a:r>
+              <a:t>Resources, R</a:t>
+            </a:r>
+          </a:p>
+        </p:txBody>
+      </p:sp>
+      <p:pic>
+        <p:nvPicPr>
+          <p:cNvPr id="3" name="Picture 1" descr="images/r-vignette.png"/>
+          <p:cNvPicPr>
+            <a:picLocks noGrp="1" noChangeAspect="1"/>
+          </p:cNvPicPr>
+          <p:nvPr/>
+        </p:nvPicPr>
+        <p:blipFill>
+          <a:blip r:embed="rId3"/>
+          <a:stretch>
+            <a:fillRect/>
+          </a:stretch>
+        </p:blipFill>
+        <p:spPr bwMode="auto">
+          <a:xfrm>
+            <a:off x="457200" y="1676400"/>
+            <a:ext cx="8229600" cy="3848100"/>
+          </a:xfrm>
+          <a:prstGeom prst="rect">
+            <a:avLst/>
+          </a:prstGeom>
+          <a:noFill/>
+          <a:ln w="9525">
+            <a:noFill/>
+            <a:headEnd/>
+            <a:tailEnd/>
+          </a:ln>
+        </p:spPr>
+      </p:pic>
+      <p:sp>
+        <p:nvSpPr>
+          <p:cNvPr id="4" name="TextBox 3"/>
+          <p:cNvSpPr txBox="1"/>
+          <p:nvPr/>
+        </p:nvSpPr>
+        <p:spPr>
+          <a:xfrm>
+            <a:off x="457200" y="5613400"/>
+            <a:ext cx="8229600" cy="508000"/>
+          </a:xfrm>
+          <a:prstGeom prst="rect">
+            <a:avLst/>
+          </a:prstGeom>
+          <a:noFill/>
+        </p:spPr>
+        <p:txBody>
+          <a:bodyPr/>
+          <a:lstStyle/>
+          <a:p>
+            <a:pPr marL="0" lvl="0" indent="0" algn="ctr">
+              <a:buNone/>
+            </a:pPr>
+            <a:r>
+              <a:t>Figure 26. Front page of R vignette on ANOM</a:t>
+            </a:r>
+          </a:p>
+        </p:txBody>
+      </p:sp>
+    </p:spTree>
+  </p:cSld>
+  <p:clrMapOvr>
+    <a:masterClrMapping/>
+  </p:clrMapOvr>
+</p:sld>
+</file>
+
+<file path=ppt/slides/slide53.xml><?xml version="1.0" encoding="utf-8"?>
+<p:sld xmlns:a="http://schemas.openxmlformats.org/drawingml/2006/main" xmlns:r="http://schemas.openxmlformats.org/officeDocument/2006/relationships" xmlns:p="http://schemas.openxmlformats.org/presentationml/2006/main">
+  <p:cSld>
+    <p:spTree>
+      <p:nvGrpSpPr>
+        <p:cNvPr id="1" name=""/>
+        <p:cNvGrpSpPr/>
+        <p:nvPr/>
+      </p:nvGrpSpPr>
+      <p:grpSpPr>
+        <a:xfrm>
+          <a:off x="0" y="0"/>
+          <a:ext cx="0" cy="0"/>
+          <a:chOff x="0" y="0"/>
+          <a:chExt cx="0" cy="0"/>
+        </a:xfrm>
+      </p:grpSpPr>
+      <p:sp>
+        <p:nvSpPr>
+          <p:cNvPr id="2" name="Title 1"/>
+          <p:cNvSpPr>
+            <a:spLocks noGrp="1"/>
+          </p:cNvSpPr>
+          <p:nvPr>
+            <p:ph type="title"/>
+          </p:nvPr>
+        </p:nvSpPr>
+        <p:spPr/>
+        <p:txBody>
+          <a:bodyPr/>
+          <a:lstStyle/>
+          <a:p>
+            <a:pPr marL="0" lvl="0" indent="0">
+              <a:buNone/>
+            </a:pPr>
+            <a:r>
+              <a:t>Conclusions</a:t>
+            </a:r>
+          </a:p>
+        </p:txBody>
+      </p:sp>
+      <p:sp>
+        <p:nvSpPr>
+          <p:cNvPr id="3" name="Content Placeholder 2"/>
+          <p:cNvSpPr>
+            <a:spLocks noGrp="1"/>
+          </p:cNvSpPr>
+          <p:nvPr>
+            <p:ph idx="1"/>
+          </p:nvPr>
+        </p:nvSpPr>
+        <p:spPr/>
+        <p:txBody>
+          <a:bodyPr/>
+          <a:lstStyle/>
+          <a:p>
+            <a:pPr lvl="1"/>
+            <a:r>
+              <a:t>ANOM compares each group mean to the overall mean</a:t>
+            </a:r>
+          </a:p>
+          <a:p>
+            <a:pPr lvl="2"/>
+            <a:r>
+              <a:t>It can be applied for proportions or counts as well</a:t>
+            </a:r>
+          </a:p>
+          <a:p>
+            <a:pPr lvl="2"/>
+            <a:r>
+              <a:t>It has a simple interpretation</a:t>
+            </a:r>
+          </a:p>
+          <a:p>
+            <a:pPr lvl="2"/>
+            <a:r>
+              <a:t>It has a simple graphical display</a:t>
+            </a:r>
+          </a:p>
+          <a:p>
+            <a:pPr lvl="2"/>
+            <a:r>
+              <a:t>Useful for some but not all research settings</a:t>
+            </a:r>
+          </a:p>
+          <a:p>
+            <a:pPr lvl="1"/>
+            <a:r>
+              <a:t>Questions?</a:t>
+            </a:r>
+          </a:p>
+        </p:txBody>
+      </p:sp>
     </p:spTree>
   </p:cSld>
   <p:clrMapOvr>
@@ -10390,14 +12818,14 @@
               <a:buNone/>
             </a:pPr>
             <a:r>
-              <a:t>Interpretation issues with ANOVA (3/4)</a:t>
+              <a:t>Illustrating ANOVA with strength study</a:t>
             </a:r>
           </a:p>
         </p:txBody>
       </p:sp>
       <p:pic>
         <p:nvPicPr>
-          <p:cNvPr id="3" name="Picture 1" descr="images/tukey-intervals.png"/>
+          <p:cNvPr id="3" name="Picture 1" descr="images/strength-measurement.jpg"/>
           <p:cNvPicPr>
             <a:picLocks noGrp="1" noChangeAspect="1"/>
           </p:cNvPicPr>
@@ -10411,8 +12839,8 @@
         </p:blipFill>
         <p:spPr bwMode="auto">
           <a:xfrm>
-            <a:off x="457200" y="1981200"/>
-            <a:ext cx="8229600" cy="3263900"/>
+            <a:off x="1905000" y="1600200"/>
+            <a:ext cx="5334000" cy="4013200"/>
           </a:xfrm>
           <a:prstGeom prst="rect">
             <a:avLst/>
@@ -10449,7 +12877,7 @@
               <a:buNone/>
             </a:pPr>
             <a:r>
-              <a:t>Figure 3. Tukey confidence intervals in an ANOVA setting</a:t>
+              <a:t>Figure 4. Laboratory measurement of material strength</a:t>
             </a:r>
           </a:p>
         </p:txBody>
@@ -10498,14 +12926,14 @@
               <a:buNone/>
             </a:pPr>
             <a:r>
-              <a:t>Interpretation issues with ANOVA (4/4)</a:t>
+              <a:t>Strength study, descriptive statistics</a:t>
             </a:r>
           </a:p>
         </p:txBody>
       </p:sp>
       <p:pic>
         <p:nvPicPr>
-          <p:cNvPr id="3" name="Picture 1" descr="images/tukey-graph.png"/>
+          <p:cNvPr id="3" name="Picture 1" descr="images/strength-means.png"/>
           <p:cNvPicPr>
             <a:picLocks noGrp="1" noChangeAspect="1"/>
           </p:cNvPicPr>
@@ -10519,8 +12947,8 @@
         </p:blipFill>
         <p:spPr bwMode="auto">
           <a:xfrm>
-            <a:off x="1562100" y="1600200"/>
-            <a:ext cx="6007100" cy="4013200"/>
+            <a:off x="457200" y="1778000"/>
+            <a:ext cx="8229600" cy="3670300"/>
           </a:xfrm>
           <a:prstGeom prst="rect">
             <a:avLst/>
@@ -10557,7 +12985,7 @@
               <a:buNone/>
             </a:pPr>
             <a:r>
-              <a:t>Figure 4. Graphical display of Tukey intervals</a:t>
+              <a:t>Figure 5. Means and standard deviations from strength study</a:t>
             </a:r>
           </a:p>
         </p:txBody>
@@ -10606,29 +13034,29 @@
               <a:buNone/>
             </a:pPr>
             <a:r>
-              <a:t>Review: control charts (1/2)</a:t>
+              <a:t>Strength study, individual confidence intervals</a:t>
             </a:r>
           </a:p>
         </p:txBody>
       </p:sp>
       <p:pic>
         <p:nvPicPr>
-          <p:cNvPr id="3" name="Picture 1" descr="anom-talk_files/figure-pptx/qc-example-1.png"/>
+          <p:cNvPr id="3" name="Picture 1" descr="images/anova-interpretation.png"/>
           <p:cNvPicPr>
             <a:picLocks noGrp="1" noChangeAspect="1"/>
           </p:cNvPicPr>
           <p:nvPr/>
         </p:nvPicPr>
         <p:blipFill>
-          <a:blip r:embed="rId2"/>
+          <a:blip r:embed="rId3"/>
           <a:stretch>
             <a:fillRect/>
           </a:stretch>
         </p:blipFill>
         <p:spPr bwMode="auto">
           <a:xfrm>
-            <a:off x="609600" y="1600200"/>
-            <a:ext cx="7912100" cy="4521200"/>
+            <a:off x="457200" y="2730500"/>
+            <a:ext cx="8229600" cy="1765300"/>
           </a:xfrm>
           <a:prstGeom prst="rect">
             <a:avLst/>
@@ -10641,6 +13069,35 @@
           </a:ln>
         </p:spPr>
       </p:pic>
+      <p:sp>
+        <p:nvSpPr>
+          <p:cNvPr id="4" name="TextBox 3"/>
+          <p:cNvSpPr txBox="1"/>
+          <p:nvPr/>
+        </p:nvSpPr>
+        <p:spPr>
+          <a:xfrm>
+            <a:off x="457200" y="5613400"/>
+            <a:ext cx="8229600" cy="508000"/>
+          </a:xfrm>
+          <a:prstGeom prst="rect">
+            <a:avLst/>
+          </a:prstGeom>
+          <a:noFill/>
+        </p:spPr>
+        <p:txBody>
+          <a:bodyPr/>
+          <a:lstStyle/>
+          <a:p>
+            <a:pPr marL="0" lvl="0" indent="0" algn="ctr">
+              <a:buNone/>
+            </a:pPr>
+            <a:r>
+              <a:t>Figure 6. Display of individual confidence intervals</a:t>
+            </a:r>
+          </a:p>
+        </p:txBody>
+      </p:sp>
     </p:spTree>
   </p:cSld>
   <p:clrMapOvr>
@@ -10668,6 +13125,30 @@
       </p:grpSpPr>
       <p:sp>
         <p:nvSpPr>
+          <p:cNvPr id="2" name="Title 1"/>
+          <p:cNvSpPr>
+            <a:spLocks noGrp="1"/>
+          </p:cNvSpPr>
+          <p:nvPr>
+            <p:ph type="title"/>
+          </p:nvPr>
+        </p:nvSpPr>
+        <p:spPr/>
+        <p:txBody>
+          <a:bodyPr/>
+          <a:lstStyle/>
+          <a:p>
+            <a:pPr marL="0" lvl="0" indent="0">
+              <a:buNone/>
+            </a:pPr>
+            <a:r>
+              <a:t>Analysis of Variance hypotheses</a:t>
+            </a:r>
+          </a:p>
+        </p:txBody>
+      </p:sp>
+      <p:sp>
+        <p:nvSpPr>
           <p:cNvPr id="3" name="Content Placeholder 2"/>
           <p:cNvSpPr>
             <a:spLocks noGrp="1"/>
@@ -10681,22 +13162,314 @@
           <a:bodyPr/>
           <a:lstStyle/>
           <a:p>
-            <a:pPr marL="0" lvl="0" indent="0">
-              <a:buNone/>
-            </a:pPr>
+            <a:pPr lvl="1"/>
+            <a14:m xmlns:a14="http://schemas.microsoft.com/office/drawing/2010/main">
+              <m:oMath xmlns:m="http://schemas.openxmlformats.org/officeDocument/2006/math">
+                <m:sSub>
+                  <m:sSubPr>
+                    <m:ctrlPr>
+                      <a:rPr>
+                        <a:latin typeface="Cambria Math" panose="02040503050406030204" pitchFamily="18" charset="0"/>
+                      </a:rPr>
+                    </m:ctrlPr>
+                  </m:sSubPr>
+                  <m:e>
+                    <m:r>
+                      <a:rPr>
+                        <a:latin typeface="Cambria Math" panose="02040503050406030204" pitchFamily="18" charset="0"/>
+                      </a:rPr>
+                      <m:t>𝐻</m:t>
+                    </m:r>
+                  </m:e>
+                  <m:sub>
+                    <m:r>
+                      <a:rPr>
+                        <a:latin typeface="Cambria Math" panose="02040503050406030204" pitchFamily="18" charset="0"/>
+                      </a:rPr>
+                      <m:t>0</m:t>
+                    </m:r>
+                  </m:sub>
+                </m:sSub>
+                <m:r>
+                  <a:rPr>
+                    <a:latin typeface="Cambria Math" panose="02040503050406030204" pitchFamily="18" charset="0"/>
+                  </a:rPr>
+                  <m:t>:</m:t>
+                </m:r>
+                <m:sSub>
+                  <m:sSubPr>
+                    <m:ctrlPr>
+                      <a:rPr i="1">
+                        <a:latin typeface="Cambria Math" panose="02040503050406030204" pitchFamily="18" charset="0"/>
+                      </a:rPr>
+                    </m:ctrlPr>
+                  </m:sSubPr>
+                  <m:e>
+                    <m:r>
+                      <a:rPr>
+                        <a:latin typeface="Cambria Math" panose="02040503050406030204" pitchFamily="18" charset="0"/>
+                      </a:rPr>
+                      <m:t>𝜇</m:t>
+                    </m:r>
+                  </m:e>
+                  <m:sub>
+                    <m:r>
+                      <a:rPr>
+                        <a:latin typeface="Cambria Math" panose="02040503050406030204" pitchFamily="18" charset="0"/>
+                      </a:rPr>
+                      <m:t>𝑖</m:t>
+                    </m:r>
+                  </m:sub>
+                </m:sSub>
+                <m:r>
+                  <a:rPr>
+                    <a:latin typeface="Cambria Math" panose="02040503050406030204" pitchFamily="18" charset="0"/>
+                  </a:rPr>
+                  <m:t>=</m:t>
+                </m:r>
+                <m:sSub>
+                  <m:sSubPr>
+                    <m:ctrlPr>
+                      <a:rPr i="1">
+                        <a:latin typeface="Cambria Math" panose="02040503050406030204" pitchFamily="18" charset="0"/>
+                      </a:rPr>
+                    </m:ctrlPr>
+                  </m:sSubPr>
+                  <m:e>
+                    <m:r>
+                      <a:rPr>
+                        <a:latin typeface="Cambria Math" panose="02040503050406030204" pitchFamily="18" charset="0"/>
+                      </a:rPr>
+                      <m:t>𝜇</m:t>
+                    </m:r>
+                  </m:e>
+                  <m:sub>
+                    <m:r>
+                      <a:rPr>
+                        <a:latin typeface="Cambria Math" panose="02040503050406030204" pitchFamily="18" charset="0"/>
+                      </a:rPr>
+                      <m:t>𝑗</m:t>
+                    </m:r>
+                  </m:sub>
+                </m:sSub>
+                <m:r>
+                  <a:rPr>
+                    <a:latin typeface="Cambria Math" panose="02040503050406030204" pitchFamily="18" charset="0"/>
+                  </a:rPr>
+                  <m:t> </m:t>
+                </m:r>
+                <m:r>
+                  <a:rPr>
+                    <a:latin typeface="Cambria Math" panose="02040503050406030204" pitchFamily="18" charset="0"/>
+                  </a:rPr>
+                  <m:t>𝑓𝑜𝑟</m:t>
+                </m:r>
+                <m:r>
+                  <a:rPr>
+                    <a:latin typeface="Cambria Math" panose="02040503050406030204" pitchFamily="18" charset="0"/>
+                  </a:rPr>
+                  <m:t> </m:t>
+                </m:r>
+                <m:r>
+                  <a:rPr>
+                    <a:latin typeface="Cambria Math" panose="02040503050406030204" pitchFamily="18" charset="0"/>
+                  </a:rPr>
+                  <m:t>𝑎𝑙𝑙</m:t>
+                </m:r>
+                <m:r>
+                  <a:rPr>
+                    <a:latin typeface="Cambria Math" panose="02040503050406030204" pitchFamily="18" charset="0"/>
+                  </a:rPr>
+                  <m:t> </m:t>
+                </m:r>
+                <m:r>
+                  <a:rPr>
+                    <a:latin typeface="Cambria Math" panose="02040503050406030204" pitchFamily="18" charset="0"/>
+                  </a:rPr>
+                  <m:t>𝑖</m:t>
+                </m:r>
+                <m:r>
+                  <a:rPr>
+                    <a:latin typeface="Cambria Math" panose="02040503050406030204" pitchFamily="18" charset="0"/>
+                  </a:rPr>
+                  <m:t>,</m:t>
+                </m:r>
+                <m:r>
+                  <a:rPr>
+                    <a:latin typeface="Cambria Math" panose="02040503050406030204" pitchFamily="18" charset="0"/>
+                  </a:rPr>
+                  <m:t>𝑗</m:t>
+                </m:r>
+              </m:oMath>
+            </a14:m>
             <a:endParaRPr/>
           </a:p>
           <a:p>
-            <a:pPr lvl="0" indent="0">
-              <a:buNone/>
-            </a:pPr>
-            <a:r>
-              <a:rPr>
-                <a:latin typeface="Courier"/>
-              </a:rPr>
-              <a:t>## png 
-##   2</a:t>
-            </a:r>
+            <a:pPr lvl="1"/>
+            <a14:m xmlns:a14="http://schemas.microsoft.com/office/drawing/2010/main">
+              <m:oMath xmlns:m="http://schemas.openxmlformats.org/officeDocument/2006/math">
+                <m:sSub>
+                  <m:sSubPr>
+                    <m:ctrlPr>
+                      <a:rPr>
+                        <a:latin typeface="Cambria Math" panose="02040503050406030204" pitchFamily="18" charset="0"/>
+                      </a:rPr>
+                    </m:ctrlPr>
+                  </m:sSubPr>
+                  <m:e>
+                    <m:r>
+                      <a:rPr>
+                        <a:latin typeface="Cambria Math" panose="02040503050406030204" pitchFamily="18" charset="0"/>
+                      </a:rPr>
+                      <m:t>𝐻</m:t>
+                    </m:r>
+                  </m:e>
+                  <m:sub>
+                    <m:r>
+                      <a:rPr>
+                        <a:latin typeface="Cambria Math" panose="02040503050406030204" pitchFamily="18" charset="0"/>
+                      </a:rPr>
+                      <m:t>1</m:t>
+                    </m:r>
+                  </m:sub>
+                </m:sSub>
+                <m:r>
+                  <a:rPr>
+                    <a:latin typeface="Cambria Math" panose="02040503050406030204" pitchFamily="18" charset="0"/>
+                  </a:rPr>
+                  <m:t>:</m:t>
+                </m:r>
+                <m:sSub>
+                  <m:sSubPr>
+                    <m:ctrlPr>
+                      <a:rPr i="1">
+                        <a:latin typeface="Cambria Math" panose="02040503050406030204" pitchFamily="18" charset="0"/>
+                      </a:rPr>
+                    </m:ctrlPr>
+                  </m:sSubPr>
+                  <m:e>
+                    <m:r>
+                      <a:rPr>
+                        <a:latin typeface="Cambria Math" panose="02040503050406030204" pitchFamily="18" charset="0"/>
+                      </a:rPr>
+                      <m:t>𝜇</m:t>
+                    </m:r>
+                  </m:e>
+                  <m:sub>
+                    <m:r>
+                      <a:rPr>
+                        <a:latin typeface="Cambria Math" panose="02040503050406030204" pitchFamily="18" charset="0"/>
+                      </a:rPr>
+                      <m:t>𝑖</m:t>
+                    </m:r>
+                  </m:sub>
+                </m:sSub>
+                <m:r>
+                  <a:rPr>
+                    <a:latin typeface="Cambria Math" panose="02040503050406030204" pitchFamily="18" charset="0"/>
+                  </a:rPr>
+                  <m:t>≠</m:t>
+                </m:r>
+                <m:sSub>
+                  <m:sSubPr>
+                    <m:ctrlPr>
+                      <a:rPr i="1">
+                        <a:latin typeface="Cambria Math" panose="02040503050406030204" pitchFamily="18" charset="0"/>
+                      </a:rPr>
+                    </m:ctrlPr>
+                  </m:sSubPr>
+                  <m:e>
+                    <m:r>
+                      <a:rPr>
+                        <a:latin typeface="Cambria Math" panose="02040503050406030204" pitchFamily="18" charset="0"/>
+                      </a:rPr>
+                      <m:t>𝜇</m:t>
+                    </m:r>
+                  </m:e>
+                  <m:sub>
+                    <m:r>
+                      <a:rPr>
+                        <a:latin typeface="Cambria Math" panose="02040503050406030204" pitchFamily="18" charset="0"/>
+                      </a:rPr>
+                      <m:t>𝑗</m:t>
+                    </m:r>
+                  </m:sub>
+                </m:sSub>
+                <m:r>
+                  <a:rPr>
+                    <a:latin typeface="Cambria Math" panose="02040503050406030204" pitchFamily="18" charset="0"/>
+                  </a:rPr>
+                  <m:t> </m:t>
+                </m:r>
+                <m:r>
+                  <a:rPr>
+                    <a:latin typeface="Cambria Math" panose="02040503050406030204" pitchFamily="18" charset="0"/>
+                  </a:rPr>
+                  <m:t>𝑓𝑜𝑟</m:t>
+                </m:r>
+                <m:r>
+                  <a:rPr>
+                    <a:latin typeface="Cambria Math" panose="02040503050406030204" pitchFamily="18" charset="0"/>
+                  </a:rPr>
+                  <m:t> </m:t>
+                </m:r>
+                <m:r>
+                  <a:rPr>
+                    <a:latin typeface="Cambria Math" panose="02040503050406030204" pitchFamily="18" charset="0"/>
+                  </a:rPr>
+                  <m:t>𝑎𝑡</m:t>
+                </m:r>
+                <m:r>
+                  <a:rPr>
+                    <a:latin typeface="Cambria Math" panose="02040503050406030204" pitchFamily="18" charset="0"/>
+                  </a:rPr>
+                  <m:t> </m:t>
+                </m:r>
+                <m:r>
+                  <a:rPr>
+                    <a:latin typeface="Cambria Math" panose="02040503050406030204" pitchFamily="18" charset="0"/>
+                  </a:rPr>
+                  <m:t>𝑙𝑒𝑎𝑠𝑡</m:t>
+                </m:r>
+                <m:r>
+                  <a:rPr>
+                    <a:latin typeface="Cambria Math" panose="02040503050406030204" pitchFamily="18" charset="0"/>
+                  </a:rPr>
+                  <m:t> </m:t>
+                </m:r>
+                <m:r>
+                  <a:rPr>
+                    <a:latin typeface="Cambria Math" panose="02040503050406030204" pitchFamily="18" charset="0"/>
+                  </a:rPr>
+                  <m:t>𝑜𝑛𝑒</m:t>
+                </m:r>
+                <m:r>
+                  <a:rPr>
+                    <a:latin typeface="Cambria Math" panose="02040503050406030204" pitchFamily="18" charset="0"/>
+                  </a:rPr>
+                  <m:t> </m:t>
+                </m:r>
+                <m:r>
+                  <a:rPr>
+                    <a:latin typeface="Cambria Math" panose="02040503050406030204" pitchFamily="18" charset="0"/>
+                  </a:rPr>
+                  <m:t>𝑖</m:t>
+                </m:r>
+                <m:r>
+                  <a:rPr>
+                    <a:latin typeface="Cambria Math" panose="02040503050406030204" pitchFamily="18" charset="0"/>
+                  </a:rPr>
+                  <m:t>,</m:t>
+                </m:r>
+                <m:r>
+                  <a:rPr>
+                    <a:latin typeface="Cambria Math" panose="02040503050406030204" pitchFamily="18" charset="0"/>
+                  </a:rPr>
+                  <m:t>𝑗</m:t>
+                </m:r>
+              </m:oMath>
+            </a14:m>
+            <a:endParaRPr/>
           </a:p>
         </p:txBody>
       </p:sp>
